--- a/MHinTech.pptx
+++ b/MHinTech.pptx
@@ -202,7 +202,7 @@
           <a:p>
             <a:fld id="{B67D3DFF-62E3-4C8D-8A47-B39A2D7D0EDB}" type="datetimeFigureOut">
               <a:rPr lang="en-US" smtClean="0"/>
-              <a:t>12/13/2018</a:t>
+              <a:t>12/14/18</a:t>
             </a:fld>
             <a:endParaRPr lang="en-US"/>
           </a:p>
@@ -1214,7 +1214,7 @@
           <a:p>
             <a:fld id="{75AD03A6-5259-4905-A727-7BDBB95493AA}" type="datetimeFigureOut">
               <a:rPr lang="en-US" smtClean="0"/>
-              <a:t>12/13/2018</a:t>
+              <a:t>12/14/18</a:t>
             </a:fld>
             <a:endParaRPr lang="en-US"/>
           </a:p>
@@ -1465,7 +1465,7 @@
           <a:p>
             <a:fld id="{75AD03A6-5259-4905-A727-7BDBB95493AA}" type="datetimeFigureOut">
               <a:rPr lang="en-US" smtClean="0"/>
-              <a:t>12/13/2018</a:t>
+              <a:t>12/14/18</a:t>
             </a:fld>
             <a:endParaRPr lang="en-US"/>
           </a:p>
@@ -1779,7 +1779,7 @@
           <a:p>
             <a:fld id="{75AD03A6-5259-4905-A727-7BDBB95493AA}" type="datetimeFigureOut">
               <a:rPr lang="en-US" smtClean="0"/>
-              <a:t>12/13/2018</a:t>
+              <a:t>12/14/18</a:t>
             </a:fld>
             <a:endParaRPr lang="en-US"/>
           </a:p>
@@ -2112,7 +2112,7 @@
           <a:p>
             <a:fld id="{75AD03A6-5259-4905-A727-7BDBB95493AA}" type="datetimeFigureOut">
               <a:rPr lang="en-US" smtClean="0"/>
-              <a:t>12/13/2018</a:t>
+              <a:t>12/14/18</a:t>
             </a:fld>
             <a:endParaRPr lang="en-US"/>
           </a:p>
@@ -2426,7 +2426,7 @@
           <a:p>
             <a:fld id="{75AD03A6-5259-4905-A727-7BDBB95493AA}" type="datetimeFigureOut">
               <a:rPr lang="en-US" smtClean="0"/>
-              <a:t>12/13/2018</a:t>
+              <a:t>12/14/18</a:t>
             </a:fld>
             <a:endParaRPr lang="en-US"/>
           </a:p>
@@ -2819,7 +2819,7 @@
           <a:p>
             <a:fld id="{75AD03A6-5259-4905-A727-7BDBB95493AA}" type="datetimeFigureOut">
               <a:rPr lang="en-US" smtClean="0"/>
-              <a:t>12/13/2018</a:t>
+              <a:t>12/14/18</a:t>
             </a:fld>
             <a:endParaRPr lang="en-US"/>
           </a:p>
@@ -2989,7 +2989,7 @@
           <a:p>
             <a:fld id="{75AD03A6-5259-4905-A727-7BDBB95493AA}" type="datetimeFigureOut">
               <a:rPr lang="en-US" smtClean="0"/>
-              <a:t>12/13/2018</a:t>
+              <a:t>12/14/18</a:t>
             </a:fld>
             <a:endParaRPr lang="en-US"/>
           </a:p>
@@ -3169,7 +3169,7 @@
           <a:p>
             <a:fld id="{75AD03A6-5259-4905-A727-7BDBB95493AA}" type="datetimeFigureOut">
               <a:rPr lang="en-US" smtClean="0"/>
-              <a:t>12/13/2018</a:t>
+              <a:t>12/14/18</a:t>
             </a:fld>
             <a:endParaRPr lang="en-US"/>
           </a:p>
@@ -3339,7 +3339,7 @@
           <a:p>
             <a:fld id="{75AD03A6-5259-4905-A727-7BDBB95493AA}" type="datetimeFigureOut">
               <a:rPr lang="en-US" smtClean="0"/>
-              <a:t>12/13/2018</a:t>
+              <a:t>12/14/18</a:t>
             </a:fld>
             <a:endParaRPr lang="en-US"/>
           </a:p>
@@ -3586,7 +3586,7 @@
           <a:p>
             <a:fld id="{75AD03A6-5259-4905-A727-7BDBB95493AA}" type="datetimeFigureOut">
               <a:rPr lang="en-US" smtClean="0"/>
-              <a:t>12/13/2018</a:t>
+              <a:t>12/14/18</a:t>
             </a:fld>
             <a:endParaRPr lang="en-US"/>
           </a:p>
@@ -3818,7 +3818,7 @@
           <a:p>
             <a:fld id="{75AD03A6-5259-4905-A727-7BDBB95493AA}" type="datetimeFigureOut">
               <a:rPr lang="en-US" smtClean="0"/>
-              <a:t>12/13/2018</a:t>
+              <a:t>12/14/18</a:t>
             </a:fld>
             <a:endParaRPr lang="en-US"/>
           </a:p>
@@ -4192,7 +4192,7 @@
           <a:p>
             <a:fld id="{75AD03A6-5259-4905-A727-7BDBB95493AA}" type="datetimeFigureOut">
               <a:rPr lang="en-US" smtClean="0"/>
-              <a:t>12/13/2018</a:t>
+              <a:t>12/14/18</a:t>
             </a:fld>
             <a:endParaRPr lang="en-US"/>
           </a:p>
@@ -4315,7 +4315,7 @@
           <a:p>
             <a:fld id="{75AD03A6-5259-4905-A727-7BDBB95493AA}" type="datetimeFigureOut">
               <a:rPr lang="en-US" smtClean="0"/>
-              <a:t>12/13/2018</a:t>
+              <a:t>12/14/18</a:t>
             </a:fld>
             <a:endParaRPr lang="en-US"/>
           </a:p>
@@ -4410,7 +4410,7 @@
           <a:p>
             <a:fld id="{75AD03A6-5259-4905-A727-7BDBB95493AA}" type="datetimeFigureOut">
               <a:rPr lang="en-US" smtClean="0"/>
-              <a:t>12/13/2018</a:t>
+              <a:t>12/14/18</a:t>
             </a:fld>
             <a:endParaRPr lang="en-US"/>
           </a:p>
@@ -4665,7 +4665,7 @@
           <a:p>
             <a:fld id="{75AD03A6-5259-4905-A727-7BDBB95493AA}" type="datetimeFigureOut">
               <a:rPr lang="en-US" smtClean="0"/>
-              <a:t>12/13/2018</a:t>
+              <a:t>12/14/18</a:t>
             </a:fld>
             <a:endParaRPr lang="en-US"/>
           </a:p>
@@ -4970,7 +4970,7 @@
           <a:p>
             <a:fld id="{75AD03A6-5259-4905-A727-7BDBB95493AA}" type="datetimeFigureOut">
               <a:rPr lang="en-US" smtClean="0"/>
-              <a:t>12/13/2018</a:t>
+              <a:t>12/14/18</a:t>
             </a:fld>
             <a:endParaRPr lang="en-US"/>
           </a:p>
@@ -5672,7 +5672,7 @@
           <a:p>
             <a:fld id="{75AD03A6-5259-4905-A727-7BDBB95493AA}" type="datetimeFigureOut">
               <a:rPr lang="en-US" smtClean="0"/>
-              <a:t>12/13/2018</a:t>
+              <a:t>12/14/18</a:t>
             </a:fld>
             <a:endParaRPr lang="en-US"/>
           </a:p>
@@ -6224,7 +6224,7 @@
           <a:graphicData uri="http://schemas.openxmlformats.org/presentationml/2006/ole">
             <mc:AlternateContent xmlns:mc="http://schemas.openxmlformats.org/markup-compatibility/2006">
               <mc:Choice xmlns:v="urn:schemas-microsoft-com:vml" Requires="v">
-                <p:oleObj spid="_x0000_s5130" name="Document" r:id="rId3" imgW="8243869" imgH="5936366" progId="Word.Document.12">
+                <p:oleObj spid="_x0000_s5131" name="Document" r:id="rId3" imgW="8243869" imgH="5936366" progId="Word.Document.12">
                   <p:embed/>
                 </p:oleObj>
               </mc:Choice>
@@ -6317,7 +6317,7 @@
           <a:graphicData uri="http://schemas.openxmlformats.org/presentationml/2006/ole">
             <mc:AlternateContent xmlns:mc="http://schemas.openxmlformats.org/markup-compatibility/2006">
               <mc:Choice xmlns:v="urn:schemas-microsoft-com:vml" Requires="v">
-                <p:oleObj spid="_x0000_s2060" name="Document" r:id="rId3" imgW="8243869" imgH="4125076" progId="Word.Document.12">
+                <p:oleObj spid="_x0000_s2061" name="Document" r:id="rId3" imgW="8243869" imgH="4125076" progId="Word.Document.12">
                   <p:embed/>
                 </p:oleObj>
               </mc:Choice>
@@ -6397,25 +6397,25 @@
           <p:nvPr>
             <p:extLst>
               <p:ext uri="{D42A27DB-BD31-4B8C-83A1-F6EECF244321}">
-                <p14:modId xmlns:p14="http://schemas.microsoft.com/office/powerpoint/2010/main" val="2027837330"/>
+                <p14:modId xmlns:p14="http://schemas.microsoft.com/office/powerpoint/2010/main" val="1645632280"/>
               </p:ext>
             </p:extLst>
           </p:nvPr>
         </p:nvGraphicFramePr>
         <p:xfrm>
-          <a:off x="1974850" y="1928813"/>
-          <a:ext cx="8243888" cy="2998787"/>
+          <a:off x="1374915" y="2392637"/>
+          <a:ext cx="8229600" cy="1473200"/>
         </p:xfrm>
         <a:graphic>
           <a:graphicData uri="http://schemas.openxmlformats.org/presentationml/2006/ole">
             <mc:AlternateContent xmlns:mc="http://schemas.openxmlformats.org/markup-compatibility/2006">
               <mc:Choice xmlns:v="urn:schemas-microsoft-com:vml" Requires="v">
-                <p:oleObj spid="_x0000_s3084" name="Document" r:id="rId3" imgW="8243869" imgH="2998779" progId="Word.Document.12">
+                <p:oleObj spid="_x0000_s3085" name="Document" r:id="rId3" imgW="8229600" imgH="1473200" progId="Word.Document.12">
                   <p:embed/>
                 </p:oleObj>
               </mc:Choice>
               <mc:Fallback>
-                <p:oleObj name="Document" r:id="rId3" imgW="8243869" imgH="2998779" progId="Word.Document.12">
+                <p:oleObj name="Document" r:id="rId3" imgW="8229600" imgH="1473200" progId="Word.Document.12">
                   <p:embed/>
                   <p:pic>
                     <p:nvPicPr>
@@ -6431,8 +6431,8 @@
                     </p:blipFill>
                     <p:spPr>
                       <a:xfrm>
-                        <a:off x="1974850" y="1928813"/>
-                        <a:ext cx="8243888" cy="2998787"/>
+                        <a:off x="1374915" y="2392637"/>
+                        <a:ext cx="8229600" cy="1473200"/>
                       </a:xfrm>
                       <a:prstGeom prst="rect">
                         <a:avLst/>
@@ -6503,7 +6503,7 @@
           <a:graphicData uri="http://schemas.openxmlformats.org/presentationml/2006/ole">
             <mc:AlternateContent xmlns:mc="http://schemas.openxmlformats.org/markup-compatibility/2006">
               <mc:Choice xmlns:v="urn:schemas-microsoft-com:vml" Requires="v">
-                <p:oleObj spid="_x0000_s8195" name="Document" r:id="rId3" imgW="8243869" imgH="4333130" progId="Word.Document.12">
+                <p:oleObj spid="_x0000_s8196" name="Document" r:id="rId3" imgW="8243869" imgH="4333130" progId="Word.Document.12">
                   <p:embed/>
                 </p:oleObj>
               </mc:Choice>
@@ -6596,7 +6596,7 @@
           <a:graphicData uri="http://schemas.openxmlformats.org/presentationml/2006/ole">
             <mc:AlternateContent xmlns:mc="http://schemas.openxmlformats.org/markup-compatibility/2006">
               <mc:Choice xmlns:v="urn:schemas-microsoft-com:vml" Requires="v">
-                <p:oleObj spid="_x0000_s7173" name="Document" r:id="rId3" imgW="8243869" imgH="3952658" progId="Word.Document.12">
+                <p:oleObj spid="_x0000_s7174" name="Document" r:id="rId3" imgW="8243869" imgH="3952658" progId="Word.Document.12">
                   <p:embed/>
                 </p:oleObj>
               </mc:Choice>
@@ -6690,7 +6690,7 @@
           <a:graphicData uri="http://schemas.openxmlformats.org/presentationml/2006/ole">
             <mc:AlternateContent xmlns:mc="http://schemas.openxmlformats.org/markup-compatibility/2006">
               <mc:Choice xmlns:v="urn:schemas-microsoft-com:vml" Requires="v">
-                <p:oleObj spid="_x0000_s6152" name="Presentation" r:id="rId3" imgW="5000125" imgH="3863367" progId="PowerPoint.Show.12">
+                <p:oleObj spid="_x0000_s6153" name="Presentation" r:id="rId3" imgW="5000125" imgH="3863367" progId="PowerPoint.Show.12">
                   <p:embed/>
                 </p:oleObj>
               </mc:Choice>

--- a/MHinTech.pptx
+++ b/MHinTech.pptx
@@ -5,7 +5,7 @@
     <p:sldMasterId id="2147483748" r:id="rId1"/>
   </p:sldMasterIdLst>
   <p:notesMasterIdLst>
-    <p:notesMasterId r:id="rId8"/>
+    <p:notesMasterId r:id="rId9"/>
   </p:notesMasterIdLst>
   <p:sldIdLst>
     <p:sldId id="260" r:id="rId2"/>
@@ -14,6 +14,7 @@
     <p:sldId id="263" r:id="rId5"/>
     <p:sldId id="262" r:id="rId6"/>
     <p:sldId id="261" r:id="rId7"/>
+    <p:sldId id="264" r:id="rId8"/>
   </p:sldIdLst>
   <p:sldSz cx="12192000" cy="6858000"/>
   <p:notesSz cx="6858000" cy="9144000"/>
@@ -6224,7 +6225,7 @@
           <a:graphicData uri="http://schemas.openxmlformats.org/presentationml/2006/ole">
             <mc:AlternateContent xmlns:mc="http://schemas.openxmlformats.org/markup-compatibility/2006">
               <mc:Choice xmlns:v="urn:schemas-microsoft-com:vml" Requires="v">
-                <p:oleObj spid="_x0000_s5131" name="Document" r:id="rId3" imgW="8243869" imgH="5936366" progId="Word.Document.12">
+                <p:oleObj spid="_x0000_s5132" name="Document" r:id="rId3" imgW="8243869" imgH="5936366" progId="Word.Document.12">
                   <p:embed/>
                 </p:oleObj>
               </mc:Choice>
@@ -6317,7 +6318,7 @@
           <a:graphicData uri="http://schemas.openxmlformats.org/presentationml/2006/ole">
             <mc:AlternateContent xmlns:mc="http://schemas.openxmlformats.org/markup-compatibility/2006">
               <mc:Choice xmlns:v="urn:schemas-microsoft-com:vml" Requires="v">
-                <p:oleObj spid="_x0000_s2061" name="Document" r:id="rId3" imgW="8243869" imgH="4125076" progId="Word.Document.12">
+                <p:oleObj spid="_x0000_s2062" name="Document" r:id="rId3" imgW="8243869" imgH="4125076" progId="Word.Document.12">
                   <p:embed/>
                 </p:oleObj>
               </mc:Choice>
@@ -6410,7 +6411,7 @@
           <a:graphicData uri="http://schemas.openxmlformats.org/presentationml/2006/ole">
             <mc:AlternateContent xmlns:mc="http://schemas.openxmlformats.org/markup-compatibility/2006">
               <mc:Choice xmlns:v="urn:schemas-microsoft-com:vml" Requires="v">
-                <p:oleObj spid="_x0000_s3085" name="Document" r:id="rId3" imgW="8229600" imgH="1473200" progId="Word.Document.12">
+                <p:oleObj spid="_x0000_s3086" name="Document" r:id="rId3" imgW="8229600" imgH="1473200" progId="Word.Document.12">
                   <p:embed/>
                 </p:oleObj>
               </mc:Choice>
@@ -6503,7 +6504,7 @@
           <a:graphicData uri="http://schemas.openxmlformats.org/presentationml/2006/ole">
             <mc:AlternateContent xmlns:mc="http://schemas.openxmlformats.org/markup-compatibility/2006">
               <mc:Choice xmlns:v="urn:schemas-microsoft-com:vml" Requires="v">
-                <p:oleObj spid="_x0000_s8196" name="Document" r:id="rId3" imgW="8243869" imgH="4333130" progId="Word.Document.12">
+                <p:oleObj spid="_x0000_s8197" name="Document" r:id="rId3" imgW="8243869" imgH="4333130" progId="Word.Document.12">
                   <p:embed/>
                 </p:oleObj>
               </mc:Choice>
@@ -6596,7 +6597,7 @@
           <a:graphicData uri="http://schemas.openxmlformats.org/presentationml/2006/ole">
             <mc:AlternateContent xmlns:mc="http://schemas.openxmlformats.org/markup-compatibility/2006">
               <mc:Choice xmlns:v="urn:schemas-microsoft-com:vml" Requires="v">
-                <p:oleObj spid="_x0000_s7174" name="Document" r:id="rId3" imgW="8243869" imgH="3952658" progId="Word.Document.12">
+                <p:oleObj spid="_x0000_s7175" name="Document" r:id="rId3" imgW="8243869" imgH="3952658" progId="Word.Document.12">
                   <p:embed/>
                 </p:oleObj>
               </mc:Choice>
@@ -6690,7 +6691,7 @@
           <a:graphicData uri="http://schemas.openxmlformats.org/presentationml/2006/ole">
             <mc:AlternateContent xmlns:mc="http://schemas.openxmlformats.org/markup-compatibility/2006">
               <mc:Choice xmlns:v="urn:schemas-microsoft-com:vml" Requires="v">
-                <p:oleObj spid="_x0000_s6153" name="Presentation" r:id="rId3" imgW="5000125" imgH="3863367" progId="PowerPoint.Show.12">
+                <p:oleObj spid="_x0000_s6154" name="Presentation" r:id="rId3" imgW="5000125" imgH="3863367" progId="PowerPoint.Show.12">
                   <p:embed/>
                 </p:oleObj>
               </mc:Choice>
@@ -6729,6 +6730,180 @@
     <p:extLst>
       <p:ext uri="{BB962C8B-B14F-4D97-AF65-F5344CB8AC3E}">
         <p14:creationId xmlns:p14="http://schemas.microsoft.com/office/powerpoint/2010/main" val="3981362263"/>
+      </p:ext>
+    </p:extLst>
+  </p:cSld>
+  <p:clrMapOvr>
+    <a:masterClrMapping/>
+  </p:clrMapOvr>
+</p:sld>
+</file>
+
+<file path=ppt/slides/slide7.xml><?xml version="1.0" encoding="utf-8"?>
+<p:sld xmlns:a="http://schemas.openxmlformats.org/drawingml/2006/main" xmlns:r="http://schemas.openxmlformats.org/officeDocument/2006/relationships" xmlns:p="http://schemas.openxmlformats.org/presentationml/2006/main">
+  <p:cSld>
+    <p:spTree>
+      <p:nvGrpSpPr>
+        <p:cNvPr id="1" name=""/>
+        <p:cNvGrpSpPr/>
+        <p:nvPr/>
+      </p:nvGrpSpPr>
+      <p:grpSpPr>
+        <a:xfrm>
+          <a:off x="0" y="0"/>
+          <a:ext cx="0" cy="0"/>
+          <a:chOff x="0" y="0"/>
+          <a:chExt cx="0" cy="0"/>
+        </a:xfrm>
+      </p:grpSpPr>
+      <p:sp>
+        <p:nvSpPr>
+          <p:cNvPr id="3" name="TextBox 2">
+            <a:extLst>
+              <a:ext uri="{FF2B5EF4-FFF2-40B4-BE49-F238E27FC236}">
+                <a16:creationId xmlns:a16="http://schemas.microsoft.com/office/drawing/2014/main" id="{6810996C-957D-0D43-9F3B-9FD110AD341C}"/>
+              </a:ext>
+            </a:extLst>
+          </p:cNvPr>
+          <p:cNvSpPr txBox="1"/>
+          <p:nvPr/>
+        </p:nvSpPr>
+        <p:spPr>
+          <a:xfrm>
+            <a:off x="1967947" y="1172817"/>
+            <a:ext cx="3001618" cy="461665"/>
+          </a:xfrm>
+          <a:prstGeom prst="rect">
+            <a:avLst/>
+          </a:prstGeom>
+          <a:noFill/>
+        </p:spPr>
+        <p:txBody>
+          <a:bodyPr wrap="square" rtlCol="0">
+            <a:spAutoFit/>
+          </a:bodyPr>
+          <a:lstStyle/>
+          <a:p>
+            <a:r>
+              <a:rPr lang="en-US" sz="2400" dirty="0"/>
+              <a:t>Machine Learning</a:t>
+            </a:r>
+          </a:p>
+        </p:txBody>
+      </p:sp>
+      <p:sp>
+        <p:nvSpPr>
+          <p:cNvPr id="4" name="TextBox 3">
+            <a:extLst>
+              <a:ext uri="{FF2B5EF4-FFF2-40B4-BE49-F238E27FC236}">
+                <a16:creationId xmlns:a16="http://schemas.microsoft.com/office/drawing/2014/main" id="{4C1C2C16-F67B-BD48-9D02-5F89DA4CCEA3}"/>
+              </a:ext>
+            </a:extLst>
+          </p:cNvPr>
+          <p:cNvSpPr txBox="1"/>
+          <p:nvPr/>
+        </p:nvSpPr>
+        <p:spPr>
+          <a:xfrm>
+            <a:off x="2295937" y="1918256"/>
+            <a:ext cx="3340979" cy="923330"/>
+          </a:xfrm>
+          <a:prstGeom prst="rect">
+            <a:avLst/>
+          </a:prstGeom>
+          <a:noFill/>
+        </p:spPr>
+        <p:txBody>
+          <a:bodyPr wrap="none" rtlCol="0">
+            <a:spAutoFit/>
+          </a:bodyPr>
+          <a:lstStyle/>
+          <a:p>
+            <a:r>
+              <a:rPr lang="en-US" dirty="0"/>
+              <a:t>Notebooks:</a:t>
+            </a:r>
+          </a:p>
+          <a:p>
+            <a:r>
+              <a:rPr lang="en-US" dirty="0">
+                <a:hlinkClick r:id="rId2"/>
+              </a:rPr>
+              <a:t>Data Cleaning and Formatting</a:t>
+            </a:r>
+            <a:r>
+              <a:rPr lang="en-US" dirty="0"/>
+              <a:t> </a:t>
+            </a:r>
+          </a:p>
+          <a:p>
+            <a:r>
+              <a:rPr lang="en-US" dirty="0">
+                <a:hlinkClick r:id="rId3"/>
+              </a:rPr>
+              <a:t>Machine Learning</a:t>
+            </a:r>
+            <a:endParaRPr lang="en-US" dirty="0"/>
+          </a:p>
+        </p:txBody>
+      </p:sp>
+      <p:sp>
+        <p:nvSpPr>
+          <p:cNvPr id="5" name="TextBox 4">
+            <a:extLst>
+              <a:ext uri="{FF2B5EF4-FFF2-40B4-BE49-F238E27FC236}">
+                <a16:creationId xmlns:a16="http://schemas.microsoft.com/office/drawing/2014/main" id="{98860BB2-8EBB-944C-9BFE-38314BFE6BC7}"/>
+              </a:ext>
+            </a:extLst>
+          </p:cNvPr>
+          <p:cNvSpPr txBox="1"/>
+          <p:nvPr/>
+        </p:nvSpPr>
+        <p:spPr>
+          <a:xfrm>
+            <a:off x="2305881" y="3220282"/>
+            <a:ext cx="1479892" cy="923330"/>
+          </a:xfrm>
+          <a:prstGeom prst="rect">
+            <a:avLst/>
+          </a:prstGeom>
+          <a:noFill/>
+        </p:spPr>
+        <p:txBody>
+          <a:bodyPr wrap="none" rtlCol="0">
+            <a:spAutoFit/>
+          </a:bodyPr>
+          <a:lstStyle/>
+          <a:p>
+            <a:r>
+              <a:rPr lang="en-US" dirty="0"/>
+              <a:t>Flask App:</a:t>
+            </a:r>
+          </a:p>
+          <a:p>
+            <a:r>
+              <a:rPr lang="en-US" dirty="0">
+                <a:hlinkClick r:id="rId4"/>
+              </a:rPr>
+              <a:t>Python Code</a:t>
+            </a:r>
+            <a:endParaRPr lang="en-US" dirty="0"/>
+          </a:p>
+          <a:p>
+            <a:r>
+              <a:rPr lang="en-US" dirty="0">
+                <a:hlinkClick r:id="rId5"/>
+              </a:rPr>
+              <a:t>HTML Form</a:t>
+            </a:r>
+            <a:endParaRPr lang="en-US" dirty="0"/>
+          </a:p>
+        </p:txBody>
+      </p:sp>
+    </p:spTree>
+    <p:extLst>
+      <p:ext uri="{BB962C8B-B14F-4D97-AF65-F5344CB8AC3E}">
+        <p14:creationId xmlns:p14="http://schemas.microsoft.com/office/powerpoint/2010/main" val="1522094538"/>
       </p:ext>
     </p:extLst>
   </p:cSld>

--- a/MHinTech.pptx
+++ b/MHinTech.pptx
@@ -5,16 +5,21 @@
     <p:sldMasterId id="2147483748" r:id="rId1"/>
   </p:sldMasterIdLst>
   <p:notesMasterIdLst>
-    <p:notesMasterId r:id="rId9"/>
+    <p:notesMasterId r:id="rId14"/>
   </p:notesMasterIdLst>
   <p:sldIdLst>
-    <p:sldId id="260" r:id="rId2"/>
-    <p:sldId id="257" r:id="rId3"/>
-    <p:sldId id="258" r:id="rId4"/>
-    <p:sldId id="263" r:id="rId5"/>
-    <p:sldId id="262" r:id="rId6"/>
-    <p:sldId id="261" r:id="rId7"/>
-    <p:sldId id="264" r:id="rId8"/>
+    <p:sldId id="275" r:id="rId2"/>
+    <p:sldId id="274" r:id="rId3"/>
+    <p:sldId id="273" r:id="rId4"/>
+    <p:sldId id="271" r:id="rId5"/>
+    <p:sldId id="277" r:id="rId6"/>
+    <p:sldId id="269" r:id="rId7"/>
+    <p:sldId id="261" r:id="rId8"/>
+    <p:sldId id="264" r:id="rId9"/>
+    <p:sldId id="265" r:id="rId10"/>
+    <p:sldId id="270" r:id="rId11"/>
+    <p:sldId id="268" r:id="rId12"/>
+    <p:sldId id="267" r:id="rId13"/>
   </p:sldIdLst>
   <p:sldSz cx="12192000" cy="6858000"/>
   <p:notesSz cx="6858000" cy="9144000"/>
@@ -170,7 +175,7 @@
             </a:lvl1pPr>
           </a:lstStyle>
           <a:p>
-            <a:endParaRPr lang="en-US"/>
+            <a:endParaRPr lang="en-US" dirty="0"/>
           </a:p>
         </p:txBody>
       </p:sp>
@@ -203,9 +208,9 @@
           <a:p>
             <a:fld id="{B67D3DFF-62E3-4C8D-8A47-B39A2D7D0EDB}" type="datetimeFigureOut">
               <a:rPr lang="en-US" smtClean="0"/>
-              <a:t>12/14/18</a:t>
+              <a:t>12/14/2018</a:t>
             </a:fld>
-            <a:endParaRPr lang="en-US"/>
+            <a:endParaRPr lang="en-US" dirty="0"/>
           </a:p>
         </p:txBody>
       </p:sp>
@@ -238,7 +243,7 @@
           <a:bodyPr vert="horz" lIns="91440" tIns="45720" rIns="91440" bIns="45720" rtlCol="0" anchor="ctr"/>
           <a:lstStyle/>
           <a:p>
-            <a:endParaRPr lang="en-US"/>
+            <a:endParaRPr lang="en-US" dirty="0"/>
           </a:p>
         </p:txBody>
       </p:sp>
@@ -328,7 +333,7 @@
             </a:lvl1pPr>
           </a:lstStyle>
           <a:p>
-            <a:endParaRPr lang="en-US"/>
+            <a:endParaRPr lang="en-US" dirty="0"/>
           </a:p>
         </p:txBody>
       </p:sp>
@@ -363,7 +368,7 @@
               <a:rPr lang="en-US" smtClean="0"/>
               <a:t>‹#›</a:t>
             </a:fld>
-            <a:endParaRPr lang="en-US"/>
+            <a:endParaRPr lang="en-US" dirty="0"/>
           </a:p>
         </p:txBody>
       </p:sp>
@@ -1215,9 +1220,9 @@
           <a:p>
             <a:fld id="{75AD03A6-5259-4905-A727-7BDBB95493AA}" type="datetimeFigureOut">
               <a:rPr lang="en-US" smtClean="0"/>
-              <a:t>12/14/18</a:t>
+              <a:t>12/14/2018</a:t>
             </a:fld>
-            <a:endParaRPr lang="en-US"/>
+            <a:endParaRPr lang="en-US" dirty="0"/>
           </a:p>
         </p:txBody>
       </p:sp>
@@ -1236,7 +1241,7 @@
           <a:bodyPr/>
           <a:lstStyle/>
           <a:p>
-            <a:endParaRPr lang="en-US"/>
+            <a:endParaRPr lang="en-US" dirty="0"/>
           </a:p>
         </p:txBody>
       </p:sp>
@@ -1259,7 +1264,7 @@
               <a:rPr lang="en-US" smtClean="0"/>
               <a:t>‹#›</a:t>
             </a:fld>
-            <a:endParaRPr lang="en-US"/>
+            <a:endParaRPr lang="en-US" dirty="0"/>
           </a:p>
         </p:txBody>
       </p:sp>
@@ -1466,9 +1471,9 @@
           <a:p>
             <a:fld id="{75AD03A6-5259-4905-A727-7BDBB95493AA}" type="datetimeFigureOut">
               <a:rPr lang="en-US" smtClean="0"/>
-              <a:t>12/14/18</a:t>
+              <a:t>12/14/2018</a:t>
             </a:fld>
-            <a:endParaRPr lang="en-US"/>
+            <a:endParaRPr lang="en-US" dirty="0"/>
           </a:p>
         </p:txBody>
       </p:sp>
@@ -1487,7 +1492,7 @@
           <a:bodyPr/>
           <a:lstStyle/>
           <a:p>
-            <a:endParaRPr lang="en-US"/>
+            <a:endParaRPr lang="en-US" dirty="0"/>
           </a:p>
         </p:txBody>
       </p:sp>
@@ -1510,7 +1515,7 @@
               <a:rPr lang="en-US" smtClean="0"/>
               <a:t>‹#›</a:t>
             </a:fld>
-            <a:endParaRPr lang="en-US"/>
+            <a:endParaRPr lang="en-US" dirty="0"/>
           </a:p>
         </p:txBody>
       </p:sp>
@@ -1780,9 +1785,9 @@
           <a:p>
             <a:fld id="{75AD03A6-5259-4905-A727-7BDBB95493AA}" type="datetimeFigureOut">
               <a:rPr lang="en-US" smtClean="0"/>
-              <a:t>12/14/18</a:t>
+              <a:t>12/14/2018</a:t>
             </a:fld>
-            <a:endParaRPr lang="en-US"/>
+            <a:endParaRPr lang="en-US" dirty="0"/>
           </a:p>
         </p:txBody>
       </p:sp>
@@ -1801,7 +1806,7 @@
           <a:bodyPr/>
           <a:lstStyle/>
           <a:p>
-            <a:endParaRPr lang="en-US"/>
+            <a:endParaRPr lang="en-US" dirty="0"/>
           </a:p>
         </p:txBody>
       </p:sp>
@@ -1824,7 +1829,7 @@
               <a:rPr lang="en-US" smtClean="0"/>
               <a:t>‹#›</a:t>
             </a:fld>
-            <a:endParaRPr lang="en-US"/>
+            <a:endParaRPr lang="en-US" dirty="0"/>
           </a:p>
         </p:txBody>
       </p:sp>
@@ -2113,9 +2118,9 @@
           <a:p>
             <a:fld id="{75AD03A6-5259-4905-A727-7BDBB95493AA}" type="datetimeFigureOut">
               <a:rPr lang="en-US" smtClean="0"/>
-              <a:t>12/14/18</a:t>
+              <a:t>12/14/2018</a:t>
             </a:fld>
-            <a:endParaRPr lang="en-US"/>
+            <a:endParaRPr lang="en-US" dirty="0"/>
           </a:p>
         </p:txBody>
       </p:sp>
@@ -2134,7 +2139,7 @@
           <a:bodyPr/>
           <a:lstStyle/>
           <a:p>
-            <a:endParaRPr lang="en-US"/>
+            <a:endParaRPr lang="en-US" dirty="0"/>
           </a:p>
         </p:txBody>
       </p:sp>
@@ -2157,7 +2162,7 @@
               <a:rPr lang="en-US" smtClean="0"/>
               <a:t>‹#›</a:t>
             </a:fld>
-            <a:endParaRPr lang="en-US"/>
+            <a:endParaRPr lang="en-US" dirty="0"/>
           </a:p>
         </p:txBody>
       </p:sp>
@@ -2427,9 +2432,9 @@
           <a:p>
             <a:fld id="{75AD03A6-5259-4905-A727-7BDBB95493AA}" type="datetimeFigureOut">
               <a:rPr lang="en-US" smtClean="0"/>
-              <a:t>12/14/18</a:t>
+              <a:t>12/14/2018</a:t>
             </a:fld>
-            <a:endParaRPr lang="en-US"/>
+            <a:endParaRPr lang="en-US" dirty="0"/>
           </a:p>
         </p:txBody>
       </p:sp>
@@ -2448,7 +2453,7 @@
           <a:bodyPr/>
           <a:lstStyle/>
           <a:p>
-            <a:endParaRPr lang="en-US"/>
+            <a:endParaRPr lang="en-US" dirty="0"/>
           </a:p>
         </p:txBody>
       </p:sp>
@@ -2471,7 +2476,7 @@
               <a:rPr lang="en-US" smtClean="0"/>
               <a:t>‹#›</a:t>
             </a:fld>
-            <a:endParaRPr lang="en-US"/>
+            <a:endParaRPr lang="en-US" dirty="0"/>
           </a:p>
         </p:txBody>
       </p:sp>
@@ -2820,9 +2825,9 @@
           <a:p>
             <a:fld id="{75AD03A6-5259-4905-A727-7BDBB95493AA}" type="datetimeFigureOut">
               <a:rPr lang="en-US" smtClean="0"/>
-              <a:t>12/14/18</a:t>
+              <a:t>12/14/2018</a:t>
             </a:fld>
-            <a:endParaRPr lang="en-US"/>
+            <a:endParaRPr lang="en-US" dirty="0"/>
           </a:p>
         </p:txBody>
       </p:sp>
@@ -2841,7 +2846,7 @@
           <a:bodyPr/>
           <a:lstStyle/>
           <a:p>
-            <a:endParaRPr lang="en-US"/>
+            <a:endParaRPr lang="en-US" dirty="0"/>
           </a:p>
         </p:txBody>
       </p:sp>
@@ -2864,7 +2869,7 @@
               <a:rPr lang="en-US" smtClean="0"/>
               <a:t>‹#›</a:t>
             </a:fld>
-            <a:endParaRPr lang="en-US"/>
+            <a:endParaRPr lang="en-US" dirty="0"/>
           </a:p>
         </p:txBody>
       </p:sp>
@@ -2990,9 +2995,9 @@
           <a:p>
             <a:fld id="{75AD03A6-5259-4905-A727-7BDBB95493AA}" type="datetimeFigureOut">
               <a:rPr lang="en-US" smtClean="0"/>
-              <a:t>12/14/18</a:t>
+              <a:t>12/14/2018</a:t>
             </a:fld>
-            <a:endParaRPr lang="en-US"/>
+            <a:endParaRPr lang="en-US" dirty="0"/>
           </a:p>
         </p:txBody>
       </p:sp>
@@ -3011,7 +3016,7 @@
           <a:bodyPr/>
           <a:lstStyle/>
           <a:p>
-            <a:endParaRPr lang="en-US"/>
+            <a:endParaRPr lang="en-US" dirty="0"/>
           </a:p>
         </p:txBody>
       </p:sp>
@@ -3034,7 +3039,7 @@
               <a:rPr lang="en-US" smtClean="0"/>
               <a:t>‹#›</a:t>
             </a:fld>
-            <a:endParaRPr lang="en-US"/>
+            <a:endParaRPr lang="en-US" dirty="0"/>
           </a:p>
         </p:txBody>
       </p:sp>
@@ -3170,9 +3175,9 @@
           <a:p>
             <a:fld id="{75AD03A6-5259-4905-A727-7BDBB95493AA}" type="datetimeFigureOut">
               <a:rPr lang="en-US" smtClean="0"/>
-              <a:t>12/14/18</a:t>
+              <a:t>12/14/2018</a:t>
             </a:fld>
-            <a:endParaRPr lang="en-US"/>
+            <a:endParaRPr lang="en-US" dirty="0"/>
           </a:p>
         </p:txBody>
       </p:sp>
@@ -3191,7 +3196,7 @@
           <a:bodyPr/>
           <a:lstStyle/>
           <a:p>
-            <a:endParaRPr lang="en-US"/>
+            <a:endParaRPr lang="en-US" dirty="0"/>
           </a:p>
         </p:txBody>
       </p:sp>
@@ -3214,7 +3219,7 @@
               <a:rPr lang="en-US" smtClean="0"/>
               <a:t>‹#›</a:t>
             </a:fld>
-            <a:endParaRPr lang="en-US"/>
+            <a:endParaRPr lang="en-US" dirty="0"/>
           </a:p>
         </p:txBody>
       </p:sp>
@@ -3340,9 +3345,9 @@
           <a:p>
             <a:fld id="{75AD03A6-5259-4905-A727-7BDBB95493AA}" type="datetimeFigureOut">
               <a:rPr lang="en-US" smtClean="0"/>
-              <a:t>12/14/18</a:t>
+              <a:t>12/14/2018</a:t>
             </a:fld>
-            <a:endParaRPr lang="en-US"/>
+            <a:endParaRPr lang="en-US" dirty="0"/>
           </a:p>
         </p:txBody>
       </p:sp>
@@ -3361,7 +3366,7 @@
           <a:bodyPr/>
           <a:lstStyle/>
           <a:p>
-            <a:endParaRPr lang="en-US"/>
+            <a:endParaRPr lang="en-US" dirty="0"/>
           </a:p>
         </p:txBody>
       </p:sp>
@@ -3384,7 +3389,7 @@
               <a:rPr lang="en-US" smtClean="0"/>
               <a:t>‹#›</a:t>
             </a:fld>
-            <a:endParaRPr lang="en-US"/>
+            <a:endParaRPr lang="en-US" dirty="0"/>
           </a:p>
         </p:txBody>
       </p:sp>
@@ -3587,9 +3592,9 @@
           <a:p>
             <a:fld id="{75AD03A6-5259-4905-A727-7BDBB95493AA}" type="datetimeFigureOut">
               <a:rPr lang="en-US" smtClean="0"/>
-              <a:t>12/14/18</a:t>
+              <a:t>12/14/2018</a:t>
             </a:fld>
-            <a:endParaRPr lang="en-US"/>
+            <a:endParaRPr lang="en-US" dirty="0"/>
           </a:p>
         </p:txBody>
       </p:sp>
@@ -3608,7 +3613,7 @@
           <a:bodyPr/>
           <a:lstStyle/>
           <a:p>
-            <a:endParaRPr lang="en-US"/>
+            <a:endParaRPr lang="en-US" dirty="0"/>
           </a:p>
         </p:txBody>
       </p:sp>
@@ -3631,7 +3636,7 @@
               <a:rPr lang="en-US" smtClean="0"/>
               <a:t>‹#›</a:t>
             </a:fld>
-            <a:endParaRPr lang="en-US"/>
+            <a:endParaRPr lang="en-US" dirty="0"/>
           </a:p>
         </p:txBody>
       </p:sp>
@@ -3819,9 +3824,9 @@
           <a:p>
             <a:fld id="{75AD03A6-5259-4905-A727-7BDBB95493AA}" type="datetimeFigureOut">
               <a:rPr lang="en-US" smtClean="0"/>
-              <a:t>12/14/18</a:t>
+              <a:t>12/14/2018</a:t>
             </a:fld>
-            <a:endParaRPr lang="en-US"/>
+            <a:endParaRPr lang="en-US" dirty="0"/>
           </a:p>
         </p:txBody>
       </p:sp>
@@ -3840,7 +3845,7 @@
           <a:bodyPr/>
           <a:lstStyle/>
           <a:p>
-            <a:endParaRPr lang="en-US"/>
+            <a:endParaRPr lang="en-US" dirty="0"/>
           </a:p>
         </p:txBody>
       </p:sp>
@@ -3863,7 +3868,7 @@
               <a:rPr lang="en-US" smtClean="0"/>
               <a:t>‹#›</a:t>
             </a:fld>
-            <a:endParaRPr lang="en-US"/>
+            <a:endParaRPr lang="en-US" dirty="0"/>
           </a:p>
         </p:txBody>
       </p:sp>
@@ -4193,9 +4198,9 @@
           <a:p>
             <a:fld id="{75AD03A6-5259-4905-A727-7BDBB95493AA}" type="datetimeFigureOut">
               <a:rPr lang="en-US" smtClean="0"/>
-              <a:t>12/14/18</a:t>
+              <a:t>12/14/2018</a:t>
             </a:fld>
-            <a:endParaRPr lang="en-US"/>
+            <a:endParaRPr lang="en-US" dirty="0"/>
           </a:p>
         </p:txBody>
       </p:sp>
@@ -4214,7 +4219,7 @@
           <a:bodyPr/>
           <a:lstStyle/>
           <a:p>
-            <a:endParaRPr lang="en-US"/>
+            <a:endParaRPr lang="en-US" dirty="0"/>
           </a:p>
         </p:txBody>
       </p:sp>
@@ -4237,7 +4242,7 @@
               <a:rPr lang="en-US" smtClean="0"/>
               <a:t>‹#›</a:t>
             </a:fld>
-            <a:endParaRPr lang="en-US"/>
+            <a:endParaRPr lang="en-US" dirty="0"/>
           </a:p>
         </p:txBody>
       </p:sp>
@@ -4316,9 +4321,9 @@
           <a:p>
             <a:fld id="{75AD03A6-5259-4905-A727-7BDBB95493AA}" type="datetimeFigureOut">
               <a:rPr lang="en-US" smtClean="0"/>
-              <a:t>12/14/18</a:t>
+              <a:t>12/14/2018</a:t>
             </a:fld>
-            <a:endParaRPr lang="en-US"/>
+            <a:endParaRPr lang="en-US" dirty="0"/>
           </a:p>
         </p:txBody>
       </p:sp>
@@ -4337,7 +4342,7 @@
           <a:bodyPr/>
           <a:lstStyle/>
           <a:p>
-            <a:endParaRPr lang="en-US"/>
+            <a:endParaRPr lang="en-US" dirty="0"/>
           </a:p>
         </p:txBody>
       </p:sp>
@@ -4360,7 +4365,7 @@
               <a:rPr lang="en-US" smtClean="0"/>
               <a:t>‹#›</a:t>
             </a:fld>
-            <a:endParaRPr lang="en-US"/>
+            <a:endParaRPr lang="en-US" dirty="0"/>
           </a:p>
         </p:txBody>
       </p:sp>
@@ -4411,9 +4416,9 @@
           <a:p>
             <a:fld id="{75AD03A6-5259-4905-A727-7BDBB95493AA}" type="datetimeFigureOut">
               <a:rPr lang="en-US" smtClean="0"/>
-              <a:t>12/14/18</a:t>
+              <a:t>12/14/2018</a:t>
             </a:fld>
-            <a:endParaRPr lang="en-US"/>
+            <a:endParaRPr lang="en-US" dirty="0"/>
           </a:p>
         </p:txBody>
       </p:sp>
@@ -4432,7 +4437,7 @@
           <a:bodyPr/>
           <a:lstStyle/>
           <a:p>
-            <a:endParaRPr lang="en-US"/>
+            <a:endParaRPr lang="en-US" dirty="0"/>
           </a:p>
         </p:txBody>
       </p:sp>
@@ -4455,7 +4460,7 @@
               <a:rPr lang="en-US" smtClean="0"/>
               <a:t>‹#›</a:t>
             </a:fld>
-            <a:endParaRPr lang="en-US"/>
+            <a:endParaRPr lang="en-US" dirty="0"/>
           </a:p>
         </p:txBody>
       </p:sp>
@@ -4666,9 +4671,9 @@
           <a:p>
             <a:fld id="{75AD03A6-5259-4905-A727-7BDBB95493AA}" type="datetimeFigureOut">
               <a:rPr lang="en-US" smtClean="0"/>
-              <a:t>12/14/18</a:t>
+              <a:t>12/14/2018</a:t>
             </a:fld>
-            <a:endParaRPr lang="en-US"/>
+            <a:endParaRPr lang="en-US" dirty="0"/>
           </a:p>
         </p:txBody>
       </p:sp>
@@ -4687,7 +4692,7 @@
           <a:bodyPr/>
           <a:lstStyle/>
           <a:p>
-            <a:endParaRPr lang="en-US"/>
+            <a:endParaRPr lang="en-US" dirty="0"/>
           </a:p>
         </p:txBody>
       </p:sp>
@@ -4710,7 +4715,7 @@
               <a:rPr lang="en-US" smtClean="0"/>
               <a:t>‹#›</a:t>
             </a:fld>
-            <a:endParaRPr lang="en-US"/>
+            <a:endParaRPr lang="en-US" dirty="0"/>
           </a:p>
         </p:txBody>
       </p:sp>
@@ -4838,10 +4843,9 @@
           </a:lstStyle>
           <a:p>
             <a:r>
-              <a:rPr lang="en-US"/>
+              <a:rPr lang="en-US" dirty="0"/>
               <a:t>Click icon to add picture</a:t>
             </a:r>
-            <a:endParaRPr lang="en-US" dirty="0"/>
           </a:p>
         </p:txBody>
       </p:sp>
@@ -4927,7 +4931,7 @@
           <a:bodyPr/>
           <a:lstStyle/>
           <a:p>
-            <a:endParaRPr lang="en-US"/>
+            <a:endParaRPr lang="en-US" dirty="0"/>
           </a:p>
         </p:txBody>
       </p:sp>
@@ -4950,7 +4954,7 @@
               <a:rPr lang="en-US" smtClean="0"/>
               <a:t>‹#›</a:t>
             </a:fld>
-            <a:endParaRPr lang="en-US"/>
+            <a:endParaRPr lang="en-US" dirty="0"/>
           </a:p>
         </p:txBody>
       </p:sp>
@@ -4971,9 +4975,9 @@
           <a:p>
             <a:fld id="{75AD03A6-5259-4905-A727-7BDBB95493AA}" type="datetimeFigureOut">
               <a:rPr lang="en-US" smtClean="0"/>
-              <a:t>12/14/18</a:t>
+              <a:t>12/14/2018</a:t>
             </a:fld>
-            <a:endParaRPr lang="en-US"/>
+            <a:endParaRPr lang="en-US" dirty="0"/>
           </a:p>
         </p:txBody>
       </p:sp>
@@ -5673,9 +5677,9 @@
           <a:p>
             <a:fld id="{75AD03A6-5259-4905-A727-7BDBB95493AA}" type="datetimeFigureOut">
               <a:rPr lang="en-US" smtClean="0"/>
-              <a:t>12/14/18</a:t>
+              <a:t>12/14/2018</a:t>
             </a:fld>
-            <a:endParaRPr lang="en-US"/>
+            <a:endParaRPr lang="en-US" dirty="0"/>
           </a:p>
         </p:txBody>
       </p:sp>
@@ -5712,7 +5716,7 @@
             </a:lvl1pPr>
           </a:lstStyle>
           <a:p>
-            <a:endParaRPr lang="en-US"/>
+            <a:endParaRPr lang="en-US" dirty="0"/>
           </a:p>
         </p:txBody>
       </p:sp>
@@ -5751,7 +5755,7 @@
               <a:rPr lang="en-US" smtClean="0"/>
               <a:t>‹#›</a:t>
             </a:fld>
-            <a:endParaRPr lang="en-US"/>
+            <a:endParaRPr lang="en-US" dirty="0"/>
           </a:p>
         </p:txBody>
       </p:sp>
@@ -6197,73 +6201,610 @@
           <a:chExt cx="0" cy="0"/>
         </a:xfrm>
       </p:grpSpPr>
-      <p:graphicFrame>
-        <p:nvGraphicFramePr>
-          <p:cNvPr id="2" name="Object 1">
+      <p:sp>
+        <p:nvSpPr>
+          <p:cNvPr id="2" name="TextBox 1">
             <a:extLst>
               <a:ext uri="{FF2B5EF4-FFF2-40B4-BE49-F238E27FC236}">
-                <a16:creationId xmlns:a16="http://schemas.microsoft.com/office/drawing/2014/main" id="{48ECF101-FED7-4B2F-837B-630F0C8977AB}"/>
+                <a16:creationId xmlns:a16="http://schemas.microsoft.com/office/drawing/2014/main" id="{C477B8D8-F8E3-471A-B8BE-41861808E09D}"/>
               </a:ext>
             </a:extLst>
           </p:cNvPr>
-          <p:cNvGraphicFramePr>
-            <a:graphicFrameLocks noChangeAspect="1"/>
-          </p:cNvGraphicFramePr>
-          <p:nvPr>
-            <p:extLst>
-              <p:ext uri="{D42A27DB-BD31-4B8C-83A1-F6EECF244321}">
-                <p14:modId xmlns:p14="http://schemas.microsoft.com/office/powerpoint/2010/main" val="578512306"/>
-              </p:ext>
-            </p:extLst>
-          </p:nvPr>
-        </p:nvGraphicFramePr>
-        <p:xfrm>
-          <a:off x="1974850" y="460375"/>
-          <a:ext cx="8243888" cy="5935663"/>
-        </p:xfrm>
-        <a:graphic>
-          <a:graphicData uri="http://schemas.openxmlformats.org/presentationml/2006/ole">
-            <mc:AlternateContent xmlns:mc="http://schemas.openxmlformats.org/markup-compatibility/2006">
-              <mc:Choice xmlns:v="urn:schemas-microsoft-com:vml" Requires="v">
-                <p:oleObj spid="_x0000_s5132" name="Document" r:id="rId3" imgW="8243869" imgH="5936366" progId="Word.Document.12">
-                  <p:embed/>
-                </p:oleObj>
-              </mc:Choice>
-              <mc:Fallback>
-                <p:oleObj name="Document" r:id="rId3" imgW="8243869" imgH="5936366" progId="Word.Document.12">
-                  <p:embed/>
-                  <p:pic>
-                    <p:nvPicPr>
-                      <p:cNvPr id="0" name=""/>
-                      <p:cNvPicPr/>
-                      <p:nvPr/>
-                    </p:nvPicPr>
-                    <p:blipFill>
-                      <a:blip r:embed="rId4"/>
-                      <a:stretch>
-                        <a:fillRect/>
-                      </a:stretch>
-                    </p:blipFill>
-                    <p:spPr>
-                      <a:xfrm>
-                        <a:off x="1974850" y="460375"/>
-                        <a:ext cx="8243888" cy="5935663"/>
-                      </a:xfrm>
-                      <a:prstGeom prst="rect">
-                        <a:avLst/>
-                      </a:prstGeom>
-                    </p:spPr>
-                  </p:pic>
-                </p:oleObj>
-              </mc:Fallback>
-            </mc:AlternateContent>
-          </a:graphicData>
-        </a:graphic>
-      </p:graphicFrame>
+          <p:cNvSpPr txBox="1"/>
+          <p:nvPr/>
+        </p:nvSpPr>
+        <p:spPr>
+          <a:xfrm>
+            <a:off x="1061156" y="711200"/>
+            <a:ext cx="7992533" cy="769441"/>
+          </a:xfrm>
+          <a:prstGeom prst="rect">
+            <a:avLst/>
+          </a:prstGeom>
+          <a:noFill/>
+        </p:spPr>
+        <p:txBody>
+          <a:bodyPr wrap="square" rtlCol="0">
+            <a:spAutoFit/>
+          </a:bodyPr>
+          <a:lstStyle/>
+          <a:p>
+            <a:pPr algn="ctr"/>
+            <a:r>
+              <a:rPr lang="en-US" sz="4400" b="1" dirty="0">
+                <a:latin typeface="Arial" panose="020B0604020202020204" pitchFamily="34" charset="0"/>
+                <a:cs typeface="Arial" panose="020B0604020202020204" pitchFamily="34" charset="0"/>
+              </a:rPr>
+              <a:t>Mental Health In Tech</a:t>
+            </a:r>
+            <a:endParaRPr lang="en-US" sz="4400" dirty="0">
+              <a:latin typeface="Arial" panose="020B0604020202020204" pitchFamily="34" charset="0"/>
+              <a:cs typeface="Arial" panose="020B0604020202020204" pitchFamily="34" charset="0"/>
+            </a:endParaRPr>
+          </a:p>
+        </p:txBody>
+      </p:sp>
+      <p:pic>
+        <p:nvPicPr>
+          <p:cNvPr id="3" name="Picture 2">
+            <a:extLst>
+              <a:ext uri="{FF2B5EF4-FFF2-40B4-BE49-F238E27FC236}">
+                <a16:creationId xmlns:a16="http://schemas.microsoft.com/office/drawing/2014/main" id="{43861E95-FF56-42A0-A885-BBC18876DF62}"/>
+              </a:ext>
+            </a:extLst>
+          </p:cNvPr>
+          <p:cNvPicPr>
+            <a:picLocks noChangeAspect="1"/>
+          </p:cNvPicPr>
+          <p:nvPr/>
+        </p:nvPicPr>
+        <p:blipFill>
+          <a:blip r:embed="rId2"/>
+          <a:stretch>
+            <a:fillRect/>
+          </a:stretch>
+        </p:blipFill>
+        <p:spPr>
+          <a:xfrm>
+            <a:off x="1727199" y="1636890"/>
+            <a:ext cx="6558845" cy="3148588"/>
+          </a:xfrm>
+          <a:prstGeom prst="rect">
+            <a:avLst/>
+          </a:prstGeom>
+        </p:spPr>
+      </p:pic>
+      <p:sp>
+        <p:nvSpPr>
+          <p:cNvPr id="4" name="TextBox 3">
+            <a:extLst>
+              <a:ext uri="{FF2B5EF4-FFF2-40B4-BE49-F238E27FC236}">
+                <a16:creationId xmlns:a16="http://schemas.microsoft.com/office/drawing/2014/main" id="{A8301FCE-C36E-4E2D-8965-D93EEE31B5E5}"/>
+              </a:ext>
+            </a:extLst>
+          </p:cNvPr>
+          <p:cNvSpPr txBox="1"/>
+          <p:nvPr/>
+        </p:nvSpPr>
+        <p:spPr>
+          <a:xfrm>
+            <a:off x="3860800" y="4995365"/>
+            <a:ext cx="2235200" cy="1477328"/>
+          </a:xfrm>
+          <a:prstGeom prst="rect">
+            <a:avLst/>
+          </a:prstGeom>
+          <a:noFill/>
+        </p:spPr>
+        <p:txBody>
+          <a:bodyPr wrap="square" rtlCol="0">
+            <a:spAutoFit/>
+          </a:bodyPr>
+          <a:lstStyle/>
+          <a:p>
+            <a:pPr algn="ctr"/>
+            <a:r>
+              <a:rPr lang="en-US" b="1" dirty="0">
+                <a:latin typeface="Arial" panose="020B0604020202020204" pitchFamily="34" charset="0"/>
+                <a:cs typeface="Arial" panose="020B0604020202020204" pitchFamily="34" charset="0"/>
+              </a:rPr>
+              <a:t>Prepared by</a:t>
+            </a:r>
+          </a:p>
+          <a:p>
+            <a:pPr algn="ctr"/>
+            <a:r>
+              <a:rPr lang="en-US" dirty="0">
+                <a:latin typeface="Arial" panose="020B0604020202020204" pitchFamily="34" charset="0"/>
+                <a:cs typeface="Arial" panose="020B0604020202020204" pitchFamily="34" charset="0"/>
+              </a:rPr>
+              <a:t>Nicholas Bergfeld</a:t>
+            </a:r>
+          </a:p>
+          <a:p>
+            <a:pPr algn="ctr"/>
+            <a:r>
+              <a:rPr lang="en-US" dirty="0">
+                <a:latin typeface="Arial" panose="020B0604020202020204" pitchFamily="34" charset="0"/>
+                <a:cs typeface="Arial" panose="020B0604020202020204" pitchFamily="34" charset="0"/>
+              </a:rPr>
+              <a:t>Courtney Charles</a:t>
+            </a:r>
+          </a:p>
+          <a:p>
+            <a:pPr algn="ctr"/>
+            <a:r>
+              <a:rPr lang="en-US" dirty="0">
+                <a:latin typeface="Arial" panose="020B0604020202020204" pitchFamily="34" charset="0"/>
+                <a:cs typeface="Arial" panose="020B0604020202020204" pitchFamily="34" charset="0"/>
+              </a:rPr>
+              <a:t>Jenn Collins</a:t>
+            </a:r>
+          </a:p>
+          <a:p>
+            <a:pPr algn="ctr"/>
+            <a:r>
+              <a:rPr lang="en-US" dirty="0">
+                <a:latin typeface="Arial" panose="020B0604020202020204" pitchFamily="34" charset="0"/>
+                <a:cs typeface="Arial" panose="020B0604020202020204" pitchFamily="34" charset="0"/>
+              </a:rPr>
+              <a:t>Ellen Hendricks</a:t>
+            </a:r>
+          </a:p>
+        </p:txBody>
+      </p:sp>
     </p:spTree>
     <p:extLst>
       <p:ext uri="{BB962C8B-B14F-4D97-AF65-F5344CB8AC3E}">
-        <p14:creationId xmlns:p14="http://schemas.microsoft.com/office/powerpoint/2010/main" val="3859421118"/>
+        <p14:creationId xmlns:p14="http://schemas.microsoft.com/office/powerpoint/2010/main" val="797452241"/>
+      </p:ext>
+    </p:extLst>
+  </p:cSld>
+  <p:clrMapOvr>
+    <a:masterClrMapping/>
+  </p:clrMapOvr>
+</p:sld>
+</file>
+
+<file path=ppt/slides/slide10.xml><?xml version="1.0" encoding="utf-8"?>
+<p:sld xmlns:a="http://schemas.openxmlformats.org/drawingml/2006/main" xmlns:r="http://schemas.openxmlformats.org/officeDocument/2006/relationships" xmlns:p="http://schemas.openxmlformats.org/presentationml/2006/main">
+  <p:cSld>
+    <p:spTree>
+      <p:nvGrpSpPr>
+        <p:cNvPr id="1" name=""/>
+        <p:cNvGrpSpPr/>
+        <p:nvPr/>
+      </p:nvGrpSpPr>
+      <p:grpSpPr>
+        <a:xfrm>
+          <a:off x="0" y="0"/>
+          <a:ext cx="0" cy="0"/>
+          <a:chOff x="0" y="0"/>
+          <a:chExt cx="0" cy="0"/>
+        </a:xfrm>
+      </p:grpSpPr>
+      <p:sp>
+        <p:nvSpPr>
+          <p:cNvPr id="2" name="Title 1">
+            <a:extLst>
+              <a:ext uri="{FF2B5EF4-FFF2-40B4-BE49-F238E27FC236}">
+                <a16:creationId xmlns:a16="http://schemas.microsoft.com/office/drawing/2014/main" id="{ABA2A209-C0C5-4E0C-897C-F9D9E1C0C162}"/>
+              </a:ext>
+            </a:extLst>
+          </p:cNvPr>
+          <p:cNvSpPr>
+            <a:spLocks noGrp="1"/>
+          </p:cNvSpPr>
+          <p:nvPr>
+            <p:ph type="title"/>
+          </p:nvPr>
+        </p:nvSpPr>
+        <p:spPr>
+          <a:xfrm>
+            <a:off x="733777" y="544689"/>
+            <a:ext cx="8596668" cy="1080912"/>
+          </a:xfrm>
+        </p:spPr>
+        <p:txBody>
+          <a:bodyPr>
+            <a:normAutofit fontScale="90000"/>
+          </a:bodyPr>
+          <a:lstStyle/>
+          <a:p>
+            <a:pPr algn="ctr"/>
+            <a:r>
+              <a:rPr lang="en-US" sz="4900" b="1" dirty="0">
+                <a:latin typeface="Arial" panose="020B0604020202020204" pitchFamily="34" charset="0"/>
+                <a:cs typeface="Arial" panose="020B0604020202020204" pitchFamily="34" charset="0"/>
+              </a:rPr>
+              <a:t>Data Challenges/Limitations</a:t>
+            </a:r>
+            <a:br>
+              <a:rPr lang="en-US" dirty="0"/>
+            </a:br>
+            <a:endParaRPr lang="en-US" sz="6600" dirty="0">
+              <a:latin typeface="Arial" panose="020B0604020202020204" pitchFamily="34" charset="0"/>
+              <a:cs typeface="Arial" panose="020B0604020202020204" pitchFamily="34" charset="0"/>
+            </a:endParaRPr>
+          </a:p>
+        </p:txBody>
+      </p:sp>
+      <p:sp>
+        <p:nvSpPr>
+          <p:cNvPr id="3" name="TextBox 2">
+            <a:extLst>
+              <a:ext uri="{FF2B5EF4-FFF2-40B4-BE49-F238E27FC236}">
+                <a16:creationId xmlns:a16="http://schemas.microsoft.com/office/drawing/2014/main" id="{DCF63263-337B-48ED-B15E-084A1CBF40DE}"/>
+              </a:ext>
+            </a:extLst>
+          </p:cNvPr>
+          <p:cNvSpPr txBox="1"/>
+          <p:nvPr/>
+        </p:nvSpPr>
+        <p:spPr>
+          <a:xfrm>
+            <a:off x="835378" y="1625601"/>
+            <a:ext cx="8207022" cy="3416320"/>
+          </a:xfrm>
+          <a:prstGeom prst="rect">
+            <a:avLst/>
+          </a:prstGeom>
+          <a:noFill/>
+        </p:spPr>
+        <p:txBody>
+          <a:bodyPr wrap="square" rtlCol="0">
+            <a:spAutoFit/>
+          </a:bodyPr>
+          <a:lstStyle/>
+          <a:p>
+            <a:r>
+              <a:rPr lang="en-US" sz="2400" b="1" dirty="0">
+                <a:latin typeface="Arial" panose="020B0604020202020204" pitchFamily="34" charset="0"/>
+                <a:cs typeface="Arial" panose="020B0604020202020204" pitchFamily="34" charset="0"/>
+              </a:rPr>
+              <a:t>More recent data on positive work environments who have addressed the issue of mental health in tech jobs would have given us more of a comparison of 2014 compared to recent years. We believe that people are more open to talking about mental health in recent years since the stigma is down tremendously. Also, data on government policy to accommodate those with mental health in the workplace would be good to analyze.</a:t>
+            </a:r>
+            <a:endParaRPr lang="en-US" sz="2400" b="1" kern="1200" dirty="0">
+              <a:solidFill>
+                <a:schemeClr val="tx1"/>
+              </a:solidFill>
+              <a:latin typeface="Arial" panose="020B0604020202020204" pitchFamily="34" charset="0"/>
+              <a:cs typeface="Arial" panose="020B0604020202020204" pitchFamily="34" charset="0"/>
+            </a:endParaRPr>
+          </a:p>
+        </p:txBody>
+      </p:sp>
+    </p:spTree>
+    <p:extLst>
+      <p:ext uri="{BB962C8B-B14F-4D97-AF65-F5344CB8AC3E}">
+        <p14:creationId xmlns:p14="http://schemas.microsoft.com/office/powerpoint/2010/main" val="1007526785"/>
+      </p:ext>
+    </p:extLst>
+  </p:cSld>
+  <p:clrMapOvr>
+    <a:masterClrMapping/>
+  </p:clrMapOvr>
+</p:sld>
+</file>
+
+<file path=ppt/slides/slide11.xml><?xml version="1.0" encoding="utf-8"?>
+<p:sld xmlns:a="http://schemas.openxmlformats.org/drawingml/2006/main" xmlns:r="http://schemas.openxmlformats.org/officeDocument/2006/relationships" xmlns:p="http://schemas.openxmlformats.org/presentationml/2006/main">
+  <p:cSld>
+    <p:spTree>
+      <p:nvGrpSpPr>
+        <p:cNvPr id="1" name=""/>
+        <p:cNvGrpSpPr/>
+        <p:nvPr/>
+      </p:nvGrpSpPr>
+      <p:grpSpPr>
+        <a:xfrm>
+          <a:off x="0" y="0"/>
+          <a:ext cx="0" cy="0"/>
+          <a:chOff x="0" y="0"/>
+          <a:chExt cx="0" cy="0"/>
+        </a:xfrm>
+      </p:grpSpPr>
+      <p:sp>
+        <p:nvSpPr>
+          <p:cNvPr id="2" name="Title 1">
+            <a:extLst>
+              <a:ext uri="{FF2B5EF4-FFF2-40B4-BE49-F238E27FC236}">
+                <a16:creationId xmlns:a16="http://schemas.microsoft.com/office/drawing/2014/main" id="{DCFD4A2A-A2F0-41FB-8C08-1B8512689C2B}"/>
+              </a:ext>
+            </a:extLst>
+          </p:cNvPr>
+          <p:cNvSpPr>
+            <a:spLocks noGrp="1"/>
+          </p:cNvSpPr>
+          <p:nvPr>
+            <p:ph type="title"/>
+          </p:nvPr>
+        </p:nvSpPr>
+        <p:spPr>
+          <a:xfrm>
+            <a:off x="677334" y="609600"/>
+            <a:ext cx="8596668" cy="993422"/>
+          </a:xfrm>
+        </p:spPr>
+        <p:txBody>
+          <a:bodyPr>
+            <a:normAutofit/>
+          </a:bodyPr>
+          <a:lstStyle/>
+          <a:p>
+            <a:pPr algn="ctr"/>
+            <a:r>
+              <a:rPr lang="en-US" sz="4400" b="1" dirty="0">
+                <a:latin typeface="Arial" panose="020B0604020202020204" pitchFamily="34" charset="0"/>
+                <a:cs typeface="Arial" panose="020B0604020202020204" pitchFamily="34" charset="0"/>
+              </a:rPr>
+              <a:t>Data Sources</a:t>
+            </a:r>
+          </a:p>
+        </p:txBody>
+      </p:sp>
+      <p:sp>
+        <p:nvSpPr>
+          <p:cNvPr id="3" name="Rectangle 2">
+            <a:extLst>
+              <a:ext uri="{FF2B5EF4-FFF2-40B4-BE49-F238E27FC236}">
+                <a16:creationId xmlns:a16="http://schemas.microsoft.com/office/drawing/2014/main" id="{B8E87654-568F-4648-967C-562933CA1C20}"/>
+              </a:ext>
+            </a:extLst>
+          </p:cNvPr>
+          <p:cNvSpPr/>
+          <p:nvPr/>
+        </p:nvSpPr>
+        <p:spPr>
+          <a:xfrm>
+            <a:off x="1727200" y="2291645"/>
+            <a:ext cx="7416800" cy="1778115"/>
+          </a:xfrm>
+          <a:prstGeom prst="rect">
+            <a:avLst/>
+          </a:prstGeom>
+        </p:spPr>
+        <p:txBody>
+          <a:bodyPr wrap="square">
+            <a:spAutoFit/>
+          </a:bodyPr>
+          <a:lstStyle/>
+          <a:p>
+            <a:r>
+              <a:rPr lang="en-US" dirty="0">
+                <a:solidFill>
+                  <a:srgbClr val="2C2D30"/>
+                </a:solidFill>
+                <a:latin typeface="Arial" panose="020B0604020202020204" pitchFamily="34" charset="0"/>
+                <a:ea typeface="Times New Roman" panose="02020603050405020304" pitchFamily="18" charset="0"/>
+                <a:cs typeface="Times New Roman" panose="02020603050405020304" pitchFamily="18" charset="0"/>
+              </a:rPr>
+              <a:t>Source: (survey.csv)</a:t>
+            </a:r>
+          </a:p>
+          <a:p>
+            <a:r>
+              <a:rPr lang="en-US" u="sng" dirty="0">
+                <a:hlinkClick r:id="rId2"/>
+              </a:rPr>
+              <a:t> https://www.kaggle.com/osmi/mental-health-in-tech-survey/home</a:t>
+            </a:r>
+            <a:endParaRPr lang="en-US" u="sng" dirty="0"/>
+          </a:p>
+          <a:p>
+            <a:endParaRPr lang="en-US" u="sng" dirty="0"/>
+          </a:p>
+          <a:p>
+            <a:endParaRPr lang="en-US" dirty="0"/>
+          </a:p>
+          <a:p>
+            <a:pPr>
+              <a:lnSpc>
+                <a:spcPct val="107000"/>
+              </a:lnSpc>
+              <a:spcAft>
+                <a:spcPts val="800"/>
+              </a:spcAft>
+            </a:pPr>
+            <a:r>
+              <a:rPr lang="en-US" u="sng" dirty="0">
+                <a:solidFill>
+                  <a:srgbClr val="0000FF"/>
+                </a:solidFill>
+                <a:latin typeface="Arial" panose="020B0604020202020204" pitchFamily="34" charset="0"/>
+                <a:ea typeface="Times New Roman" panose="02020603050405020304" pitchFamily="18" charset="0"/>
+                <a:cs typeface="Times New Roman" panose="02020603050405020304" pitchFamily="18" charset="0"/>
+              </a:rPr>
+              <a:t>https://www.shrm.org/hr-today/news/hr-magazine/Pages/1014-mental-health.aspx</a:t>
+            </a:r>
+            <a:endParaRPr lang="en-US" sz="1600" dirty="0">
+              <a:latin typeface="Calibri" panose="020F0502020204030204" pitchFamily="34" charset="0"/>
+              <a:ea typeface="Calibri" panose="020F0502020204030204" pitchFamily="34" charset="0"/>
+              <a:cs typeface="Times New Roman" panose="02020603050405020304" pitchFamily="18" charset="0"/>
+            </a:endParaRPr>
+          </a:p>
+        </p:txBody>
+      </p:sp>
+    </p:spTree>
+    <p:extLst>
+      <p:ext uri="{BB962C8B-B14F-4D97-AF65-F5344CB8AC3E}">
+        <p14:creationId xmlns:p14="http://schemas.microsoft.com/office/powerpoint/2010/main" val="3078366343"/>
+      </p:ext>
+    </p:extLst>
+  </p:cSld>
+  <p:clrMapOvr>
+    <a:masterClrMapping/>
+  </p:clrMapOvr>
+</p:sld>
+</file>
+
+<file path=ppt/slides/slide12.xml><?xml version="1.0" encoding="utf-8"?>
+<p:sld xmlns:a="http://schemas.openxmlformats.org/drawingml/2006/main" xmlns:r="http://schemas.openxmlformats.org/officeDocument/2006/relationships" xmlns:p="http://schemas.openxmlformats.org/presentationml/2006/main">
+  <p:cSld>
+    <p:spTree>
+      <p:nvGrpSpPr>
+        <p:cNvPr id="1" name=""/>
+        <p:cNvGrpSpPr/>
+        <p:nvPr/>
+      </p:nvGrpSpPr>
+      <p:grpSpPr>
+        <a:xfrm>
+          <a:off x="0" y="0"/>
+          <a:ext cx="0" cy="0"/>
+          <a:chOff x="0" y="0"/>
+          <a:chExt cx="0" cy="0"/>
+        </a:xfrm>
+      </p:grpSpPr>
+      <p:sp>
+        <p:nvSpPr>
+          <p:cNvPr id="2" name="Rectangle 1">
+            <a:extLst>
+              <a:ext uri="{FF2B5EF4-FFF2-40B4-BE49-F238E27FC236}">
+                <a16:creationId xmlns:a16="http://schemas.microsoft.com/office/drawing/2014/main" id="{B57CABC0-6EE6-4DEB-9DBA-4E9FE34045F8}"/>
+              </a:ext>
+            </a:extLst>
+          </p:cNvPr>
+          <p:cNvSpPr/>
+          <p:nvPr/>
+        </p:nvSpPr>
+        <p:spPr>
+          <a:xfrm>
+            <a:off x="2901244" y="1001610"/>
+            <a:ext cx="5226755" cy="2979085"/>
+          </a:xfrm>
+          <a:prstGeom prst="rect">
+            <a:avLst/>
+          </a:prstGeom>
+        </p:spPr>
+        <p:txBody>
+          <a:bodyPr wrap="square">
+            <a:spAutoFit/>
+          </a:bodyPr>
+          <a:lstStyle/>
+          <a:p>
+            <a:pPr>
+              <a:lnSpc>
+                <a:spcPct val="107000"/>
+              </a:lnSpc>
+              <a:spcAft>
+                <a:spcPts val="800"/>
+              </a:spcAft>
+            </a:pPr>
+            <a:r>
+              <a:rPr lang="en-US" sz="4000" b="1" dirty="0">
+                <a:solidFill>
+                  <a:srgbClr val="2C2D30"/>
+                </a:solidFill>
+                <a:latin typeface="Arial" panose="020B0604020202020204" pitchFamily="34" charset="0"/>
+                <a:ea typeface="Times New Roman" panose="02020603050405020304" pitchFamily="18" charset="0"/>
+                <a:cs typeface="Arial" panose="020B0604020202020204" pitchFamily="34" charset="0"/>
+              </a:rPr>
+              <a:t>Technology Stack</a:t>
+            </a:r>
+          </a:p>
+          <a:p>
+            <a:pPr>
+              <a:lnSpc>
+                <a:spcPct val="107000"/>
+              </a:lnSpc>
+              <a:spcAft>
+                <a:spcPts val="800"/>
+              </a:spcAft>
+            </a:pPr>
+            <a:endParaRPr lang="en-US" sz="1600" b="1" dirty="0">
+              <a:solidFill>
+                <a:srgbClr val="2C2D30"/>
+              </a:solidFill>
+              <a:latin typeface="Arial" panose="020B0604020202020204" pitchFamily="34" charset="0"/>
+              <a:ea typeface="Times New Roman" panose="02020603050405020304" pitchFamily="18" charset="0"/>
+              <a:cs typeface="Arial" panose="020B0604020202020204" pitchFamily="34" charset="0"/>
+            </a:endParaRPr>
+          </a:p>
+          <a:p>
+            <a:pPr>
+              <a:lnSpc>
+                <a:spcPct val="107000"/>
+              </a:lnSpc>
+              <a:spcAft>
+                <a:spcPts val="800"/>
+              </a:spcAft>
+            </a:pPr>
+            <a:r>
+              <a:rPr lang="en-US" sz="3200" dirty="0">
+                <a:solidFill>
+                  <a:srgbClr val="2C2D30"/>
+                </a:solidFill>
+                <a:latin typeface="Arial" panose="020B0604020202020204" pitchFamily="34" charset="0"/>
+                <a:ea typeface="Times New Roman" panose="02020603050405020304" pitchFamily="18" charset="0"/>
+                <a:cs typeface="Times New Roman" panose="02020603050405020304" pitchFamily="18" charset="0"/>
+              </a:rPr>
+              <a:t>*Tableau</a:t>
+            </a:r>
+            <a:endParaRPr lang="en-US" sz="3200" dirty="0">
+              <a:latin typeface="Calibri" panose="020F0502020204030204" pitchFamily="34" charset="0"/>
+              <a:ea typeface="Calibri" panose="020F0502020204030204" pitchFamily="34" charset="0"/>
+              <a:cs typeface="Times New Roman" panose="02020603050405020304" pitchFamily="18" charset="0"/>
+            </a:endParaRPr>
+          </a:p>
+          <a:p>
+            <a:pPr>
+              <a:lnSpc>
+                <a:spcPct val="107000"/>
+              </a:lnSpc>
+              <a:spcAft>
+                <a:spcPts val="800"/>
+              </a:spcAft>
+            </a:pPr>
+            <a:r>
+              <a:rPr lang="en-US" sz="3200" dirty="0">
+                <a:solidFill>
+                  <a:srgbClr val="2C2D30"/>
+                </a:solidFill>
+                <a:latin typeface="Arial" panose="020B0604020202020204" pitchFamily="34" charset="0"/>
+                <a:ea typeface="Times New Roman" panose="02020603050405020304" pitchFamily="18" charset="0"/>
+                <a:cs typeface="Times New Roman" panose="02020603050405020304" pitchFamily="18" charset="0"/>
+              </a:rPr>
+              <a:t>*Machine Learning</a:t>
+            </a:r>
+            <a:endParaRPr lang="en-US" sz="3200" dirty="0">
+              <a:latin typeface="Calibri" panose="020F0502020204030204" pitchFamily="34" charset="0"/>
+              <a:ea typeface="Calibri" panose="020F0502020204030204" pitchFamily="34" charset="0"/>
+              <a:cs typeface="Times New Roman" panose="02020603050405020304" pitchFamily="18" charset="0"/>
+            </a:endParaRPr>
+          </a:p>
+          <a:p>
+            <a:pPr>
+              <a:lnSpc>
+                <a:spcPct val="107000"/>
+              </a:lnSpc>
+              <a:spcAft>
+                <a:spcPts val="800"/>
+              </a:spcAft>
+            </a:pPr>
+            <a:r>
+              <a:rPr lang="en-US" sz="3200" dirty="0">
+                <a:solidFill>
+                  <a:srgbClr val="2C2D30"/>
+                </a:solidFill>
+                <a:latin typeface="Arial" panose="020B0604020202020204" pitchFamily="34" charset="0"/>
+                <a:ea typeface="Times New Roman" panose="02020603050405020304" pitchFamily="18" charset="0"/>
+                <a:cs typeface="Times New Roman" panose="02020603050405020304" pitchFamily="18" charset="0"/>
+              </a:rPr>
+              <a:t>*Python</a:t>
+            </a:r>
+            <a:endParaRPr lang="en-US" sz="3200" dirty="0">
+              <a:effectLst/>
+              <a:latin typeface="Calibri" panose="020F0502020204030204" pitchFamily="34" charset="0"/>
+              <a:ea typeface="Calibri" panose="020F0502020204030204" pitchFamily="34" charset="0"/>
+              <a:cs typeface="Times New Roman" panose="02020603050405020304" pitchFamily="18" charset="0"/>
+            </a:endParaRPr>
+          </a:p>
+        </p:txBody>
+      </p:sp>
+    </p:spTree>
+    <p:extLst>
+      <p:ext uri="{BB962C8B-B14F-4D97-AF65-F5344CB8AC3E}">
+        <p14:creationId xmlns:p14="http://schemas.microsoft.com/office/powerpoint/2010/main" val="2630459948"/>
       </p:ext>
     </p:extLst>
   </p:cSld>
@@ -6290,73 +6831,274 @@
           <a:chExt cx="0" cy="0"/>
         </a:xfrm>
       </p:grpSpPr>
-      <p:graphicFrame>
-        <p:nvGraphicFramePr>
-          <p:cNvPr id="2" name="Object 1">
+      <p:sp>
+        <p:nvSpPr>
+          <p:cNvPr id="2" name="Title 1">
             <a:extLst>
               <a:ext uri="{FF2B5EF4-FFF2-40B4-BE49-F238E27FC236}">
-                <a16:creationId xmlns:a16="http://schemas.microsoft.com/office/drawing/2014/main" id="{5B6941E1-41BF-4199-9B68-E50AD24F367D}"/>
+                <a16:creationId xmlns:a16="http://schemas.microsoft.com/office/drawing/2014/main" id="{6532CBED-9858-4B36-9572-1CAF34BFD3E4}"/>
               </a:ext>
             </a:extLst>
           </p:cNvPr>
-          <p:cNvGraphicFramePr>
-            <a:graphicFrameLocks noChangeAspect="1"/>
-          </p:cNvGraphicFramePr>
-          <p:nvPr>
-            <p:extLst>
-              <p:ext uri="{D42A27DB-BD31-4B8C-83A1-F6EECF244321}">
-                <p14:modId xmlns:p14="http://schemas.microsoft.com/office/powerpoint/2010/main" val="835064957"/>
-              </p:ext>
-            </p:extLst>
-          </p:nvPr>
-        </p:nvGraphicFramePr>
-        <p:xfrm>
-          <a:off x="1974850" y="1365250"/>
-          <a:ext cx="8243888" cy="4124325"/>
-        </p:xfrm>
-        <a:graphic>
-          <a:graphicData uri="http://schemas.openxmlformats.org/presentationml/2006/ole">
-            <mc:AlternateContent xmlns:mc="http://schemas.openxmlformats.org/markup-compatibility/2006">
-              <mc:Choice xmlns:v="urn:schemas-microsoft-com:vml" Requires="v">
-                <p:oleObj spid="_x0000_s2062" name="Document" r:id="rId3" imgW="8243869" imgH="4125076" progId="Word.Document.12">
-                  <p:embed/>
-                </p:oleObj>
-              </mc:Choice>
-              <mc:Fallback>
-                <p:oleObj name="Document" r:id="rId3" imgW="8243869" imgH="4125076" progId="Word.Document.12">
-                  <p:embed/>
-                  <p:pic>
-                    <p:nvPicPr>
-                      <p:cNvPr id="0" name=""/>
-                      <p:cNvPicPr/>
-                      <p:nvPr/>
-                    </p:nvPicPr>
-                    <p:blipFill>
-                      <a:blip r:embed="rId4"/>
-                      <a:stretch>
-                        <a:fillRect/>
-                      </a:stretch>
-                    </p:blipFill>
-                    <p:spPr>
-                      <a:xfrm>
-                        <a:off x="1974850" y="1365250"/>
-                        <a:ext cx="8243888" cy="4124325"/>
-                      </a:xfrm>
-                      <a:prstGeom prst="rect">
-                        <a:avLst/>
-                      </a:prstGeom>
-                    </p:spPr>
-                  </p:pic>
-                </p:oleObj>
-              </mc:Fallback>
-            </mc:AlternateContent>
-          </a:graphicData>
-        </a:graphic>
-      </p:graphicFrame>
+          <p:cNvSpPr>
+            <a:spLocks noGrp="1"/>
+          </p:cNvSpPr>
+          <p:nvPr>
+            <p:ph type="title"/>
+          </p:nvPr>
+        </p:nvSpPr>
+        <p:spPr>
+          <a:xfrm>
+            <a:off x="677334" y="609600"/>
+            <a:ext cx="8596668" cy="880533"/>
+          </a:xfrm>
+        </p:spPr>
+        <p:txBody>
+          <a:bodyPr>
+            <a:normAutofit/>
+          </a:bodyPr>
+          <a:lstStyle/>
+          <a:p>
+            <a:pPr algn="ctr"/>
+            <a:r>
+              <a:rPr lang="en-US" sz="4400" b="1" dirty="0">
+                <a:latin typeface="Arial" panose="020B0604020202020204" pitchFamily="34" charset="0"/>
+                <a:cs typeface="Arial" panose="020B0604020202020204" pitchFamily="34" charset="0"/>
+              </a:rPr>
+              <a:t>Business Objectives</a:t>
+            </a:r>
+          </a:p>
+        </p:txBody>
+      </p:sp>
+      <p:sp>
+        <p:nvSpPr>
+          <p:cNvPr id="4" name="TextBox 3">
+            <a:extLst>
+              <a:ext uri="{FF2B5EF4-FFF2-40B4-BE49-F238E27FC236}">
+                <a16:creationId xmlns:a16="http://schemas.microsoft.com/office/drawing/2014/main" id="{DC3CFCA1-37FF-4DF2-8293-CFC27B469E85}"/>
+              </a:ext>
+            </a:extLst>
+          </p:cNvPr>
+          <p:cNvSpPr txBox="1"/>
+          <p:nvPr/>
+        </p:nvSpPr>
+        <p:spPr>
+          <a:xfrm>
+            <a:off x="677334" y="1490133"/>
+            <a:ext cx="5317067" cy="400110"/>
+          </a:xfrm>
+          <a:prstGeom prst="rect">
+            <a:avLst/>
+          </a:prstGeom>
+          <a:noFill/>
+        </p:spPr>
+        <p:txBody>
+          <a:bodyPr wrap="square" rtlCol="0">
+            <a:spAutoFit/>
+          </a:bodyPr>
+          <a:lstStyle/>
+          <a:p>
+            <a:r>
+              <a:rPr lang="en-US" sz="2000" b="1" dirty="0">
+                <a:latin typeface="Arial" panose="020B0604020202020204" pitchFamily="34" charset="0"/>
+                <a:cs typeface="Arial" panose="020B0604020202020204" pitchFamily="34" charset="0"/>
+              </a:rPr>
+              <a:t>Research Questions </a:t>
+            </a:r>
+          </a:p>
+        </p:txBody>
+      </p:sp>
+      <p:sp>
+        <p:nvSpPr>
+          <p:cNvPr id="5" name="TextBox 4">
+            <a:extLst>
+              <a:ext uri="{FF2B5EF4-FFF2-40B4-BE49-F238E27FC236}">
+                <a16:creationId xmlns:a16="http://schemas.microsoft.com/office/drawing/2014/main" id="{7CEFFE64-B657-47F5-A8F0-76DAD3166AD1}"/>
+              </a:ext>
+            </a:extLst>
+          </p:cNvPr>
+          <p:cNvSpPr txBox="1"/>
+          <p:nvPr/>
+        </p:nvSpPr>
+        <p:spPr>
+          <a:xfrm>
+            <a:off x="677334" y="2090943"/>
+            <a:ext cx="8506358" cy="4308872"/>
+          </a:xfrm>
+          <a:prstGeom prst="rect">
+            <a:avLst/>
+          </a:prstGeom>
+          <a:noFill/>
+        </p:spPr>
+        <p:txBody>
+          <a:bodyPr wrap="square" rtlCol="0">
+            <a:spAutoFit/>
+          </a:bodyPr>
+          <a:lstStyle/>
+          <a:p>
+            <a:pPr marL="342900" indent="-342900">
+              <a:buAutoNum type="arabicPeriod"/>
+            </a:pPr>
+            <a:r>
+              <a:rPr lang="en-US" sz="1600" dirty="0">
+                <a:latin typeface="Arial" panose="020B0604020202020204" pitchFamily="34" charset="0"/>
+                <a:cs typeface="Arial" panose="020B0604020202020204" pitchFamily="34" charset="0"/>
+              </a:rPr>
+              <a:t>What is the respondent demographics of those employees in tech that maybe facing mental illness in the tech world? </a:t>
+            </a:r>
+            <a:r>
+              <a:rPr lang="en-US" sz="1600" b="1" dirty="0">
+                <a:latin typeface="Arial" panose="020B0604020202020204" pitchFamily="34" charset="0"/>
+                <a:cs typeface="Arial" panose="020B0604020202020204" pitchFamily="34" charset="0"/>
+              </a:rPr>
+              <a:t>We can take a close look at age, gender, and treatment in the dataset.</a:t>
+            </a:r>
+          </a:p>
+          <a:p>
+            <a:endParaRPr lang="en-US" sz="1600" dirty="0">
+              <a:latin typeface="Arial" panose="020B0604020202020204" pitchFamily="34" charset="0"/>
+              <a:cs typeface="Arial" panose="020B0604020202020204" pitchFamily="34" charset="0"/>
+            </a:endParaRPr>
+          </a:p>
+          <a:p>
+            <a:pPr marL="342900" indent="-342900">
+              <a:buAutoNum type="arabicPeriod" startAt="2"/>
+            </a:pPr>
+            <a:r>
+              <a:rPr lang="en-US" sz="1600" dirty="0">
+                <a:latin typeface="Arial" panose="020B0604020202020204" pitchFamily="34" charset="0"/>
+                <a:cs typeface="Arial" panose="020B0604020202020204" pitchFamily="34" charset="0"/>
+              </a:rPr>
+              <a:t>What is the prevalence of mental illness of employees in tech? </a:t>
+            </a:r>
+            <a:r>
+              <a:rPr lang="en-US" sz="1600" b="1" dirty="0">
+                <a:latin typeface="Arial" panose="020B0604020202020204" pitchFamily="34" charset="0"/>
+                <a:cs typeface="Arial" panose="020B0604020202020204" pitchFamily="34" charset="0"/>
+              </a:rPr>
+              <a:t>We can analyze tech company, and family history the dataset.</a:t>
+            </a:r>
+          </a:p>
+          <a:p>
+            <a:endParaRPr lang="en-US" sz="1600" dirty="0">
+              <a:latin typeface="Arial" panose="020B0604020202020204" pitchFamily="34" charset="0"/>
+              <a:cs typeface="Arial" panose="020B0604020202020204" pitchFamily="34" charset="0"/>
+            </a:endParaRPr>
+          </a:p>
+          <a:p>
+            <a:pPr marL="342900" indent="-342900">
+              <a:buAutoNum type="arabicPeriod" startAt="3"/>
+            </a:pPr>
+            <a:r>
+              <a:rPr lang="en-US" sz="1600" dirty="0">
+                <a:latin typeface="Arial" panose="020B0604020202020204" pitchFamily="34" charset="0"/>
+                <a:cs typeface="Arial" panose="020B0604020202020204" pitchFamily="34" charset="0"/>
+              </a:rPr>
+              <a:t>Is there stigma placed on tech vs other employees that admit their mental health status</a:t>
+            </a:r>
+          </a:p>
+          <a:p>
+            <a:r>
+              <a:rPr lang="en-US" sz="1600" dirty="0">
+                <a:latin typeface="Arial" panose="020B0604020202020204" pitchFamily="34" charset="0"/>
+                <a:cs typeface="Arial" panose="020B0604020202020204" pitchFamily="34" charset="0"/>
+              </a:rPr>
+              <a:t>      on the job? </a:t>
+            </a:r>
+            <a:r>
+              <a:rPr lang="en-US" sz="1600" b="1" dirty="0">
+                <a:latin typeface="Arial" panose="020B0604020202020204" pitchFamily="34" charset="0"/>
+                <a:cs typeface="Arial" panose="020B0604020202020204" pitchFamily="34" charset="0"/>
+              </a:rPr>
+              <a:t>We can take a look at obs consequence, mental health interview,</a:t>
+            </a:r>
+          </a:p>
+          <a:p>
+            <a:r>
+              <a:rPr lang="en-US" sz="1600" b="1" dirty="0">
+                <a:latin typeface="Arial" panose="020B0604020202020204" pitchFamily="34" charset="0"/>
+                <a:cs typeface="Arial" panose="020B0604020202020204" pitchFamily="34" charset="0"/>
+              </a:rPr>
+              <a:t>      anonymity, and tech company.</a:t>
+            </a:r>
+          </a:p>
+          <a:p>
+            <a:endParaRPr lang="en-US" sz="1600" dirty="0">
+              <a:latin typeface="Arial" panose="020B0604020202020204" pitchFamily="34" charset="0"/>
+              <a:cs typeface="Arial" panose="020B0604020202020204" pitchFamily="34" charset="0"/>
+            </a:endParaRPr>
+          </a:p>
+          <a:p>
+            <a:pPr marL="342900" indent="-342900">
+              <a:buAutoNum type="arabicPeriod" startAt="4"/>
+            </a:pPr>
+            <a:r>
+              <a:rPr lang="en-US" sz="1600" dirty="0">
+                <a:latin typeface="Arial" panose="020B0604020202020204" pitchFamily="34" charset="0"/>
+                <a:cs typeface="Arial" panose="020B0604020202020204" pitchFamily="34" charset="0"/>
+              </a:rPr>
+              <a:t>Are employees more likely willing to discuss mental health with other employees or their</a:t>
+            </a:r>
+          </a:p>
+          <a:p>
+            <a:r>
+              <a:rPr lang="en-US" sz="1600" dirty="0">
+                <a:latin typeface="Arial" panose="020B0604020202020204" pitchFamily="34" charset="0"/>
+                <a:cs typeface="Arial" panose="020B0604020202020204" pitchFamily="34" charset="0"/>
+              </a:rPr>
+              <a:t>      supervisor?  </a:t>
+            </a:r>
+            <a:r>
+              <a:rPr lang="en-US" sz="1600" b="1" dirty="0">
+                <a:latin typeface="Arial" panose="020B0604020202020204" pitchFamily="34" charset="0"/>
+                <a:cs typeface="Arial" panose="020B0604020202020204" pitchFamily="34" charset="0"/>
+              </a:rPr>
+              <a:t>We can look at coworkers, supervisor, and treatment.</a:t>
+            </a:r>
+          </a:p>
+          <a:p>
+            <a:endParaRPr lang="en-US" sz="1600" b="1" dirty="0">
+              <a:latin typeface="Arial" panose="020B0604020202020204" pitchFamily="34" charset="0"/>
+              <a:cs typeface="Arial" panose="020B0604020202020204" pitchFamily="34" charset="0"/>
+            </a:endParaRPr>
+          </a:p>
+          <a:p>
+            <a:pPr marL="342900" indent="-342900">
+              <a:buAutoNum type="arabicPeriod" startAt="5"/>
+            </a:pPr>
+            <a:r>
+              <a:rPr lang="en-US" sz="1600" dirty="0">
+                <a:latin typeface="Arial" panose="020B0604020202020204" pitchFamily="34" charset="0"/>
+                <a:cs typeface="Arial" panose="020B0604020202020204" pitchFamily="34" charset="0"/>
+              </a:rPr>
+              <a:t>What are the availability of resources and support to those that are dealing with mental</a:t>
+            </a:r>
+          </a:p>
+          <a:p>
+            <a:r>
+              <a:rPr lang="en-US" sz="1600" dirty="0">
+                <a:latin typeface="Arial" panose="020B0604020202020204" pitchFamily="34" charset="0"/>
+                <a:cs typeface="Arial" panose="020B0604020202020204" pitchFamily="34" charset="0"/>
+              </a:rPr>
+              <a:t>      health on the job? </a:t>
+            </a:r>
+            <a:r>
+              <a:rPr lang="en-US" sz="1600" b="1" dirty="0">
+                <a:latin typeface="Arial" panose="020B0604020202020204" pitchFamily="34" charset="0"/>
+                <a:cs typeface="Arial" panose="020B0604020202020204" pitchFamily="34" charset="0"/>
+              </a:rPr>
+              <a:t>We can look at the benefits, wellness program, and leave.</a:t>
+            </a:r>
+          </a:p>
+          <a:p>
+            <a:endParaRPr lang="en-US" dirty="0"/>
+          </a:p>
+        </p:txBody>
+      </p:sp>
     </p:spTree>
     <p:extLst>
       <p:ext uri="{BB962C8B-B14F-4D97-AF65-F5344CB8AC3E}">
-        <p14:creationId xmlns:p14="http://schemas.microsoft.com/office/powerpoint/2010/main" val="1517950299"/>
+        <p14:creationId xmlns:p14="http://schemas.microsoft.com/office/powerpoint/2010/main" val="1167095956"/>
       </p:ext>
     </p:extLst>
   </p:cSld>
@@ -6383,73 +7125,140 @@
           <a:chExt cx="0" cy="0"/>
         </a:xfrm>
       </p:grpSpPr>
-      <p:graphicFrame>
-        <p:nvGraphicFramePr>
-          <p:cNvPr id="2" name="Object 1">
+      <p:sp>
+        <p:nvSpPr>
+          <p:cNvPr id="2" name="Title 1">
             <a:extLst>
               <a:ext uri="{FF2B5EF4-FFF2-40B4-BE49-F238E27FC236}">
-                <a16:creationId xmlns:a16="http://schemas.microsoft.com/office/drawing/2014/main" id="{082AE637-6F18-4E57-9687-8218C11D1C73}"/>
+                <a16:creationId xmlns:a16="http://schemas.microsoft.com/office/drawing/2014/main" id="{01A2F8DE-DCDB-4444-B448-F212E865F16A}"/>
               </a:ext>
             </a:extLst>
           </p:cNvPr>
-          <p:cNvGraphicFramePr>
-            <a:graphicFrameLocks noChangeAspect="1"/>
-          </p:cNvGraphicFramePr>
-          <p:nvPr>
-            <p:extLst>
-              <p:ext uri="{D42A27DB-BD31-4B8C-83A1-F6EECF244321}">
-                <p14:modId xmlns:p14="http://schemas.microsoft.com/office/powerpoint/2010/main" val="1645632280"/>
-              </p:ext>
-            </p:extLst>
-          </p:nvPr>
-        </p:nvGraphicFramePr>
-        <p:xfrm>
-          <a:off x="1374915" y="2392637"/>
-          <a:ext cx="8229600" cy="1473200"/>
-        </p:xfrm>
-        <a:graphic>
-          <a:graphicData uri="http://schemas.openxmlformats.org/presentationml/2006/ole">
-            <mc:AlternateContent xmlns:mc="http://schemas.openxmlformats.org/markup-compatibility/2006">
-              <mc:Choice xmlns:v="urn:schemas-microsoft-com:vml" Requires="v">
-                <p:oleObj spid="_x0000_s3086" name="Document" r:id="rId3" imgW="8229600" imgH="1473200" progId="Word.Document.12">
-                  <p:embed/>
-                </p:oleObj>
-              </mc:Choice>
-              <mc:Fallback>
-                <p:oleObj name="Document" r:id="rId3" imgW="8229600" imgH="1473200" progId="Word.Document.12">
-                  <p:embed/>
-                  <p:pic>
-                    <p:nvPicPr>
-                      <p:cNvPr id="0" name=""/>
-                      <p:cNvPicPr/>
-                      <p:nvPr/>
-                    </p:nvPicPr>
-                    <p:blipFill>
-                      <a:blip r:embed="rId4"/>
-                      <a:stretch>
-                        <a:fillRect/>
-                      </a:stretch>
-                    </p:blipFill>
-                    <p:spPr>
-                      <a:xfrm>
-                        <a:off x="1374915" y="2392637"/>
-                        <a:ext cx="8229600" cy="1473200"/>
-                      </a:xfrm>
-                      <a:prstGeom prst="rect">
-                        <a:avLst/>
-                      </a:prstGeom>
-                    </p:spPr>
-                  </p:pic>
-                </p:oleObj>
-              </mc:Fallback>
-            </mc:AlternateContent>
-          </a:graphicData>
-        </a:graphic>
-      </p:graphicFrame>
+          <p:cNvSpPr>
+            <a:spLocks noGrp="1"/>
+          </p:cNvSpPr>
+          <p:nvPr>
+            <p:ph type="title"/>
+          </p:nvPr>
+        </p:nvSpPr>
+        <p:spPr>
+          <a:xfrm>
+            <a:off x="677333" y="609600"/>
+            <a:ext cx="9922933" cy="1320800"/>
+          </a:xfrm>
+        </p:spPr>
+        <p:txBody>
+          <a:bodyPr>
+            <a:noAutofit/>
+          </a:bodyPr>
+          <a:lstStyle/>
+          <a:p>
+            <a:r>
+              <a:rPr lang="en-US" b="1" dirty="0">
+                <a:latin typeface="Arial" panose="020B0604020202020204" pitchFamily="34" charset="0"/>
+                <a:cs typeface="Arial" panose="020B0604020202020204" pitchFamily="34" charset="0"/>
+              </a:rPr>
+              <a:t>The Total Cost of Hiring an Employee</a:t>
+            </a:r>
+          </a:p>
+        </p:txBody>
+      </p:sp>
+      <p:sp>
+        <p:nvSpPr>
+          <p:cNvPr id="3" name="TextBox 2">
+            <a:extLst>
+              <a:ext uri="{FF2B5EF4-FFF2-40B4-BE49-F238E27FC236}">
+                <a16:creationId xmlns:a16="http://schemas.microsoft.com/office/drawing/2014/main" id="{4D9D339A-A5FB-4195-89D8-DB77DE6B2366}"/>
+              </a:ext>
+            </a:extLst>
+          </p:cNvPr>
+          <p:cNvSpPr txBox="1"/>
+          <p:nvPr/>
+        </p:nvSpPr>
+        <p:spPr>
+          <a:xfrm>
+            <a:off x="778932" y="1473200"/>
+            <a:ext cx="8884357" cy="5078313"/>
+          </a:xfrm>
+          <a:prstGeom prst="rect">
+            <a:avLst/>
+          </a:prstGeom>
+          <a:noFill/>
+        </p:spPr>
+        <p:txBody>
+          <a:bodyPr wrap="square" rtlCol="0">
+            <a:spAutoFit/>
+          </a:bodyPr>
+          <a:lstStyle/>
+          <a:p>
+            <a:r>
+              <a:rPr lang="en-US" b="1" dirty="0">
+                <a:latin typeface="Arial" panose="020B0604020202020204" pitchFamily="34" charset="0"/>
+                <a:cs typeface="Arial" panose="020B0604020202020204" pitchFamily="34" charset="0"/>
+              </a:rPr>
+              <a:t>Unfortunately, it’s very difficult to pinpoint a precise amount of money it takes to hire a new employee. However, there are some general guidelines to make an educated guess.</a:t>
+            </a:r>
+          </a:p>
+          <a:p>
+            <a:endParaRPr lang="en-US" b="1" dirty="0">
+              <a:latin typeface="Arial" panose="020B0604020202020204" pitchFamily="34" charset="0"/>
+              <a:cs typeface="Arial" panose="020B0604020202020204" pitchFamily="34" charset="0"/>
+            </a:endParaRPr>
+          </a:p>
+          <a:p>
+            <a:r>
+              <a:rPr lang="en-US" b="1" dirty="0">
+                <a:latin typeface="Arial" panose="020B0604020202020204" pitchFamily="34" charset="0"/>
+                <a:cs typeface="Arial" panose="020B0604020202020204" pitchFamily="34" charset="0"/>
+              </a:rPr>
+              <a:t>•	As stated in a study by the National Association of Colleges and Employers, hiring an employee in a company with 0-500 people costs an average of $7,645.</a:t>
+            </a:r>
+          </a:p>
+          <a:p>
+            <a:endParaRPr lang="en-US" b="1" dirty="0">
+              <a:latin typeface="Arial" panose="020B0604020202020204" pitchFamily="34" charset="0"/>
+              <a:cs typeface="Arial" panose="020B0604020202020204" pitchFamily="34" charset="0"/>
+            </a:endParaRPr>
+          </a:p>
+          <a:p>
+            <a:r>
+              <a:rPr lang="en-US" b="1" dirty="0">
+                <a:latin typeface="Arial" panose="020B0604020202020204" pitchFamily="34" charset="0"/>
+                <a:cs typeface="Arial" panose="020B0604020202020204" pitchFamily="34" charset="0"/>
+              </a:rPr>
+              <a:t>•	Another study by the Society for Human Resource Management states that the average cost to hire an employee is $4,129, with around 42 days to fill a position.</a:t>
+            </a:r>
+          </a:p>
+          <a:p>
+            <a:endParaRPr lang="en-US" b="1" dirty="0">
+              <a:latin typeface="Arial" panose="020B0604020202020204" pitchFamily="34" charset="0"/>
+              <a:cs typeface="Arial" panose="020B0604020202020204" pitchFamily="34" charset="0"/>
+            </a:endParaRPr>
+          </a:p>
+          <a:p>
+            <a:r>
+              <a:rPr lang="en-US" b="1" dirty="0">
+                <a:latin typeface="Arial" panose="020B0604020202020204" pitchFamily="34" charset="0"/>
+                <a:cs typeface="Arial" panose="020B0604020202020204" pitchFamily="34" charset="0"/>
+              </a:rPr>
+              <a:t>•	According to Glassdoor, the average company in the United States spends about $4,000 to hire a new employee, taking up to 52 days to fill a position.</a:t>
+            </a:r>
+          </a:p>
+          <a:p>
+            <a:r>
+              <a:rPr lang="en-US" b="1" dirty="0">
+                <a:latin typeface="Arial" panose="020B0604020202020204" pitchFamily="34" charset="0"/>
+                <a:cs typeface="Arial" panose="020B0604020202020204" pitchFamily="34" charset="0"/>
+              </a:rPr>
+              <a:t>If you’re replacing someone instead of filling a new position, stakes get even higher. Another research by SHRM states that it takes up to 50-60% of an employee’s annual salary to find a direct replacement. Turnover can be quite costly, summing up to a total of 90-200% of an employee’s annual salary.</a:t>
+            </a:r>
+          </a:p>
+        </p:txBody>
+      </p:sp>
     </p:spTree>
     <p:extLst>
       <p:ext uri="{BB962C8B-B14F-4D97-AF65-F5344CB8AC3E}">
-        <p14:creationId xmlns:p14="http://schemas.microsoft.com/office/powerpoint/2010/main" val="3924209888"/>
+        <p14:creationId xmlns:p14="http://schemas.microsoft.com/office/powerpoint/2010/main" val="3696588280"/>
       </p:ext>
     </p:extLst>
   </p:cSld>
@@ -6476,73 +7285,177 @@
           <a:chExt cx="0" cy="0"/>
         </a:xfrm>
       </p:grpSpPr>
-      <p:graphicFrame>
-        <p:nvGraphicFramePr>
-          <p:cNvPr id="2" name="Object 1">
+      <p:sp>
+        <p:nvSpPr>
+          <p:cNvPr id="2" name="Title 1">
             <a:extLst>
               <a:ext uri="{FF2B5EF4-FFF2-40B4-BE49-F238E27FC236}">
-                <a16:creationId xmlns:a16="http://schemas.microsoft.com/office/drawing/2014/main" id="{86BA4C59-4646-415F-89F2-57BA377862BD}"/>
+                <a16:creationId xmlns:a16="http://schemas.microsoft.com/office/drawing/2014/main" id="{331EC1DD-A54D-4040-AB7C-049BAEA2950E}"/>
               </a:ext>
             </a:extLst>
           </p:cNvPr>
-          <p:cNvGraphicFramePr>
-            <a:graphicFrameLocks noChangeAspect="1"/>
-          </p:cNvGraphicFramePr>
-          <p:nvPr>
-            <p:extLst>
-              <p:ext uri="{D42A27DB-BD31-4B8C-83A1-F6EECF244321}">
-                <p14:modId xmlns:p14="http://schemas.microsoft.com/office/powerpoint/2010/main" val="3993437652"/>
-              </p:ext>
-            </p:extLst>
-          </p:nvPr>
-        </p:nvGraphicFramePr>
-        <p:xfrm>
-          <a:off x="1974850" y="1260475"/>
-          <a:ext cx="8243888" cy="4333875"/>
-        </p:xfrm>
-        <a:graphic>
-          <a:graphicData uri="http://schemas.openxmlformats.org/presentationml/2006/ole">
-            <mc:AlternateContent xmlns:mc="http://schemas.openxmlformats.org/markup-compatibility/2006">
-              <mc:Choice xmlns:v="urn:schemas-microsoft-com:vml" Requires="v">
-                <p:oleObj spid="_x0000_s8197" name="Document" r:id="rId3" imgW="8243869" imgH="4333130" progId="Word.Document.12">
-                  <p:embed/>
-                </p:oleObj>
-              </mc:Choice>
-              <mc:Fallback>
-                <p:oleObj name="Document" r:id="rId3" imgW="8243869" imgH="4333130" progId="Word.Document.12">
-                  <p:embed/>
-                  <p:pic>
-                    <p:nvPicPr>
-                      <p:cNvPr id="0" name=""/>
-                      <p:cNvPicPr/>
-                      <p:nvPr/>
-                    </p:nvPicPr>
-                    <p:blipFill>
-                      <a:blip r:embed="rId4"/>
-                      <a:stretch>
-                        <a:fillRect/>
-                      </a:stretch>
-                    </p:blipFill>
-                    <p:spPr>
-                      <a:xfrm>
-                        <a:off x="1974850" y="1260475"/>
-                        <a:ext cx="8243888" cy="4333875"/>
-                      </a:xfrm>
-                      <a:prstGeom prst="rect">
-                        <a:avLst/>
-                      </a:prstGeom>
-                    </p:spPr>
-                  </p:pic>
-                </p:oleObj>
-              </mc:Fallback>
-            </mc:AlternateContent>
-          </a:graphicData>
-        </a:graphic>
-      </p:graphicFrame>
+          <p:cNvSpPr>
+            <a:spLocks noGrp="1"/>
+          </p:cNvSpPr>
+          <p:nvPr>
+            <p:ph type="title"/>
+          </p:nvPr>
+        </p:nvSpPr>
+        <p:spPr>
+          <a:xfrm>
+            <a:off x="666046" y="508000"/>
+            <a:ext cx="8596668" cy="1038578"/>
+          </a:xfrm>
+        </p:spPr>
+        <p:txBody>
+          <a:bodyPr>
+            <a:normAutofit/>
+          </a:bodyPr>
+          <a:lstStyle/>
+          <a:p>
+            <a:pPr algn="ctr"/>
+            <a:r>
+              <a:rPr lang="en-US" sz="4400" b="1" dirty="0">
+                <a:latin typeface="Arial" panose="020B0604020202020204" pitchFamily="34" charset="0"/>
+                <a:cs typeface="Arial" panose="020B0604020202020204" pitchFamily="34" charset="0"/>
+              </a:rPr>
+              <a:t>Hypotheses</a:t>
+            </a:r>
+          </a:p>
+        </p:txBody>
+      </p:sp>
+      <p:sp>
+        <p:nvSpPr>
+          <p:cNvPr id="3" name="TextBox 2">
+            <a:extLst>
+              <a:ext uri="{FF2B5EF4-FFF2-40B4-BE49-F238E27FC236}">
+                <a16:creationId xmlns:a16="http://schemas.microsoft.com/office/drawing/2014/main" id="{D736C4FB-7923-480D-8B08-26BFBEB7F165}"/>
+              </a:ext>
+            </a:extLst>
+          </p:cNvPr>
+          <p:cNvSpPr txBox="1"/>
+          <p:nvPr/>
+        </p:nvSpPr>
+        <p:spPr>
+          <a:xfrm>
+            <a:off x="666046" y="1828800"/>
+            <a:ext cx="8681154" cy="4524315"/>
+          </a:xfrm>
+          <a:prstGeom prst="rect">
+            <a:avLst/>
+          </a:prstGeom>
+          <a:noFill/>
+        </p:spPr>
+        <p:txBody>
+          <a:bodyPr wrap="square" rtlCol="0">
+            <a:spAutoFit/>
+          </a:bodyPr>
+          <a:lstStyle/>
+          <a:p>
+            <a:r>
+              <a:rPr lang="en-US" sz="1600" b="1" dirty="0">
+                <a:latin typeface="Arial" panose="020B0604020202020204" pitchFamily="34" charset="0"/>
+                <a:cs typeface="Arial" panose="020B0604020202020204" pitchFamily="34" charset="0"/>
+              </a:rPr>
+              <a:t>Does the “culture” of the company and attitude of the employee  influence the likelihood of an employee seeking help for a mental health issue?  </a:t>
+            </a:r>
+          </a:p>
+          <a:p>
+            <a:endParaRPr lang="en-US" sz="1600" b="1" dirty="0">
+              <a:latin typeface="Arial" panose="020B0604020202020204" pitchFamily="34" charset="0"/>
+              <a:cs typeface="Arial" panose="020B0604020202020204" pitchFamily="34" charset="0"/>
+            </a:endParaRPr>
+          </a:p>
+          <a:p>
+            <a:r>
+              <a:rPr lang="en-US" sz="1600" b="1" dirty="0">
+                <a:latin typeface="Arial" panose="020B0604020202020204" pitchFamily="34" charset="0"/>
+                <a:cs typeface="Arial" panose="020B0604020202020204" pitchFamily="34" charset="0"/>
+              </a:rPr>
+              <a:t>- Null hypotheses would be that the culture doesn’t influence the likelihood of an employee seeking help.</a:t>
+            </a:r>
+          </a:p>
+          <a:p>
+            <a:endParaRPr lang="en-US" sz="1600" b="1" dirty="0">
+              <a:latin typeface="Arial" panose="020B0604020202020204" pitchFamily="34" charset="0"/>
+              <a:cs typeface="Arial" panose="020B0604020202020204" pitchFamily="34" charset="0"/>
+            </a:endParaRPr>
+          </a:p>
+          <a:p>
+            <a:r>
+              <a:rPr lang="en-US" sz="1600" b="1" dirty="0">
+                <a:latin typeface="Arial" panose="020B0604020202020204" pitchFamily="34" charset="0"/>
+                <a:cs typeface="Arial" panose="020B0604020202020204" pitchFamily="34" charset="0"/>
+              </a:rPr>
+              <a:t>Culture includes things like self employed or not, number of employees, willingness to discuss mental health issue with coworkers or supervisors, etc.</a:t>
+            </a:r>
+          </a:p>
+          <a:p>
+            <a:endParaRPr lang="en-US" sz="1600" b="1" dirty="0">
+              <a:latin typeface="Arial" panose="020B0604020202020204" pitchFamily="34" charset="0"/>
+              <a:cs typeface="Arial" panose="020B0604020202020204" pitchFamily="34" charset="0"/>
+            </a:endParaRPr>
+          </a:p>
+          <a:p>
+            <a:r>
+              <a:rPr lang="en-US" sz="1600" b="1" dirty="0">
+                <a:latin typeface="Arial" panose="020B0604020202020204" pitchFamily="34" charset="0"/>
+                <a:cs typeface="Arial" panose="020B0604020202020204" pitchFamily="34" charset="0"/>
+              </a:rPr>
+              <a:t>Do more employees seek treatment in the US vs not the US?  </a:t>
+            </a:r>
+          </a:p>
+          <a:p>
+            <a:endParaRPr lang="en-US" sz="1600" b="1" dirty="0">
+              <a:latin typeface="Arial" panose="020B0604020202020204" pitchFamily="34" charset="0"/>
+              <a:cs typeface="Arial" panose="020B0604020202020204" pitchFamily="34" charset="0"/>
+            </a:endParaRPr>
+          </a:p>
+          <a:p>
+            <a:r>
+              <a:rPr lang="en-US" sz="1600" b="1" dirty="0">
+                <a:latin typeface="Arial" panose="020B0604020202020204" pitchFamily="34" charset="0"/>
+                <a:cs typeface="Arial" panose="020B0604020202020204" pitchFamily="34" charset="0"/>
+              </a:rPr>
+              <a:t>- Null hypotheses would be that country is not a factor in whether an employee seeks treatment or not.</a:t>
+            </a:r>
+          </a:p>
+          <a:p>
+            <a:endParaRPr lang="en-US" sz="1600" b="1" dirty="0">
+              <a:latin typeface="Arial" panose="020B0604020202020204" pitchFamily="34" charset="0"/>
+              <a:cs typeface="Arial" panose="020B0604020202020204" pitchFamily="34" charset="0"/>
+            </a:endParaRPr>
+          </a:p>
+          <a:p>
+            <a:r>
+              <a:rPr lang="en-US" sz="1600" b="1" dirty="0">
+                <a:latin typeface="Arial" panose="020B0604020202020204" pitchFamily="34" charset="0"/>
+                <a:cs typeface="Arial" panose="020B0604020202020204" pitchFamily="34" charset="0"/>
+              </a:rPr>
+              <a:t>Within the US, does the state play any part in the likelihood of an employee seeking treatment or not?  </a:t>
+            </a:r>
+          </a:p>
+          <a:p>
+            <a:endParaRPr lang="en-US" sz="1600" b="1" dirty="0">
+              <a:latin typeface="Arial" panose="020B0604020202020204" pitchFamily="34" charset="0"/>
+              <a:cs typeface="Arial" panose="020B0604020202020204" pitchFamily="34" charset="0"/>
+            </a:endParaRPr>
+          </a:p>
+          <a:p>
+            <a:r>
+              <a:rPr lang="en-US" sz="1600" b="1" dirty="0">
+                <a:latin typeface="Arial" panose="020B0604020202020204" pitchFamily="34" charset="0"/>
+                <a:cs typeface="Arial" panose="020B0604020202020204" pitchFamily="34" charset="0"/>
+              </a:rPr>
+              <a:t>- Null hypotheses would be that they state does not play a part.</a:t>
+            </a:r>
+          </a:p>
+        </p:txBody>
+      </p:sp>
     </p:spTree>
     <p:extLst>
       <p:ext uri="{BB962C8B-B14F-4D97-AF65-F5344CB8AC3E}">
-        <p14:creationId xmlns:p14="http://schemas.microsoft.com/office/powerpoint/2010/main" val="3144952898"/>
+        <p14:creationId xmlns:p14="http://schemas.microsoft.com/office/powerpoint/2010/main" val="266778053"/>
       </p:ext>
     </p:extLst>
   </p:cSld>
@@ -6569,73 +7482,85 @@
           <a:chExt cx="0" cy="0"/>
         </a:xfrm>
       </p:grpSpPr>
-      <p:graphicFrame>
-        <p:nvGraphicFramePr>
-          <p:cNvPr id="2" name="Object 1">
+      <p:sp>
+        <p:nvSpPr>
+          <p:cNvPr id="2" name="Title 1">
             <a:extLst>
               <a:ext uri="{FF2B5EF4-FFF2-40B4-BE49-F238E27FC236}">
-                <a16:creationId xmlns:a16="http://schemas.microsoft.com/office/drawing/2014/main" id="{91BCC41D-3F71-45C6-8C92-0BA7015301EE}"/>
+                <a16:creationId xmlns:a16="http://schemas.microsoft.com/office/drawing/2014/main" id="{7623033C-D143-41BB-8B3A-41B20A7C790F}"/>
               </a:ext>
             </a:extLst>
           </p:cNvPr>
-          <p:cNvGraphicFramePr>
-            <a:graphicFrameLocks noChangeAspect="1"/>
-          </p:cNvGraphicFramePr>
-          <p:nvPr>
-            <p:extLst>
-              <p:ext uri="{D42A27DB-BD31-4B8C-83A1-F6EECF244321}">
-                <p14:modId xmlns:p14="http://schemas.microsoft.com/office/powerpoint/2010/main" val="2558106653"/>
-              </p:ext>
-            </p:extLst>
-          </p:nvPr>
-        </p:nvGraphicFramePr>
-        <p:xfrm>
-          <a:off x="1974850" y="1450975"/>
-          <a:ext cx="8243888" cy="3952875"/>
-        </p:xfrm>
-        <a:graphic>
-          <a:graphicData uri="http://schemas.openxmlformats.org/presentationml/2006/ole">
-            <mc:AlternateContent xmlns:mc="http://schemas.openxmlformats.org/markup-compatibility/2006">
-              <mc:Choice xmlns:v="urn:schemas-microsoft-com:vml" Requires="v">
-                <p:oleObj spid="_x0000_s7175" name="Document" r:id="rId3" imgW="8243869" imgH="3952658" progId="Word.Document.12">
-                  <p:embed/>
-                </p:oleObj>
-              </mc:Choice>
-              <mc:Fallback>
-                <p:oleObj name="Document" r:id="rId3" imgW="8243869" imgH="3952658" progId="Word.Document.12">
-                  <p:embed/>
-                  <p:pic>
-                    <p:nvPicPr>
-                      <p:cNvPr id="0" name=""/>
-                      <p:cNvPicPr/>
-                      <p:nvPr/>
-                    </p:nvPicPr>
-                    <p:blipFill>
-                      <a:blip r:embed="rId4"/>
-                      <a:stretch>
-                        <a:fillRect/>
-                      </a:stretch>
-                    </p:blipFill>
-                    <p:spPr>
-                      <a:xfrm>
-                        <a:off x="1974850" y="1450975"/>
-                        <a:ext cx="8243888" cy="3952875"/>
-                      </a:xfrm>
-                      <a:prstGeom prst="rect">
-                        <a:avLst/>
-                      </a:prstGeom>
-                    </p:spPr>
-                  </p:pic>
-                </p:oleObj>
-              </mc:Fallback>
-            </mc:AlternateContent>
-          </a:graphicData>
-        </a:graphic>
-      </p:graphicFrame>
+          <p:cNvSpPr>
+            <a:spLocks noGrp="1"/>
+          </p:cNvSpPr>
+          <p:nvPr>
+            <p:ph type="title"/>
+          </p:nvPr>
+        </p:nvSpPr>
+        <p:spPr>
+          <a:xfrm>
+            <a:off x="677335" y="609600"/>
+            <a:ext cx="8596668" cy="1219200"/>
+          </a:xfrm>
+        </p:spPr>
+        <p:txBody>
+          <a:bodyPr/>
+          <a:lstStyle/>
+          <a:p>
+            <a:pPr algn="ctr"/>
+            <a:r>
+              <a:rPr lang="en-US" b="1" dirty="0">
+                <a:latin typeface="Arial" panose="020B0604020202020204" pitchFamily="34" charset="0"/>
+                <a:cs typeface="Arial" panose="020B0604020202020204" pitchFamily="34" charset="0"/>
+              </a:rPr>
+              <a:t>Tech Industry Outlook </a:t>
+            </a:r>
+          </a:p>
+        </p:txBody>
+      </p:sp>
+      <p:sp>
+        <p:nvSpPr>
+          <p:cNvPr id="3" name="Text Placeholder 2">
+            <a:extLst>
+              <a:ext uri="{FF2B5EF4-FFF2-40B4-BE49-F238E27FC236}">
+                <a16:creationId xmlns:a16="http://schemas.microsoft.com/office/drawing/2014/main" id="{B9F3EAD6-6952-42CD-ACAA-D8FB252D8A16}"/>
+              </a:ext>
+            </a:extLst>
+          </p:cNvPr>
+          <p:cNvSpPr>
+            <a:spLocks noGrp="1"/>
+          </p:cNvSpPr>
+          <p:nvPr>
+            <p:ph type="body" idx="1"/>
+          </p:nvPr>
+        </p:nvSpPr>
+        <p:spPr>
+          <a:xfrm>
+            <a:off x="925691" y="1828800"/>
+            <a:ext cx="8596668" cy="3636829"/>
+          </a:xfrm>
+        </p:spPr>
+        <p:txBody>
+          <a:bodyPr>
+            <a:normAutofit/>
+          </a:bodyPr>
+          <a:lstStyle/>
+          <a:p>
+            <a:r>
+              <a:rPr lang="en-US" sz="2800" dirty="0">
+                <a:latin typeface="Arial" panose="020B0604020202020204" pitchFamily="34" charset="0"/>
+                <a:cs typeface="Arial" panose="020B0604020202020204" pitchFamily="34" charset="0"/>
+              </a:rPr>
+              <a:t>A growing number of HR professionals recognize that early detection and treatment of mental illness often can prevent a crisis and reduce employers’ health care costs down the road. They are developing programs and plans to provide more support for their employees with psychiatric disorders—similar to the help they provide those with physical injuries or ailments.</a:t>
+            </a:r>
+          </a:p>
+        </p:txBody>
+      </p:sp>
     </p:spTree>
     <p:extLst>
       <p:ext uri="{BB962C8B-B14F-4D97-AF65-F5344CB8AC3E}">
-        <p14:creationId xmlns:p14="http://schemas.microsoft.com/office/powerpoint/2010/main" val="3699442322"/>
+        <p14:creationId xmlns:p14="http://schemas.microsoft.com/office/powerpoint/2010/main" val="1044854870"/>
       </p:ext>
     </p:extLst>
   </p:cSld>
@@ -6662,74 +7587,49 @@
           <a:chExt cx="0" cy="0"/>
         </a:xfrm>
       </p:grpSpPr>
-      <p:graphicFrame>
-        <p:nvGraphicFramePr>
-          <p:cNvPr id="3" name="Object 2">
-            <a:hlinkClick r:id="" action="ppaction://ole?verb=0"/>
+      <p:sp>
+        <p:nvSpPr>
+          <p:cNvPr id="2" name="Title 1">
             <a:extLst>
               <a:ext uri="{FF2B5EF4-FFF2-40B4-BE49-F238E27FC236}">
-                <a16:creationId xmlns:a16="http://schemas.microsoft.com/office/drawing/2014/main" id="{D2313378-A576-454D-BB7A-3003A70063A9}"/>
+                <a16:creationId xmlns:a16="http://schemas.microsoft.com/office/drawing/2014/main" id="{BAC14591-3DA6-47F0-BE50-6FEB0CC4D89E}"/>
               </a:ext>
             </a:extLst>
           </p:cNvPr>
-          <p:cNvGraphicFramePr>
-            <a:graphicFrameLocks noChangeAspect="1"/>
-          </p:cNvGraphicFramePr>
-          <p:nvPr>
-            <p:extLst>
-              <p:ext uri="{D42A27DB-BD31-4B8C-83A1-F6EECF244321}">
-                <p14:modId xmlns:p14="http://schemas.microsoft.com/office/powerpoint/2010/main" val="4030797871"/>
-              </p:ext>
-            </p:extLst>
-          </p:nvPr>
-        </p:nvGraphicFramePr>
-        <p:xfrm>
-          <a:off x="104775" y="0"/>
-          <a:ext cx="12011025" cy="6818414"/>
-        </p:xfrm>
-        <a:graphic>
-          <a:graphicData uri="http://schemas.openxmlformats.org/presentationml/2006/ole">
-            <mc:AlternateContent xmlns:mc="http://schemas.openxmlformats.org/markup-compatibility/2006">
-              <mc:Choice xmlns:v="urn:schemas-microsoft-com:vml" Requires="v">
-                <p:oleObj spid="_x0000_s6154" name="Presentation" r:id="rId3" imgW="5000125" imgH="3863367" progId="PowerPoint.Show.12">
-                  <p:embed/>
-                </p:oleObj>
-              </mc:Choice>
-              <mc:Fallback>
-                <p:oleObj name="Presentation" r:id="rId3" imgW="5000125" imgH="3863367" progId="PowerPoint.Show.12">
-                  <p:embed/>
-                  <p:pic>
-                    <p:nvPicPr>
-                      <p:cNvPr id="0" name=""/>
-                      <p:cNvPicPr/>
-                      <p:nvPr/>
-                    </p:nvPicPr>
-                    <p:blipFill>
-                      <a:blip r:embed="rId4"/>
-                      <a:stretch>
-                        <a:fillRect/>
-                      </a:stretch>
-                    </p:blipFill>
-                    <p:spPr>
-                      <a:xfrm>
-                        <a:off x="104775" y="0"/>
-                        <a:ext cx="12011025" cy="6818414"/>
-                      </a:xfrm>
-                      <a:prstGeom prst="rect">
-                        <a:avLst/>
-                      </a:prstGeom>
-                    </p:spPr>
-                  </p:pic>
-                </p:oleObj>
-              </mc:Fallback>
-            </mc:AlternateContent>
-          </a:graphicData>
-        </a:graphic>
-      </p:graphicFrame>
+          <p:cNvSpPr>
+            <a:spLocks noGrp="1"/>
+          </p:cNvSpPr>
+          <p:nvPr>
+            <p:ph type="title"/>
+          </p:nvPr>
+        </p:nvSpPr>
+        <p:spPr>
+          <a:xfrm>
+            <a:off x="1117601" y="2723444"/>
+            <a:ext cx="8596668" cy="1411111"/>
+          </a:xfrm>
+        </p:spPr>
+        <p:txBody>
+          <a:bodyPr>
+            <a:normAutofit/>
+          </a:bodyPr>
+          <a:lstStyle/>
+          <a:p>
+            <a:pPr algn="ctr"/>
+            <a:r>
+              <a:rPr lang="en-US" sz="7200" b="1" dirty="0">
+                <a:latin typeface="Arial" panose="020B0604020202020204" pitchFamily="34" charset="0"/>
+                <a:cs typeface="Arial" panose="020B0604020202020204" pitchFamily="34" charset="0"/>
+              </a:rPr>
+              <a:t>Visualizations</a:t>
+            </a:r>
+          </a:p>
+        </p:txBody>
+      </p:sp>
     </p:spTree>
     <p:extLst>
       <p:ext uri="{BB962C8B-B14F-4D97-AF65-F5344CB8AC3E}">
-        <p14:creationId xmlns:p14="http://schemas.microsoft.com/office/powerpoint/2010/main" val="3981362263"/>
+        <p14:creationId xmlns:p14="http://schemas.microsoft.com/office/powerpoint/2010/main" val="2360546521"/>
       </p:ext>
     </p:extLst>
   </p:cSld>
@@ -6756,154 +7656,159 @@
           <a:chExt cx="0" cy="0"/>
         </a:xfrm>
       </p:grpSpPr>
-      <p:sp>
-        <p:nvSpPr>
-          <p:cNvPr id="3" name="TextBox 2">
+      <p:pic>
+        <p:nvPicPr>
+          <p:cNvPr id="4" name="Picture 3">
             <a:extLst>
               <a:ext uri="{FF2B5EF4-FFF2-40B4-BE49-F238E27FC236}">
-                <a16:creationId xmlns:a16="http://schemas.microsoft.com/office/drawing/2014/main" id="{6810996C-957D-0D43-9F3B-9FD110AD341C}"/>
+                <a16:creationId xmlns:a16="http://schemas.microsoft.com/office/drawing/2014/main" id="{04380745-EE62-42CB-B0DB-A757629E9ED4}"/>
               </a:ext>
             </a:extLst>
           </p:cNvPr>
-          <p:cNvSpPr txBox="1"/>
+          <p:cNvPicPr>
+            <a:picLocks noChangeAspect="1"/>
+          </p:cNvPicPr>
           <p:nvPr/>
-        </p:nvSpPr>
+        </p:nvPicPr>
+        <p:blipFill rotWithShape="1">
+          <a:blip r:embed="rId2"/>
+          <a:srcRect b="3567"/>
+          <a:stretch/>
+        </p:blipFill>
         <p:spPr>
           <a:xfrm>
-            <a:off x="1967947" y="1172817"/>
-            <a:ext cx="3001618" cy="461665"/>
+            <a:off x="112542" y="98474"/>
+            <a:ext cx="11971606" cy="6654018"/>
           </a:xfrm>
           <a:prstGeom prst="rect">
             <a:avLst/>
           </a:prstGeom>
-          <a:noFill/>
         </p:spPr>
-        <p:txBody>
-          <a:bodyPr wrap="square" rtlCol="0">
-            <a:spAutoFit/>
-          </a:bodyPr>
-          <a:lstStyle/>
-          <a:p>
-            <a:r>
-              <a:rPr lang="en-US" sz="2400" dirty="0"/>
-              <a:t>Machine Learning</a:t>
-            </a:r>
-          </a:p>
-        </p:txBody>
-      </p:sp>
-      <p:sp>
-        <p:nvSpPr>
-          <p:cNvPr id="4" name="TextBox 3">
+      </p:pic>
+    </p:spTree>
+    <p:extLst>
+      <p:ext uri="{BB962C8B-B14F-4D97-AF65-F5344CB8AC3E}">
+        <p14:creationId xmlns:p14="http://schemas.microsoft.com/office/powerpoint/2010/main" val="3981362263"/>
+      </p:ext>
+    </p:extLst>
+  </p:cSld>
+  <p:clrMapOvr>
+    <a:masterClrMapping/>
+  </p:clrMapOvr>
+</p:sld>
+</file>
+
+<file path=ppt/slides/slide8.xml><?xml version="1.0" encoding="utf-8"?>
+<p:sld xmlns:a="http://schemas.openxmlformats.org/drawingml/2006/main" xmlns:r="http://schemas.openxmlformats.org/officeDocument/2006/relationships" xmlns:p="http://schemas.openxmlformats.org/presentationml/2006/main">
+  <p:cSld>
+    <p:spTree>
+      <p:nvGrpSpPr>
+        <p:cNvPr id="1" name=""/>
+        <p:cNvGrpSpPr/>
+        <p:nvPr/>
+      </p:nvGrpSpPr>
+      <p:grpSpPr>
+        <a:xfrm>
+          <a:off x="0" y="0"/>
+          <a:ext cx="0" cy="0"/>
+          <a:chOff x="0" y="0"/>
+          <a:chExt cx="0" cy="0"/>
+        </a:xfrm>
+      </p:grpSpPr>
+      <p:pic>
+        <p:nvPicPr>
+          <p:cNvPr id="3" name="Picture 2">
             <a:extLst>
               <a:ext uri="{FF2B5EF4-FFF2-40B4-BE49-F238E27FC236}">
-                <a16:creationId xmlns:a16="http://schemas.microsoft.com/office/drawing/2014/main" id="{4C1C2C16-F67B-BD48-9D02-5F89DA4CCEA3}"/>
+                <a16:creationId xmlns:a16="http://schemas.microsoft.com/office/drawing/2014/main" id="{4EF127CE-7D3E-494D-9033-F6975C888EAF}"/>
               </a:ext>
             </a:extLst>
           </p:cNvPr>
-          <p:cNvSpPr txBox="1"/>
+          <p:cNvPicPr>
+            <a:picLocks noChangeAspect="1"/>
+          </p:cNvPicPr>
           <p:nvPr/>
-        </p:nvSpPr>
+        </p:nvPicPr>
+        <p:blipFill>
+          <a:blip r:embed="rId2"/>
+          <a:stretch>
+            <a:fillRect/>
+          </a:stretch>
+        </p:blipFill>
         <p:spPr>
           <a:xfrm>
-            <a:off x="2295937" y="1918256"/>
-            <a:ext cx="3340979" cy="923330"/>
+            <a:off x="98474" y="98474"/>
+            <a:ext cx="11971606" cy="6654017"/>
           </a:xfrm>
           <a:prstGeom prst="rect">
             <a:avLst/>
           </a:prstGeom>
-          <a:noFill/>
         </p:spPr>
-        <p:txBody>
-          <a:bodyPr wrap="none" rtlCol="0">
-            <a:spAutoFit/>
-          </a:bodyPr>
-          <a:lstStyle/>
-          <a:p>
-            <a:r>
-              <a:rPr lang="en-US" dirty="0"/>
-              <a:t>Notebooks:</a:t>
-            </a:r>
-          </a:p>
-          <a:p>
-            <a:r>
-              <a:rPr lang="en-US" dirty="0">
-                <a:hlinkClick r:id="rId2"/>
-              </a:rPr>
-              <a:t>Data Cleaning and Formatting</a:t>
-            </a:r>
-            <a:r>
-              <a:rPr lang="en-US" dirty="0"/>
-              <a:t> </a:t>
-            </a:r>
-          </a:p>
-          <a:p>
-            <a:r>
-              <a:rPr lang="en-US" dirty="0">
-                <a:hlinkClick r:id="rId3"/>
-              </a:rPr>
-              <a:t>Machine Learning</a:t>
-            </a:r>
-            <a:endParaRPr lang="en-US" dirty="0"/>
-          </a:p>
-        </p:txBody>
-      </p:sp>
-      <p:sp>
-        <p:nvSpPr>
-          <p:cNvPr id="5" name="TextBox 4">
+      </p:pic>
+    </p:spTree>
+    <p:extLst>
+      <p:ext uri="{BB962C8B-B14F-4D97-AF65-F5344CB8AC3E}">
+        <p14:creationId xmlns:p14="http://schemas.microsoft.com/office/powerpoint/2010/main" val="3823738049"/>
+      </p:ext>
+    </p:extLst>
+  </p:cSld>
+  <p:clrMapOvr>
+    <a:masterClrMapping/>
+  </p:clrMapOvr>
+</p:sld>
+</file>
+
+<file path=ppt/slides/slide9.xml><?xml version="1.0" encoding="utf-8"?>
+<p:sld xmlns:a="http://schemas.openxmlformats.org/drawingml/2006/main" xmlns:r="http://schemas.openxmlformats.org/officeDocument/2006/relationships" xmlns:p="http://schemas.openxmlformats.org/presentationml/2006/main">
+  <p:cSld>
+    <p:spTree>
+      <p:nvGrpSpPr>
+        <p:cNvPr id="1" name=""/>
+        <p:cNvGrpSpPr/>
+        <p:nvPr/>
+      </p:nvGrpSpPr>
+      <p:grpSpPr>
+        <a:xfrm>
+          <a:off x="0" y="0"/>
+          <a:ext cx="0" cy="0"/>
+          <a:chOff x="0" y="0"/>
+          <a:chExt cx="0" cy="0"/>
+        </a:xfrm>
+      </p:grpSpPr>
+      <p:pic>
+        <p:nvPicPr>
+          <p:cNvPr id="4" name="Picture 3">
             <a:extLst>
               <a:ext uri="{FF2B5EF4-FFF2-40B4-BE49-F238E27FC236}">
-                <a16:creationId xmlns:a16="http://schemas.microsoft.com/office/drawing/2014/main" id="{98860BB2-8EBB-944C-9BFE-38314BFE6BC7}"/>
+                <a16:creationId xmlns:a16="http://schemas.microsoft.com/office/drawing/2014/main" id="{F2E2A133-15B3-4690-8FD0-218419951491}"/>
               </a:ext>
             </a:extLst>
           </p:cNvPr>
-          <p:cNvSpPr txBox="1"/>
+          <p:cNvPicPr>
+            <a:picLocks noChangeAspect="1"/>
+          </p:cNvPicPr>
           <p:nvPr/>
-        </p:nvSpPr>
+        </p:nvPicPr>
+        <p:blipFill>
+          <a:blip r:embed="rId2"/>
+          <a:stretch>
+            <a:fillRect/>
+          </a:stretch>
+        </p:blipFill>
         <p:spPr>
           <a:xfrm>
-            <a:off x="2305881" y="3220282"/>
-            <a:ext cx="1479892" cy="923330"/>
+            <a:off x="98474" y="98475"/>
+            <a:ext cx="12013809" cy="6637892"/>
           </a:xfrm>
           <a:prstGeom prst="rect">
             <a:avLst/>
           </a:prstGeom>
-          <a:noFill/>
         </p:spPr>
-        <p:txBody>
-          <a:bodyPr wrap="none" rtlCol="0">
-            <a:spAutoFit/>
-          </a:bodyPr>
-          <a:lstStyle/>
-          <a:p>
-            <a:r>
-              <a:rPr lang="en-US" dirty="0"/>
-              <a:t>Flask App:</a:t>
-            </a:r>
-          </a:p>
-          <a:p>
-            <a:r>
-              <a:rPr lang="en-US" dirty="0">
-                <a:hlinkClick r:id="rId4"/>
-              </a:rPr>
-              <a:t>Python Code</a:t>
-            </a:r>
-            <a:endParaRPr lang="en-US" dirty="0"/>
-          </a:p>
-          <a:p>
-            <a:r>
-              <a:rPr lang="en-US" dirty="0">
-                <a:hlinkClick r:id="rId5"/>
-              </a:rPr>
-              <a:t>HTML Form</a:t>
-            </a:r>
-            <a:endParaRPr lang="en-US" dirty="0"/>
-          </a:p>
-        </p:txBody>
-      </p:sp>
+      </p:pic>
     </p:spTree>
     <p:extLst>
       <p:ext uri="{BB962C8B-B14F-4D97-AF65-F5344CB8AC3E}">
-        <p14:creationId xmlns:p14="http://schemas.microsoft.com/office/powerpoint/2010/main" val="1522094538"/>
+        <p14:creationId xmlns:p14="http://schemas.microsoft.com/office/powerpoint/2010/main" val="2489033812"/>
       </p:ext>
     </p:extLst>
   </p:cSld>

--- a/MHinTech.pptx
+++ b/MHinTech.pptx
@@ -5,7 +5,7 @@
     <p:sldMasterId id="2147483748" r:id="rId1"/>
   </p:sldMasterIdLst>
   <p:notesMasterIdLst>
-    <p:notesMasterId r:id="rId14"/>
+    <p:notesMasterId r:id="rId15"/>
   </p:notesMasterIdLst>
   <p:sldIdLst>
     <p:sldId id="275" r:id="rId2"/>
@@ -17,9 +17,10 @@
     <p:sldId id="261" r:id="rId8"/>
     <p:sldId id="264" r:id="rId9"/>
     <p:sldId id="265" r:id="rId10"/>
-    <p:sldId id="270" r:id="rId11"/>
-    <p:sldId id="268" r:id="rId12"/>
-    <p:sldId id="267" r:id="rId13"/>
+    <p:sldId id="278" r:id="rId11"/>
+    <p:sldId id="270" r:id="rId12"/>
+    <p:sldId id="268" r:id="rId13"/>
+    <p:sldId id="267" r:id="rId14"/>
   </p:sldIdLst>
   <p:sldSz cx="12192000" cy="6858000"/>
   <p:notesSz cx="6858000" cy="9144000"/>
@@ -208,7 +209,7 @@
           <a:p>
             <a:fld id="{B67D3DFF-62E3-4C8D-8A47-B39A2D7D0EDB}" type="datetimeFigureOut">
               <a:rPr lang="en-US" smtClean="0"/>
-              <a:t>12/14/2018</a:t>
+              <a:t>12/15/18</a:t>
             </a:fld>
             <a:endParaRPr lang="en-US" dirty="0"/>
           </a:p>
@@ -1220,7 +1221,7 @@
           <a:p>
             <a:fld id="{75AD03A6-5259-4905-A727-7BDBB95493AA}" type="datetimeFigureOut">
               <a:rPr lang="en-US" smtClean="0"/>
-              <a:t>12/14/2018</a:t>
+              <a:t>12/15/18</a:t>
             </a:fld>
             <a:endParaRPr lang="en-US" dirty="0"/>
           </a:p>
@@ -1471,7 +1472,7 @@
           <a:p>
             <a:fld id="{75AD03A6-5259-4905-A727-7BDBB95493AA}" type="datetimeFigureOut">
               <a:rPr lang="en-US" smtClean="0"/>
-              <a:t>12/14/2018</a:t>
+              <a:t>12/15/18</a:t>
             </a:fld>
             <a:endParaRPr lang="en-US" dirty="0"/>
           </a:p>
@@ -1785,7 +1786,7 @@
           <a:p>
             <a:fld id="{75AD03A6-5259-4905-A727-7BDBB95493AA}" type="datetimeFigureOut">
               <a:rPr lang="en-US" smtClean="0"/>
-              <a:t>12/14/2018</a:t>
+              <a:t>12/15/18</a:t>
             </a:fld>
             <a:endParaRPr lang="en-US" dirty="0"/>
           </a:p>
@@ -2118,7 +2119,7 @@
           <a:p>
             <a:fld id="{75AD03A6-5259-4905-A727-7BDBB95493AA}" type="datetimeFigureOut">
               <a:rPr lang="en-US" smtClean="0"/>
-              <a:t>12/14/2018</a:t>
+              <a:t>12/15/18</a:t>
             </a:fld>
             <a:endParaRPr lang="en-US" dirty="0"/>
           </a:p>
@@ -2432,7 +2433,7 @@
           <a:p>
             <a:fld id="{75AD03A6-5259-4905-A727-7BDBB95493AA}" type="datetimeFigureOut">
               <a:rPr lang="en-US" smtClean="0"/>
-              <a:t>12/14/2018</a:t>
+              <a:t>12/15/18</a:t>
             </a:fld>
             <a:endParaRPr lang="en-US" dirty="0"/>
           </a:p>
@@ -2825,7 +2826,7 @@
           <a:p>
             <a:fld id="{75AD03A6-5259-4905-A727-7BDBB95493AA}" type="datetimeFigureOut">
               <a:rPr lang="en-US" smtClean="0"/>
-              <a:t>12/14/2018</a:t>
+              <a:t>12/15/18</a:t>
             </a:fld>
             <a:endParaRPr lang="en-US" dirty="0"/>
           </a:p>
@@ -2995,7 +2996,7 @@
           <a:p>
             <a:fld id="{75AD03A6-5259-4905-A727-7BDBB95493AA}" type="datetimeFigureOut">
               <a:rPr lang="en-US" smtClean="0"/>
-              <a:t>12/14/2018</a:t>
+              <a:t>12/15/18</a:t>
             </a:fld>
             <a:endParaRPr lang="en-US" dirty="0"/>
           </a:p>
@@ -3175,7 +3176,7 @@
           <a:p>
             <a:fld id="{75AD03A6-5259-4905-A727-7BDBB95493AA}" type="datetimeFigureOut">
               <a:rPr lang="en-US" smtClean="0"/>
-              <a:t>12/14/2018</a:t>
+              <a:t>12/15/18</a:t>
             </a:fld>
             <a:endParaRPr lang="en-US" dirty="0"/>
           </a:p>
@@ -3345,7 +3346,7 @@
           <a:p>
             <a:fld id="{75AD03A6-5259-4905-A727-7BDBB95493AA}" type="datetimeFigureOut">
               <a:rPr lang="en-US" smtClean="0"/>
-              <a:t>12/14/2018</a:t>
+              <a:t>12/15/18</a:t>
             </a:fld>
             <a:endParaRPr lang="en-US" dirty="0"/>
           </a:p>
@@ -3592,7 +3593,7 @@
           <a:p>
             <a:fld id="{75AD03A6-5259-4905-A727-7BDBB95493AA}" type="datetimeFigureOut">
               <a:rPr lang="en-US" smtClean="0"/>
-              <a:t>12/14/2018</a:t>
+              <a:t>12/15/18</a:t>
             </a:fld>
             <a:endParaRPr lang="en-US" dirty="0"/>
           </a:p>
@@ -3824,7 +3825,7 @@
           <a:p>
             <a:fld id="{75AD03A6-5259-4905-A727-7BDBB95493AA}" type="datetimeFigureOut">
               <a:rPr lang="en-US" smtClean="0"/>
-              <a:t>12/14/2018</a:t>
+              <a:t>12/15/18</a:t>
             </a:fld>
             <a:endParaRPr lang="en-US" dirty="0"/>
           </a:p>
@@ -4198,7 +4199,7 @@
           <a:p>
             <a:fld id="{75AD03A6-5259-4905-A727-7BDBB95493AA}" type="datetimeFigureOut">
               <a:rPr lang="en-US" smtClean="0"/>
-              <a:t>12/14/2018</a:t>
+              <a:t>12/15/18</a:t>
             </a:fld>
             <a:endParaRPr lang="en-US" dirty="0"/>
           </a:p>
@@ -4321,7 +4322,7 @@
           <a:p>
             <a:fld id="{75AD03A6-5259-4905-A727-7BDBB95493AA}" type="datetimeFigureOut">
               <a:rPr lang="en-US" smtClean="0"/>
-              <a:t>12/14/2018</a:t>
+              <a:t>12/15/18</a:t>
             </a:fld>
             <a:endParaRPr lang="en-US" dirty="0"/>
           </a:p>
@@ -4416,7 +4417,7 @@
           <a:p>
             <a:fld id="{75AD03A6-5259-4905-A727-7BDBB95493AA}" type="datetimeFigureOut">
               <a:rPr lang="en-US" smtClean="0"/>
-              <a:t>12/14/2018</a:t>
+              <a:t>12/15/18</a:t>
             </a:fld>
             <a:endParaRPr lang="en-US" dirty="0"/>
           </a:p>
@@ -4671,7 +4672,7 @@
           <a:p>
             <a:fld id="{75AD03A6-5259-4905-A727-7BDBB95493AA}" type="datetimeFigureOut">
               <a:rPr lang="en-US" smtClean="0"/>
-              <a:t>12/14/2018</a:t>
+              <a:t>12/15/18</a:t>
             </a:fld>
             <a:endParaRPr lang="en-US" dirty="0"/>
           </a:p>
@@ -4975,7 +4976,7 @@
           <a:p>
             <a:fld id="{75AD03A6-5259-4905-A727-7BDBB95493AA}" type="datetimeFigureOut">
               <a:rPr lang="en-US" smtClean="0"/>
-              <a:t>12/14/2018</a:t>
+              <a:t>12/15/18</a:t>
             </a:fld>
             <a:endParaRPr lang="en-US" dirty="0"/>
           </a:p>
@@ -5677,7 +5678,7 @@
           <a:p>
             <a:fld id="{75AD03A6-5259-4905-A727-7BDBB95493AA}" type="datetimeFigureOut">
               <a:rPr lang="en-US" smtClean="0"/>
-              <a:t>12/14/2018</a:t>
+              <a:t>12/15/18</a:t>
             </a:fld>
             <a:endParaRPr lang="en-US" dirty="0"/>
           </a:p>
@@ -6385,56 +6386,10 @@
       </p:grpSpPr>
       <p:sp>
         <p:nvSpPr>
-          <p:cNvPr id="2" name="Title 1">
+          <p:cNvPr id="2" name="TextBox 1">
             <a:extLst>
               <a:ext uri="{FF2B5EF4-FFF2-40B4-BE49-F238E27FC236}">
-                <a16:creationId xmlns:a16="http://schemas.microsoft.com/office/drawing/2014/main" id="{ABA2A209-C0C5-4E0C-897C-F9D9E1C0C162}"/>
-              </a:ext>
-            </a:extLst>
-          </p:cNvPr>
-          <p:cNvSpPr>
-            <a:spLocks noGrp="1"/>
-          </p:cNvSpPr>
-          <p:nvPr>
-            <p:ph type="title"/>
-          </p:nvPr>
-        </p:nvSpPr>
-        <p:spPr>
-          <a:xfrm>
-            <a:off x="733777" y="544689"/>
-            <a:ext cx="8596668" cy="1080912"/>
-          </a:xfrm>
-        </p:spPr>
-        <p:txBody>
-          <a:bodyPr>
-            <a:normAutofit fontScale="90000"/>
-          </a:bodyPr>
-          <a:lstStyle/>
-          <a:p>
-            <a:pPr algn="ctr"/>
-            <a:r>
-              <a:rPr lang="en-US" sz="4900" b="1" dirty="0">
-                <a:latin typeface="Arial" panose="020B0604020202020204" pitchFamily="34" charset="0"/>
-                <a:cs typeface="Arial" panose="020B0604020202020204" pitchFamily="34" charset="0"/>
-              </a:rPr>
-              <a:t>Data Challenges/Limitations</a:t>
-            </a:r>
-            <a:br>
-              <a:rPr lang="en-US" dirty="0"/>
-            </a:br>
-            <a:endParaRPr lang="en-US" sz="6600" dirty="0">
-              <a:latin typeface="Arial" panose="020B0604020202020204" pitchFamily="34" charset="0"/>
-              <a:cs typeface="Arial" panose="020B0604020202020204" pitchFamily="34" charset="0"/>
-            </a:endParaRPr>
-          </a:p>
-        </p:txBody>
-      </p:sp>
-      <p:sp>
-        <p:nvSpPr>
-          <p:cNvPr id="3" name="TextBox 2">
-            <a:extLst>
-              <a:ext uri="{FF2B5EF4-FFF2-40B4-BE49-F238E27FC236}">
-                <a16:creationId xmlns:a16="http://schemas.microsoft.com/office/drawing/2014/main" id="{DCF63263-337B-48ED-B15E-084A1CBF40DE}"/>
+                <a16:creationId xmlns:a16="http://schemas.microsoft.com/office/drawing/2014/main" id="{1F24C36A-2D5A-DA44-879E-B7F63C6109D7}"/>
               </a:ext>
             </a:extLst>
           </p:cNvPr>
@@ -6443,8 +6398,8 @@
         </p:nvSpPr>
         <p:spPr>
           <a:xfrm>
-            <a:off x="835378" y="1625601"/>
-            <a:ext cx="8207022" cy="3416320"/>
+            <a:off x="2425148" y="1928191"/>
+            <a:ext cx="2587568" cy="1015663"/>
           </a:xfrm>
           <a:prstGeom prst="rect">
             <a:avLst/>
@@ -6452,32 +6407,93 @@
           <a:noFill/>
         </p:spPr>
         <p:txBody>
+          <a:bodyPr wrap="none" rtlCol="0">
+            <a:spAutoFit/>
+          </a:bodyPr>
+          <a:lstStyle/>
+          <a:p>
+            <a:r>
+              <a:rPr lang="en-US" sz="2400" dirty="0"/>
+              <a:t>Machine Learning</a:t>
+            </a:r>
+          </a:p>
+          <a:p>
+            <a:r>
+              <a:rPr lang="en-US" dirty="0">
+                <a:hlinkClick r:id="rId2"/>
+              </a:rPr>
+              <a:t>Data Preparation</a:t>
+            </a:r>
+            <a:endParaRPr lang="en-US" dirty="0"/>
+          </a:p>
+          <a:p>
+            <a:r>
+              <a:rPr lang="en-US" dirty="0">
+                <a:hlinkClick r:id="rId3"/>
+              </a:rPr>
+              <a:t>Model Training</a:t>
+            </a:r>
+            <a:endParaRPr lang="en-US" dirty="0"/>
+          </a:p>
+        </p:txBody>
+      </p:sp>
+      <p:sp>
+        <p:nvSpPr>
+          <p:cNvPr id="3" name="TextBox 2">
+            <a:extLst>
+              <a:ext uri="{FF2B5EF4-FFF2-40B4-BE49-F238E27FC236}">
+                <a16:creationId xmlns:a16="http://schemas.microsoft.com/office/drawing/2014/main" id="{0A0AB4C1-D796-0440-B477-76E042918B77}"/>
+              </a:ext>
+            </a:extLst>
+          </p:cNvPr>
+          <p:cNvSpPr txBox="1"/>
+          <p:nvPr/>
+        </p:nvSpPr>
+        <p:spPr>
+          <a:xfrm>
+            <a:off x="2425148" y="3230217"/>
+            <a:ext cx="1719470" cy="1015663"/>
+          </a:xfrm>
+          <a:prstGeom prst="rect">
+            <a:avLst/>
+          </a:prstGeom>
+          <a:noFill/>
+        </p:spPr>
+        <p:txBody>
           <a:bodyPr wrap="square" rtlCol="0">
             <a:spAutoFit/>
           </a:bodyPr>
           <a:lstStyle/>
           <a:p>
             <a:r>
-              <a:rPr lang="en-US" sz="2400" b="1" dirty="0">
-                <a:latin typeface="Arial" panose="020B0604020202020204" pitchFamily="34" charset="0"/>
-                <a:cs typeface="Arial" panose="020B0604020202020204" pitchFamily="34" charset="0"/>
+              <a:rPr lang="en-US" sz="2400" dirty="0"/>
+              <a:t>Flask App</a:t>
+            </a:r>
+          </a:p>
+          <a:p>
+            <a:r>
+              <a:rPr lang="en-US" dirty="0">
+                <a:hlinkClick r:id="rId4"/>
               </a:rPr>
-              <a:t>More recent data on positive work environments who have addressed the issue of mental health in tech jobs would have given us more of a comparison of 2014 compared to recent years. We believe that people are more open to talking about mental health in recent years since the stigma is down tremendously. Also, data on government policy to accommodate those with mental health in the workplace would be good to analyze.</a:t>
-            </a:r>
-            <a:endParaRPr lang="en-US" sz="2400" b="1" kern="1200" dirty="0">
-              <a:solidFill>
-                <a:schemeClr val="tx1"/>
-              </a:solidFill>
-              <a:latin typeface="Arial" panose="020B0604020202020204" pitchFamily="34" charset="0"/>
-              <a:cs typeface="Arial" panose="020B0604020202020204" pitchFamily="34" charset="0"/>
-            </a:endParaRPr>
+              <a:t>Python</a:t>
+            </a:r>
+            <a:endParaRPr lang="en-US" dirty="0"/>
+          </a:p>
+          <a:p>
+            <a:r>
+              <a:rPr lang="en-US" dirty="0">
+                <a:hlinkClick r:id="rId5"/>
+              </a:rPr>
+              <a:t>HTML</a:t>
+            </a:r>
+            <a:endParaRPr lang="en-US" dirty="0"/>
           </a:p>
         </p:txBody>
       </p:sp>
     </p:spTree>
     <p:extLst>
       <p:ext uri="{BB962C8B-B14F-4D97-AF65-F5344CB8AC3E}">
-        <p14:creationId xmlns:p14="http://schemas.microsoft.com/office/powerpoint/2010/main" val="1007526785"/>
+        <p14:creationId xmlns:p14="http://schemas.microsoft.com/office/powerpoint/2010/main" val="663959809"/>
       </p:ext>
     </p:extLst>
   </p:cSld>
@@ -6509,6 +6525,127 @@
           <p:cNvPr id="2" name="Title 1">
             <a:extLst>
               <a:ext uri="{FF2B5EF4-FFF2-40B4-BE49-F238E27FC236}">
+                <a16:creationId xmlns:a16="http://schemas.microsoft.com/office/drawing/2014/main" id="{ABA2A209-C0C5-4E0C-897C-F9D9E1C0C162}"/>
+              </a:ext>
+            </a:extLst>
+          </p:cNvPr>
+          <p:cNvSpPr>
+            <a:spLocks noGrp="1"/>
+          </p:cNvSpPr>
+          <p:nvPr>
+            <p:ph type="title"/>
+          </p:nvPr>
+        </p:nvSpPr>
+        <p:spPr>
+          <a:xfrm>
+            <a:off x="733777" y="544689"/>
+            <a:ext cx="8596668" cy="1080912"/>
+          </a:xfrm>
+        </p:spPr>
+        <p:txBody>
+          <a:bodyPr>
+            <a:normAutofit fontScale="90000"/>
+          </a:bodyPr>
+          <a:lstStyle/>
+          <a:p>
+            <a:pPr algn="ctr"/>
+            <a:r>
+              <a:rPr lang="en-US" sz="4900" b="1" dirty="0">
+                <a:latin typeface="Arial" panose="020B0604020202020204" pitchFamily="34" charset="0"/>
+                <a:cs typeface="Arial" panose="020B0604020202020204" pitchFamily="34" charset="0"/>
+              </a:rPr>
+              <a:t>Data Challenges/Limitations</a:t>
+            </a:r>
+            <a:br>
+              <a:rPr lang="en-US" dirty="0"/>
+            </a:br>
+            <a:endParaRPr lang="en-US" sz="6600" dirty="0">
+              <a:latin typeface="Arial" panose="020B0604020202020204" pitchFamily="34" charset="0"/>
+              <a:cs typeface="Arial" panose="020B0604020202020204" pitchFamily="34" charset="0"/>
+            </a:endParaRPr>
+          </a:p>
+        </p:txBody>
+      </p:sp>
+      <p:sp>
+        <p:nvSpPr>
+          <p:cNvPr id="3" name="TextBox 2">
+            <a:extLst>
+              <a:ext uri="{FF2B5EF4-FFF2-40B4-BE49-F238E27FC236}">
+                <a16:creationId xmlns:a16="http://schemas.microsoft.com/office/drawing/2014/main" id="{DCF63263-337B-48ED-B15E-084A1CBF40DE}"/>
+              </a:ext>
+            </a:extLst>
+          </p:cNvPr>
+          <p:cNvSpPr txBox="1"/>
+          <p:nvPr/>
+        </p:nvSpPr>
+        <p:spPr>
+          <a:xfrm>
+            <a:off x="835378" y="1625601"/>
+            <a:ext cx="8207022" cy="3416320"/>
+          </a:xfrm>
+          <a:prstGeom prst="rect">
+            <a:avLst/>
+          </a:prstGeom>
+          <a:noFill/>
+        </p:spPr>
+        <p:txBody>
+          <a:bodyPr wrap="square" rtlCol="0">
+            <a:spAutoFit/>
+          </a:bodyPr>
+          <a:lstStyle/>
+          <a:p>
+            <a:r>
+              <a:rPr lang="en-US" sz="2400" b="1" dirty="0">
+                <a:latin typeface="Arial" panose="020B0604020202020204" pitchFamily="34" charset="0"/>
+                <a:cs typeface="Arial" panose="020B0604020202020204" pitchFamily="34" charset="0"/>
+              </a:rPr>
+              <a:t>More recent data on positive work environments who have addressed the issue of mental health in tech jobs would have given us more of a comparison of 2014 compared to recent years. We believe that people are more open to talking about mental health in recent years since the stigma is down tremendously. Also, data on government policy to accommodate those with mental health in the workplace would be good to analyze.</a:t>
+            </a:r>
+            <a:endParaRPr lang="en-US" sz="2400" b="1" kern="1200" dirty="0">
+              <a:solidFill>
+                <a:schemeClr val="tx1"/>
+              </a:solidFill>
+              <a:latin typeface="Arial" panose="020B0604020202020204" pitchFamily="34" charset="0"/>
+              <a:cs typeface="Arial" panose="020B0604020202020204" pitchFamily="34" charset="0"/>
+            </a:endParaRPr>
+          </a:p>
+        </p:txBody>
+      </p:sp>
+    </p:spTree>
+    <p:extLst>
+      <p:ext uri="{BB962C8B-B14F-4D97-AF65-F5344CB8AC3E}">
+        <p14:creationId xmlns:p14="http://schemas.microsoft.com/office/powerpoint/2010/main" val="1007526785"/>
+      </p:ext>
+    </p:extLst>
+  </p:cSld>
+  <p:clrMapOvr>
+    <a:masterClrMapping/>
+  </p:clrMapOvr>
+</p:sld>
+</file>
+
+<file path=ppt/slides/slide12.xml><?xml version="1.0" encoding="utf-8"?>
+<p:sld xmlns:a="http://schemas.openxmlformats.org/drawingml/2006/main" xmlns:r="http://schemas.openxmlformats.org/officeDocument/2006/relationships" xmlns:p="http://schemas.openxmlformats.org/presentationml/2006/main">
+  <p:cSld>
+    <p:spTree>
+      <p:nvGrpSpPr>
+        <p:cNvPr id="1" name=""/>
+        <p:cNvGrpSpPr/>
+        <p:nvPr/>
+      </p:nvGrpSpPr>
+      <p:grpSpPr>
+        <a:xfrm>
+          <a:off x="0" y="0"/>
+          <a:ext cx="0" cy="0"/>
+          <a:chOff x="0" y="0"/>
+          <a:chExt cx="0" cy="0"/>
+        </a:xfrm>
+      </p:grpSpPr>
+      <p:sp>
+        <p:nvSpPr>
+          <p:cNvPr id="2" name="Title 1">
+            <a:extLst>
+              <a:ext uri="{FF2B5EF4-FFF2-40B4-BE49-F238E27FC236}">
                 <a16:creationId xmlns:a16="http://schemas.microsoft.com/office/drawing/2014/main" id="{DCFD4A2A-A2F0-41FB-8C08-1B8512689C2B}"/>
               </a:ext>
             </a:extLst>
@@ -6638,7 +6775,7 @@
 </p:sld>
 </file>
 
-<file path=ppt/slides/slide12.xml><?xml version="1.0" encoding="utf-8"?>
+<file path=ppt/slides/slide13.xml><?xml version="1.0" encoding="utf-8"?>
 <p:sld xmlns:a="http://schemas.openxmlformats.org/drawingml/2006/main" xmlns:r="http://schemas.openxmlformats.org/officeDocument/2006/relationships" xmlns:p="http://schemas.openxmlformats.org/presentationml/2006/main">
   <p:cSld>
     <p:spTree>
@@ -7447,7 +7584,7 @@
                 <a:latin typeface="Arial" panose="020B0604020202020204" pitchFamily="34" charset="0"/>
                 <a:cs typeface="Arial" panose="020B0604020202020204" pitchFamily="34" charset="0"/>
               </a:rPr>
-              <a:t>- Null hypotheses would be that they state does not play a part.</a:t>
+              <a:t>- Null hypotheses would be that the state does not play a part.</a:t>
             </a:r>
           </a:p>
         </p:txBody>

--- a/MHinTech.pptx
+++ b/MHinTech.pptx
@@ -5,7 +5,7 @@
     <p:sldMasterId id="2147483748" r:id="rId1"/>
   </p:sldMasterIdLst>
   <p:notesMasterIdLst>
-    <p:notesMasterId r:id="rId15"/>
+    <p:notesMasterId r:id="rId17"/>
   </p:notesMasterIdLst>
   <p:sldIdLst>
     <p:sldId id="275" r:id="rId2"/>
@@ -13,14 +13,16 @@
     <p:sldId id="273" r:id="rId4"/>
     <p:sldId id="271" r:id="rId5"/>
     <p:sldId id="277" r:id="rId6"/>
-    <p:sldId id="269" r:id="rId7"/>
-    <p:sldId id="261" r:id="rId8"/>
-    <p:sldId id="264" r:id="rId9"/>
-    <p:sldId id="265" r:id="rId10"/>
-    <p:sldId id="278" r:id="rId11"/>
-    <p:sldId id="270" r:id="rId12"/>
-    <p:sldId id="268" r:id="rId13"/>
-    <p:sldId id="267" r:id="rId14"/>
+    <p:sldId id="281" r:id="rId7"/>
+    <p:sldId id="282" r:id="rId8"/>
+    <p:sldId id="269" r:id="rId9"/>
+    <p:sldId id="261" r:id="rId10"/>
+    <p:sldId id="264" r:id="rId11"/>
+    <p:sldId id="265" r:id="rId12"/>
+    <p:sldId id="270" r:id="rId13"/>
+    <p:sldId id="279" r:id="rId14"/>
+    <p:sldId id="267" r:id="rId15"/>
+    <p:sldId id="268" r:id="rId16"/>
   </p:sldIdLst>
   <p:sldSz cx="12192000" cy="6858000"/>
   <p:notesSz cx="6858000" cy="9144000"/>
@@ -209,7 +211,7 @@
           <a:p>
             <a:fld id="{B67D3DFF-62E3-4C8D-8A47-B39A2D7D0EDB}" type="datetimeFigureOut">
               <a:rPr lang="en-US" smtClean="0"/>
-              <a:t>12/15/18</a:t>
+              <a:t>12/15/2018</a:t>
             </a:fld>
             <a:endParaRPr lang="en-US" dirty="0"/>
           </a:p>
@@ -1221,7 +1223,7 @@
           <a:p>
             <a:fld id="{75AD03A6-5259-4905-A727-7BDBB95493AA}" type="datetimeFigureOut">
               <a:rPr lang="en-US" smtClean="0"/>
-              <a:t>12/15/18</a:t>
+              <a:t>12/15/2018</a:t>
             </a:fld>
             <a:endParaRPr lang="en-US" dirty="0"/>
           </a:p>
@@ -1472,7 +1474,7 @@
           <a:p>
             <a:fld id="{75AD03A6-5259-4905-A727-7BDBB95493AA}" type="datetimeFigureOut">
               <a:rPr lang="en-US" smtClean="0"/>
-              <a:t>12/15/18</a:t>
+              <a:t>12/15/2018</a:t>
             </a:fld>
             <a:endParaRPr lang="en-US" dirty="0"/>
           </a:p>
@@ -1786,7 +1788,7 @@
           <a:p>
             <a:fld id="{75AD03A6-5259-4905-A727-7BDBB95493AA}" type="datetimeFigureOut">
               <a:rPr lang="en-US" smtClean="0"/>
-              <a:t>12/15/18</a:t>
+              <a:t>12/15/2018</a:t>
             </a:fld>
             <a:endParaRPr lang="en-US" dirty="0"/>
           </a:p>
@@ -2119,7 +2121,7 @@
           <a:p>
             <a:fld id="{75AD03A6-5259-4905-A727-7BDBB95493AA}" type="datetimeFigureOut">
               <a:rPr lang="en-US" smtClean="0"/>
-              <a:t>12/15/18</a:t>
+              <a:t>12/15/2018</a:t>
             </a:fld>
             <a:endParaRPr lang="en-US" dirty="0"/>
           </a:p>
@@ -2433,7 +2435,7 @@
           <a:p>
             <a:fld id="{75AD03A6-5259-4905-A727-7BDBB95493AA}" type="datetimeFigureOut">
               <a:rPr lang="en-US" smtClean="0"/>
-              <a:t>12/15/18</a:t>
+              <a:t>12/15/2018</a:t>
             </a:fld>
             <a:endParaRPr lang="en-US" dirty="0"/>
           </a:p>
@@ -2826,7 +2828,7 @@
           <a:p>
             <a:fld id="{75AD03A6-5259-4905-A727-7BDBB95493AA}" type="datetimeFigureOut">
               <a:rPr lang="en-US" smtClean="0"/>
-              <a:t>12/15/18</a:t>
+              <a:t>12/15/2018</a:t>
             </a:fld>
             <a:endParaRPr lang="en-US" dirty="0"/>
           </a:p>
@@ -2996,7 +2998,7 @@
           <a:p>
             <a:fld id="{75AD03A6-5259-4905-A727-7BDBB95493AA}" type="datetimeFigureOut">
               <a:rPr lang="en-US" smtClean="0"/>
-              <a:t>12/15/18</a:t>
+              <a:t>12/15/2018</a:t>
             </a:fld>
             <a:endParaRPr lang="en-US" dirty="0"/>
           </a:p>
@@ -3176,7 +3178,7 @@
           <a:p>
             <a:fld id="{75AD03A6-5259-4905-A727-7BDBB95493AA}" type="datetimeFigureOut">
               <a:rPr lang="en-US" smtClean="0"/>
-              <a:t>12/15/18</a:t>
+              <a:t>12/15/2018</a:t>
             </a:fld>
             <a:endParaRPr lang="en-US" dirty="0"/>
           </a:p>
@@ -3346,7 +3348,7 @@
           <a:p>
             <a:fld id="{75AD03A6-5259-4905-A727-7BDBB95493AA}" type="datetimeFigureOut">
               <a:rPr lang="en-US" smtClean="0"/>
-              <a:t>12/15/18</a:t>
+              <a:t>12/15/2018</a:t>
             </a:fld>
             <a:endParaRPr lang="en-US" dirty="0"/>
           </a:p>
@@ -3593,7 +3595,7 @@
           <a:p>
             <a:fld id="{75AD03A6-5259-4905-A727-7BDBB95493AA}" type="datetimeFigureOut">
               <a:rPr lang="en-US" smtClean="0"/>
-              <a:t>12/15/18</a:t>
+              <a:t>12/15/2018</a:t>
             </a:fld>
             <a:endParaRPr lang="en-US" dirty="0"/>
           </a:p>
@@ -3825,7 +3827,7 @@
           <a:p>
             <a:fld id="{75AD03A6-5259-4905-A727-7BDBB95493AA}" type="datetimeFigureOut">
               <a:rPr lang="en-US" smtClean="0"/>
-              <a:t>12/15/18</a:t>
+              <a:t>12/15/2018</a:t>
             </a:fld>
             <a:endParaRPr lang="en-US" dirty="0"/>
           </a:p>
@@ -4199,7 +4201,7 @@
           <a:p>
             <a:fld id="{75AD03A6-5259-4905-A727-7BDBB95493AA}" type="datetimeFigureOut">
               <a:rPr lang="en-US" smtClean="0"/>
-              <a:t>12/15/18</a:t>
+              <a:t>12/15/2018</a:t>
             </a:fld>
             <a:endParaRPr lang="en-US" dirty="0"/>
           </a:p>
@@ -4322,7 +4324,7 @@
           <a:p>
             <a:fld id="{75AD03A6-5259-4905-A727-7BDBB95493AA}" type="datetimeFigureOut">
               <a:rPr lang="en-US" smtClean="0"/>
-              <a:t>12/15/18</a:t>
+              <a:t>12/15/2018</a:t>
             </a:fld>
             <a:endParaRPr lang="en-US" dirty="0"/>
           </a:p>
@@ -4417,7 +4419,7 @@
           <a:p>
             <a:fld id="{75AD03A6-5259-4905-A727-7BDBB95493AA}" type="datetimeFigureOut">
               <a:rPr lang="en-US" smtClean="0"/>
-              <a:t>12/15/18</a:t>
+              <a:t>12/15/2018</a:t>
             </a:fld>
             <a:endParaRPr lang="en-US" dirty="0"/>
           </a:p>
@@ -4672,7 +4674,7 @@
           <a:p>
             <a:fld id="{75AD03A6-5259-4905-A727-7BDBB95493AA}" type="datetimeFigureOut">
               <a:rPr lang="en-US" smtClean="0"/>
-              <a:t>12/15/18</a:t>
+              <a:t>12/15/2018</a:t>
             </a:fld>
             <a:endParaRPr lang="en-US" dirty="0"/>
           </a:p>
@@ -4976,7 +4978,7 @@
           <a:p>
             <a:fld id="{75AD03A6-5259-4905-A727-7BDBB95493AA}" type="datetimeFigureOut">
               <a:rPr lang="en-US" smtClean="0"/>
-              <a:t>12/15/18</a:t>
+              <a:t>12/15/2018</a:t>
             </a:fld>
             <a:endParaRPr lang="en-US" dirty="0"/>
           </a:p>
@@ -5678,7 +5680,7 @@
           <a:p>
             <a:fld id="{75AD03A6-5259-4905-A727-7BDBB95493AA}" type="datetimeFigureOut">
               <a:rPr lang="en-US" smtClean="0"/>
-              <a:t>12/15/18</a:t>
+              <a:t>12/15/2018</a:t>
             </a:fld>
             <a:endParaRPr lang="en-US" dirty="0"/>
           </a:p>
@@ -6364,1478 +6366,22 @@
   <p:clrMapOvr>
     <a:masterClrMapping/>
   </p:clrMapOvr>
+  <mc:AlternateContent xmlns:mc="http://schemas.openxmlformats.org/markup-compatibility/2006">
+    <mc:Choice xmlns:p14="http://schemas.microsoft.com/office/powerpoint/2010/main" Requires="p14">
+      <p:transition spd="slow" p14:dur="4250">
+        <p:push dir="u"/>
+      </p:transition>
+    </mc:Choice>
+    <mc:Fallback>
+      <p:transition spd="slow">
+        <p:push dir="u"/>
+      </p:transition>
+    </mc:Fallback>
+  </mc:AlternateContent>
 </p:sld>
 </file>
 
 <file path=ppt/slides/slide10.xml><?xml version="1.0" encoding="utf-8"?>
-<p:sld xmlns:a="http://schemas.openxmlformats.org/drawingml/2006/main" xmlns:r="http://schemas.openxmlformats.org/officeDocument/2006/relationships" xmlns:p="http://schemas.openxmlformats.org/presentationml/2006/main">
-  <p:cSld>
-    <p:spTree>
-      <p:nvGrpSpPr>
-        <p:cNvPr id="1" name=""/>
-        <p:cNvGrpSpPr/>
-        <p:nvPr/>
-      </p:nvGrpSpPr>
-      <p:grpSpPr>
-        <a:xfrm>
-          <a:off x="0" y="0"/>
-          <a:ext cx="0" cy="0"/>
-          <a:chOff x="0" y="0"/>
-          <a:chExt cx="0" cy="0"/>
-        </a:xfrm>
-      </p:grpSpPr>
-      <p:sp>
-        <p:nvSpPr>
-          <p:cNvPr id="2" name="TextBox 1">
-            <a:extLst>
-              <a:ext uri="{FF2B5EF4-FFF2-40B4-BE49-F238E27FC236}">
-                <a16:creationId xmlns:a16="http://schemas.microsoft.com/office/drawing/2014/main" id="{1F24C36A-2D5A-DA44-879E-B7F63C6109D7}"/>
-              </a:ext>
-            </a:extLst>
-          </p:cNvPr>
-          <p:cNvSpPr txBox="1"/>
-          <p:nvPr/>
-        </p:nvSpPr>
-        <p:spPr>
-          <a:xfrm>
-            <a:off x="2425148" y="1928191"/>
-            <a:ext cx="2587568" cy="1015663"/>
-          </a:xfrm>
-          <a:prstGeom prst="rect">
-            <a:avLst/>
-          </a:prstGeom>
-          <a:noFill/>
-        </p:spPr>
-        <p:txBody>
-          <a:bodyPr wrap="none" rtlCol="0">
-            <a:spAutoFit/>
-          </a:bodyPr>
-          <a:lstStyle/>
-          <a:p>
-            <a:r>
-              <a:rPr lang="en-US" sz="2400" dirty="0"/>
-              <a:t>Machine Learning</a:t>
-            </a:r>
-          </a:p>
-          <a:p>
-            <a:r>
-              <a:rPr lang="en-US" dirty="0">
-                <a:hlinkClick r:id="rId2"/>
-              </a:rPr>
-              <a:t>Data Preparation</a:t>
-            </a:r>
-            <a:endParaRPr lang="en-US" dirty="0"/>
-          </a:p>
-          <a:p>
-            <a:r>
-              <a:rPr lang="en-US" dirty="0">
-                <a:hlinkClick r:id="rId3"/>
-              </a:rPr>
-              <a:t>Model Training</a:t>
-            </a:r>
-            <a:endParaRPr lang="en-US" dirty="0"/>
-          </a:p>
-        </p:txBody>
-      </p:sp>
-      <p:sp>
-        <p:nvSpPr>
-          <p:cNvPr id="3" name="TextBox 2">
-            <a:extLst>
-              <a:ext uri="{FF2B5EF4-FFF2-40B4-BE49-F238E27FC236}">
-                <a16:creationId xmlns:a16="http://schemas.microsoft.com/office/drawing/2014/main" id="{0A0AB4C1-D796-0440-B477-76E042918B77}"/>
-              </a:ext>
-            </a:extLst>
-          </p:cNvPr>
-          <p:cNvSpPr txBox="1"/>
-          <p:nvPr/>
-        </p:nvSpPr>
-        <p:spPr>
-          <a:xfrm>
-            <a:off x="2425148" y="3230217"/>
-            <a:ext cx="1719470" cy="1015663"/>
-          </a:xfrm>
-          <a:prstGeom prst="rect">
-            <a:avLst/>
-          </a:prstGeom>
-          <a:noFill/>
-        </p:spPr>
-        <p:txBody>
-          <a:bodyPr wrap="square" rtlCol="0">
-            <a:spAutoFit/>
-          </a:bodyPr>
-          <a:lstStyle/>
-          <a:p>
-            <a:r>
-              <a:rPr lang="en-US" sz="2400" dirty="0"/>
-              <a:t>Flask App</a:t>
-            </a:r>
-          </a:p>
-          <a:p>
-            <a:r>
-              <a:rPr lang="en-US" dirty="0">
-                <a:hlinkClick r:id="rId4"/>
-              </a:rPr>
-              <a:t>Python</a:t>
-            </a:r>
-            <a:endParaRPr lang="en-US" dirty="0"/>
-          </a:p>
-          <a:p>
-            <a:r>
-              <a:rPr lang="en-US" dirty="0">
-                <a:hlinkClick r:id="rId5"/>
-              </a:rPr>
-              <a:t>HTML</a:t>
-            </a:r>
-            <a:endParaRPr lang="en-US" dirty="0"/>
-          </a:p>
-        </p:txBody>
-      </p:sp>
-    </p:spTree>
-    <p:extLst>
-      <p:ext uri="{BB962C8B-B14F-4D97-AF65-F5344CB8AC3E}">
-        <p14:creationId xmlns:p14="http://schemas.microsoft.com/office/powerpoint/2010/main" val="663959809"/>
-      </p:ext>
-    </p:extLst>
-  </p:cSld>
-  <p:clrMapOvr>
-    <a:masterClrMapping/>
-  </p:clrMapOvr>
-</p:sld>
-</file>
-
-<file path=ppt/slides/slide11.xml><?xml version="1.0" encoding="utf-8"?>
-<p:sld xmlns:a="http://schemas.openxmlformats.org/drawingml/2006/main" xmlns:r="http://schemas.openxmlformats.org/officeDocument/2006/relationships" xmlns:p="http://schemas.openxmlformats.org/presentationml/2006/main">
-  <p:cSld>
-    <p:spTree>
-      <p:nvGrpSpPr>
-        <p:cNvPr id="1" name=""/>
-        <p:cNvGrpSpPr/>
-        <p:nvPr/>
-      </p:nvGrpSpPr>
-      <p:grpSpPr>
-        <a:xfrm>
-          <a:off x="0" y="0"/>
-          <a:ext cx="0" cy="0"/>
-          <a:chOff x="0" y="0"/>
-          <a:chExt cx="0" cy="0"/>
-        </a:xfrm>
-      </p:grpSpPr>
-      <p:sp>
-        <p:nvSpPr>
-          <p:cNvPr id="2" name="Title 1">
-            <a:extLst>
-              <a:ext uri="{FF2B5EF4-FFF2-40B4-BE49-F238E27FC236}">
-                <a16:creationId xmlns:a16="http://schemas.microsoft.com/office/drawing/2014/main" id="{ABA2A209-C0C5-4E0C-897C-F9D9E1C0C162}"/>
-              </a:ext>
-            </a:extLst>
-          </p:cNvPr>
-          <p:cNvSpPr>
-            <a:spLocks noGrp="1"/>
-          </p:cNvSpPr>
-          <p:nvPr>
-            <p:ph type="title"/>
-          </p:nvPr>
-        </p:nvSpPr>
-        <p:spPr>
-          <a:xfrm>
-            <a:off x="733777" y="544689"/>
-            <a:ext cx="8596668" cy="1080912"/>
-          </a:xfrm>
-        </p:spPr>
-        <p:txBody>
-          <a:bodyPr>
-            <a:normAutofit fontScale="90000"/>
-          </a:bodyPr>
-          <a:lstStyle/>
-          <a:p>
-            <a:pPr algn="ctr"/>
-            <a:r>
-              <a:rPr lang="en-US" sz="4900" b="1" dirty="0">
-                <a:latin typeface="Arial" panose="020B0604020202020204" pitchFamily="34" charset="0"/>
-                <a:cs typeface="Arial" panose="020B0604020202020204" pitchFamily="34" charset="0"/>
-              </a:rPr>
-              <a:t>Data Challenges/Limitations</a:t>
-            </a:r>
-            <a:br>
-              <a:rPr lang="en-US" dirty="0"/>
-            </a:br>
-            <a:endParaRPr lang="en-US" sz="6600" dirty="0">
-              <a:latin typeface="Arial" panose="020B0604020202020204" pitchFamily="34" charset="0"/>
-              <a:cs typeface="Arial" panose="020B0604020202020204" pitchFamily="34" charset="0"/>
-            </a:endParaRPr>
-          </a:p>
-        </p:txBody>
-      </p:sp>
-      <p:sp>
-        <p:nvSpPr>
-          <p:cNvPr id="3" name="TextBox 2">
-            <a:extLst>
-              <a:ext uri="{FF2B5EF4-FFF2-40B4-BE49-F238E27FC236}">
-                <a16:creationId xmlns:a16="http://schemas.microsoft.com/office/drawing/2014/main" id="{DCF63263-337B-48ED-B15E-084A1CBF40DE}"/>
-              </a:ext>
-            </a:extLst>
-          </p:cNvPr>
-          <p:cNvSpPr txBox="1"/>
-          <p:nvPr/>
-        </p:nvSpPr>
-        <p:spPr>
-          <a:xfrm>
-            <a:off x="835378" y="1625601"/>
-            <a:ext cx="8207022" cy="3416320"/>
-          </a:xfrm>
-          <a:prstGeom prst="rect">
-            <a:avLst/>
-          </a:prstGeom>
-          <a:noFill/>
-        </p:spPr>
-        <p:txBody>
-          <a:bodyPr wrap="square" rtlCol="0">
-            <a:spAutoFit/>
-          </a:bodyPr>
-          <a:lstStyle/>
-          <a:p>
-            <a:r>
-              <a:rPr lang="en-US" sz="2400" b="1" dirty="0">
-                <a:latin typeface="Arial" panose="020B0604020202020204" pitchFamily="34" charset="0"/>
-                <a:cs typeface="Arial" panose="020B0604020202020204" pitchFamily="34" charset="0"/>
-              </a:rPr>
-              <a:t>More recent data on positive work environments who have addressed the issue of mental health in tech jobs would have given us more of a comparison of 2014 compared to recent years. We believe that people are more open to talking about mental health in recent years since the stigma is down tremendously. Also, data on government policy to accommodate those with mental health in the workplace would be good to analyze.</a:t>
-            </a:r>
-            <a:endParaRPr lang="en-US" sz="2400" b="1" kern="1200" dirty="0">
-              <a:solidFill>
-                <a:schemeClr val="tx1"/>
-              </a:solidFill>
-              <a:latin typeface="Arial" panose="020B0604020202020204" pitchFamily="34" charset="0"/>
-              <a:cs typeface="Arial" panose="020B0604020202020204" pitchFamily="34" charset="0"/>
-            </a:endParaRPr>
-          </a:p>
-        </p:txBody>
-      </p:sp>
-    </p:spTree>
-    <p:extLst>
-      <p:ext uri="{BB962C8B-B14F-4D97-AF65-F5344CB8AC3E}">
-        <p14:creationId xmlns:p14="http://schemas.microsoft.com/office/powerpoint/2010/main" val="1007526785"/>
-      </p:ext>
-    </p:extLst>
-  </p:cSld>
-  <p:clrMapOvr>
-    <a:masterClrMapping/>
-  </p:clrMapOvr>
-</p:sld>
-</file>
-
-<file path=ppt/slides/slide12.xml><?xml version="1.0" encoding="utf-8"?>
-<p:sld xmlns:a="http://schemas.openxmlformats.org/drawingml/2006/main" xmlns:r="http://schemas.openxmlformats.org/officeDocument/2006/relationships" xmlns:p="http://schemas.openxmlformats.org/presentationml/2006/main">
-  <p:cSld>
-    <p:spTree>
-      <p:nvGrpSpPr>
-        <p:cNvPr id="1" name=""/>
-        <p:cNvGrpSpPr/>
-        <p:nvPr/>
-      </p:nvGrpSpPr>
-      <p:grpSpPr>
-        <a:xfrm>
-          <a:off x="0" y="0"/>
-          <a:ext cx="0" cy="0"/>
-          <a:chOff x="0" y="0"/>
-          <a:chExt cx="0" cy="0"/>
-        </a:xfrm>
-      </p:grpSpPr>
-      <p:sp>
-        <p:nvSpPr>
-          <p:cNvPr id="2" name="Title 1">
-            <a:extLst>
-              <a:ext uri="{FF2B5EF4-FFF2-40B4-BE49-F238E27FC236}">
-                <a16:creationId xmlns:a16="http://schemas.microsoft.com/office/drawing/2014/main" id="{DCFD4A2A-A2F0-41FB-8C08-1B8512689C2B}"/>
-              </a:ext>
-            </a:extLst>
-          </p:cNvPr>
-          <p:cNvSpPr>
-            <a:spLocks noGrp="1"/>
-          </p:cNvSpPr>
-          <p:nvPr>
-            <p:ph type="title"/>
-          </p:nvPr>
-        </p:nvSpPr>
-        <p:spPr>
-          <a:xfrm>
-            <a:off x="677334" y="609600"/>
-            <a:ext cx="8596668" cy="993422"/>
-          </a:xfrm>
-        </p:spPr>
-        <p:txBody>
-          <a:bodyPr>
-            <a:normAutofit/>
-          </a:bodyPr>
-          <a:lstStyle/>
-          <a:p>
-            <a:pPr algn="ctr"/>
-            <a:r>
-              <a:rPr lang="en-US" sz="4400" b="1" dirty="0">
-                <a:latin typeface="Arial" panose="020B0604020202020204" pitchFamily="34" charset="0"/>
-                <a:cs typeface="Arial" panose="020B0604020202020204" pitchFamily="34" charset="0"/>
-              </a:rPr>
-              <a:t>Data Sources</a:t>
-            </a:r>
-          </a:p>
-        </p:txBody>
-      </p:sp>
-      <p:sp>
-        <p:nvSpPr>
-          <p:cNvPr id="3" name="Rectangle 2">
-            <a:extLst>
-              <a:ext uri="{FF2B5EF4-FFF2-40B4-BE49-F238E27FC236}">
-                <a16:creationId xmlns:a16="http://schemas.microsoft.com/office/drawing/2014/main" id="{B8E87654-568F-4648-967C-562933CA1C20}"/>
-              </a:ext>
-            </a:extLst>
-          </p:cNvPr>
-          <p:cNvSpPr/>
-          <p:nvPr/>
-        </p:nvSpPr>
-        <p:spPr>
-          <a:xfrm>
-            <a:off x="1727200" y="2291645"/>
-            <a:ext cx="7416800" cy="1778115"/>
-          </a:xfrm>
-          <a:prstGeom prst="rect">
-            <a:avLst/>
-          </a:prstGeom>
-        </p:spPr>
-        <p:txBody>
-          <a:bodyPr wrap="square">
-            <a:spAutoFit/>
-          </a:bodyPr>
-          <a:lstStyle/>
-          <a:p>
-            <a:r>
-              <a:rPr lang="en-US" dirty="0">
-                <a:solidFill>
-                  <a:srgbClr val="2C2D30"/>
-                </a:solidFill>
-                <a:latin typeface="Arial" panose="020B0604020202020204" pitchFamily="34" charset="0"/>
-                <a:ea typeface="Times New Roman" panose="02020603050405020304" pitchFamily="18" charset="0"/>
-                <a:cs typeface="Times New Roman" panose="02020603050405020304" pitchFamily="18" charset="0"/>
-              </a:rPr>
-              <a:t>Source: (survey.csv)</a:t>
-            </a:r>
-          </a:p>
-          <a:p>
-            <a:r>
-              <a:rPr lang="en-US" u="sng" dirty="0">
-                <a:hlinkClick r:id="rId2"/>
-              </a:rPr>
-              <a:t> https://www.kaggle.com/osmi/mental-health-in-tech-survey/home</a:t>
-            </a:r>
-            <a:endParaRPr lang="en-US" u="sng" dirty="0"/>
-          </a:p>
-          <a:p>
-            <a:endParaRPr lang="en-US" u="sng" dirty="0"/>
-          </a:p>
-          <a:p>
-            <a:endParaRPr lang="en-US" dirty="0"/>
-          </a:p>
-          <a:p>
-            <a:pPr>
-              <a:lnSpc>
-                <a:spcPct val="107000"/>
-              </a:lnSpc>
-              <a:spcAft>
-                <a:spcPts val="800"/>
-              </a:spcAft>
-            </a:pPr>
-            <a:r>
-              <a:rPr lang="en-US" u="sng" dirty="0">
-                <a:solidFill>
-                  <a:srgbClr val="0000FF"/>
-                </a:solidFill>
-                <a:latin typeface="Arial" panose="020B0604020202020204" pitchFamily="34" charset="0"/>
-                <a:ea typeface="Times New Roman" panose="02020603050405020304" pitchFamily="18" charset="0"/>
-                <a:cs typeface="Times New Roman" panose="02020603050405020304" pitchFamily="18" charset="0"/>
-              </a:rPr>
-              <a:t>https://www.shrm.org/hr-today/news/hr-magazine/Pages/1014-mental-health.aspx</a:t>
-            </a:r>
-            <a:endParaRPr lang="en-US" sz="1600" dirty="0">
-              <a:latin typeface="Calibri" panose="020F0502020204030204" pitchFamily="34" charset="0"/>
-              <a:ea typeface="Calibri" panose="020F0502020204030204" pitchFamily="34" charset="0"/>
-              <a:cs typeface="Times New Roman" panose="02020603050405020304" pitchFamily="18" charset="0"/>
-            </a:endParaRPr>
-          </a:p>
-        </p:txBody>
-      </p:sp>
-    </p:spTree>
-    <p:extLst>
-      <p:ext uri="{BB962C8B-B14F-4D97-AF65-F5344CB8AC3E}">
-        <p14:creationId xmlns:p14="http://schemas.microsoft.com/office/powerpoint/2010/main" val="3078366343"/>
-      </p:ext>
-    </p:extLst>
-  </p:cSld>
-  <p:clrMapOvr>
-    <a:masterClrMapping/>
-  </p:clrMapOvr>
-</p:sld>
-</file>
-
-<file path=ppt/slides/slide13.xml><?xml version="1.0" encoding="utf-8"?>
-<p:sld xmlns:a="http://schemas.openxmlformats.org/drawingml/2006/main" xmlns:r="http://schemas.openxmlformats.org/officeDocument/2006/relationships" xmlns:p="http://schemas.openxmlformats.org/presentationml/2006/main">
-  <p:cSld>
-    <p:spTree>
-      <p:nvGrpSpPr>
-        <p:cNvPr id="1" name=""/>
-        <p:cNvGrpSpPr/>
-        <p:nvPr/>
-      </p:nvGrpSpPr>
-      <p:grpSpPr>
-        <a:xfrm>
-          <a:off x="0" y="0"/>
-          <a:ext cx="0" cy="0"/>
-          <a:chOff x="0" y="0"/>
-          <a:chExt cx="0" cy="0"/>
-        </a:xfrm>
-      </p:grpSpPr>
-      <p:sp>
-        <p:nvSpPr>
-          <p:cNvPr id="2" name="Rectangle 1">
-            <a:extLst>
-              <a:ext uri="{FF2B5EF4-FFF2-40B4-BE49-F238E27FC236}">
-                <a16:creationId xmlns:a16="http://schemas.microsoft.com/office/drawing/2014/main" id="{B57CABC0-6EE6-4DEB-9DBA-4E9FE34045F8}"/>
-              </a:ext>
-            </a:extLst>
-          </p:cNvPr>
-          <p:cNvSpPr/>
-          <p:nvPr/>
-        </p:nvSpPr>
-        <p:spPr>
-          <a:xfrm>
-            <a:off x="2901244" y="1001610"/>
-            <a:ext cx="5226755" cy="2979085"/>
-          </a:xfrm>
-          <a:prstGeom prst="rect">
-            <a:avLst/>
-          </a:prstGeom>
-        </p:spPr>
-        <p:txBody>
-          <a:bodyPr wrap="square">
-            <a:spAutoFit/>
-          </a:bodyPr>
-          <a:lstStyle/>
-          <a:p>
-            <a:pPr>
-              <a:lnSpc>
-                <a:spcPct val="107000"/>
-              </a:lnSpc>
-              <a:spcAft>
-                <a:spcPts val="800"/>
-              </a:spcAft>
-            </a:pPr>
-            <a:r>
-              <a:rPr lang="en-US" sz="4000" b="1" dirty="0">
-                <a:solidFill>
-                  <a:srgbClr val="2C2D30"/>
-                </a:solidFill>
-                <a:latin typeface="Arial" panose="020B0604020202020204" pitchFamily="34" charset="0"/>
-                <a:ea typeface="Times New Roman" panose="02020603050405020304" pitchFamily="18" charset="0"/>
-                <a:cs typeface="Arial" panose="020B0604020202020204" pitchFamily="34" charset="0"/>
-              </a:rPr>
-              <a:t>Technology Stack</a:t>
-            </a:r>
-          </a:p>
-          <a:p>
-            <a:pPr>
-              <a:lnSpc>
-                <a:spcPct val="107000"/>
-              </a:lnSpc>
-              <a:spcAft>
-                <a:spcPts val="800"/>
-              </a:spcAft>
-            </a:pPr>
-            <a:endParaRPr lang="en-US" sz="1600" b="1" dirty="0">
-              <a:solidFill>
-                <a:srgbClr val="2C2D30"/>
-              </a:solidFill>
-              <a:latin typeface="Arial" panose="020B0604020202020204" pitchFamily="34" charset="0"/>
-              <a:ea typeface="Times New Roman" panose="02020603050405020304" pitchFamily="18" charset="0"/>
-              <a:cs typeface="Arial" panose="020B0604020202020204" pitchFamily="34" charset="0"/>
-            </a:endParaRPr>
-          </a:p>
-          <a:p>
-            <a:pPr>
-              <a:lnSpc>
-                <a:spcPct val="107000"/>
-              </a:lnSpc>
-              <a:spcAft>
-                <a:spcPts val="800"/>
-              </a:spcAft>
-            </a:pPr>
-            <a:r>
-              <a:rPr lang="en-US" sz="3200" dirty="0">
-                <a:solidFill>
-                  <a:srgbClr val="2C2D30"/>
-                </a:solidFill>
-                <a:latin typeface="Arial" panose="020B0604020202020204" pitchFamily="34" charset="0"/>
-                <a:ea typeface="Times New Roman" panose="02020603050405020304" pitchFamily="18" charset="0"/>
-                <a:cs typeface="Times New Roman" panose="02020603050405020304" pitchFamily="18" charset="0"/>
-              </a:rPr>
-              <a:t>*Tableau</a:t>
-            </a:r>
-            <a:endParaRPr lang="en-US" sz="3200" dirty="0">
-              <a:latin typeface="Calibri" panose="020F0502020204030204" pitchFamily="34" charset="0"/>
-              <a:ea typeface="Calibri" panose="020F0502020204030204" pitchFamily="34" charset="0"/>
-              <a:cs typeface="Times New Roman" panose="02020603050405020304" pitchFamily="18" charset="0"/>
-            </a:endParaRPr>
-          </a:p>
-          <a:p>
-            <a:pPr>
-              <a:lnSpc>
-                <a:spcPct val="107000"/>
-              </a:lnSpc>
-              <a:spcAft>
-                <a:spcPts val="800"/>
-              </a:spcAft>
-            </a:pPr>
-            <a:r>
-              <a:rPr lang="en-US" sz="3200" dirty="0">
-                <a:solidFill>
-                  <a:srgbClr val="2C2D30"/>
-                </a:solidFill>
-                <a:latin typeface="Arial" panose="020B0604020202020204" pitchFamily="34" charset="0"/>
-                <a:ea typeface="Times New Roman" panose="02020603050405020304" pitchFamily="18" charset="0"/>
-                <a:cs typeface="Times New Roman" panose="02020603050405020304" pitchFamily="18" charset="0"/>
-              </a:rPr>
-              <a:t>*Machine Learning</a:t>
-            </a:r>
-            <a:endParaRPr lang="en-US" sz="3200" dirty="0">
-              <a:latin typeface="Calibri" panose="020F0502020204030204" pitchFamily="34" charset="0"/>
-              <a:ea typeface="Calibri" panose="020F0502020204030204" pitchFamily="34" charset="0"/>
-              <a:cs typeface="Times New Roman" panose="02020603050405020304" pitchFamily="18" charset="0"/>
-            </a:endParaRPr>
-          </a:p>
-          <a:p>
-            <a:pPr>
-              <a:lnSpc>
-                <a:spcPct val="107000"/>
-              </a:lnSpc>
-              <a:spcAft>
-                <a:spcPts val="800"/>
-              </a:spcAft>
-            </a:pPr>
-            <a:r>
-              <a:rPr lang="en-US" sz="3200" dirty="0">
-                <a:solidFill>
-                  <a:srgbClr val="2C2D30"/>
-                </a:solidFill>
-                <a:latin typeface="Arial" panose="020B0604020202020204" pitchFamily="34" charset="0"/>
-                <a:ea typeface="Times New Roman" panose="02020603050405020304" pitchFamily="18" charset="0"/>
-                <a:cs typeface="Times New Roman" panose="02020603050405020304" pitchFamily="18" charset="0"/>
-              </a:rPr>
-              <a:t>*Python</a:t>
-            </a:r>
-            <a:endParaRPr lang="en-US" sz="3200" dirty="0">
-              <a:effectLst/>
-              <a:latin typeface="Calibri" panose="020F0502020204030204" pitchFamily="34" charset="0"/>
-              <a:ea typeface="Calibri" panose="020F0502020204030204" pitchFamily="34" charset="0"/>
-              <a:cs typeface="Times New Roman" panose="02020603050405020304" pitchFamily="18" charset="0"/>
-            </a:endParaRPr>
-          </a:p>
-        </p:txBody>
-      </p:sp>
-    </p:spTree>
-    <p:extLst>
-      <p:ext uri="{BB962C8B-B14F-4D97-AF65-F5344CB8AC3E}">
-        <p14:creationId xmlns:p14="http://schemas.microsoft.com/office/powerpoint/2010/main" val="2630459948"/>
-      </p:ext>
-    </p:extLst>
-  </p:cSld>
-  <p:clrMapOvr>
-    <a:masterClrMapping/>
-  </p:clrMapOvr>
-</p:sld>
-</file>
-
-<file path=ppt/slides/slide2.xml><?xml version="1.0" encoding="utf-8"?>
-<p:sld xmlns:a="http://schemas.openxmlformats.org/drawingml/2006/main" xmlns:r="http://schemas.openxmlformats.org/officeDocument/2006/relationships" xmlns:p="http://schemas.openxmlformats.org/presentationml/2006/main">
-  <p:cSld>
-    <p:spTree>
-      <p:nvGrpSpPr>
-        <p:cNvPr id="1" name=""/>
-        <p:cNvGrpSpPr/>
-        <p:nvPr/>
-      </p:nvGrpSpPr>
-      <p:grpSpPr>
-        <a:xfrm>
-          <a:off x="0" y="0"/>
-          <a:ext cx="0" cy="0"/>
-          <a:chOff x="0" y="0"/>
-          <a:chExt cx="0" cy="0"/>
-        </a:xfrm>
-      </p:grpSpPr>
-      <p:sp>
-        <p:nvSpPr>
-          <p:cNvPr id="2" name="Title 1">
-            <a:extLst>
-              <a:ext uri="{FF2B5EF4-FFF2-40B4-BE49-F238E27FC236}">
-                <a16:creationId xmlns:a16="http://schemas.microsoft.com/office/drawing/2014/main" id="{6532CBED-9858-4B36-9572-1CAF34BFD3E4}"/>
-              </a:ext>
-            </a:extLst>
-          </p:cNvPr>
-          <p:cNvSpPr>
-            <a:spLocks noGrp="1"/>
-          </p:cNvSpPr>
-          <p:nvPr>
-            <p:ph type="title"/>
-          </p:nvPr>
-        </p:nvSpPr>
-        <p:spPr>
-          <a:xfrm>
-            <a:off x="677334" y="609600"/>
-            <a:ext cx="8596668" cy="880533"/>
-          </a:xfrm>
-        </p:spPr>
-        <p:txBody>
-          <a:bodyPr>
-            <a:normAutofit/>
-          </a:bodyPr>
-          <a:lstStyle/>
-          <a:p>
-            <a:pPr algn="ctr"/>
-            <a:r>
-              <a:rPr lang="en-US" sz="4400" b="1" dirty="0">
-                <a:latin typeface="Arial" panose="020B0604020202020204" pitchFamily="34" charset="0"/>
-                <a:cs typeface="Arial" panose="020B0604020202020204" pitchFamily="34" charset="0"/>
-              </a:rPr>
-              <a:t>Business Objectives</a:t>
-            </a:r>
-          </a:p>
-        </p:txBody>
-      </p:sp>
-      <p:sp>
-        <p:nvSpPr>
-          <p:cNvPr id="4" name="TextBox 3">
-            <a:extLst>
-              <a:ext uri="{FF2B5EF4-FFF2-40B4-BE49-F238E27FC236}">
-                <a16:creationId xmlns:a16="http://schemas.microsoft.com/office/drawing/2014/main" id="{DC3CFCA1-37FF-4DF2-8293-CFC27B469E85}"/>
-              </a:ext>
-            </a:extLst>
-          </p:cNvPr>
-          <p:cNvSpPr txBox="1"/>
-          <p:nvPr/>
-        </p:nvSpPr>
-        <p:spPr>
-          <a:xfrm>
-            <a:off x="677334" y="1490133"/>
-            <a:ext cx="5317067" cy="400110"/>
-          </a:xfrm>
-          <a:prstGeom prst="rect">
-            <a:avLst/>
-          </a:prstGeom>
-          <a:noFill/>
-        </p:spPr>
-        <p:txBody>
-          <a:bodyPr wrap="square" rtlCol="0">
-            <a:spAutoFit/>
-          </a:bodyPr>
-          <a:lstStyle/>
-          <a:p>
-            <a:r>
-              <a:rPr lang="en-US" sz="2000" b="1" dirty="0">
-                <a:latin typeface="Arial" panose="020B0604020202020204" pitchFamily="34" charset="0"/>
-                <a:cs typeface="Arial" panose="020B0604020202020204" pitchFamily="34" charset="0"/>
-              </a:rPr>
-              <a:t>Research Questions </a:t>
-            </a:r>
-          </a:p>
-        </p:txBody>
-      </p:sp>
-      <p:sp>
-        <p:nvSpPr>
-          <p:cNvPr id="5" name="TextBox 4">
-            <a:extLst>
-              <a:ext uri="{FF2B5EF4-FFF2-40B4-BE49-F238E27FC236}">
-                <a16:creationId xmlns:a16="http://schemas.microsoft.com/office/drawing/2014/main" id="{7CEFFE64-B657-47F5-A8F0-76DAD3166AD1}"/>
-              </a:ext>
-            </a:extLst>
-          </p:cNvPr>
-          <p:cNvSpPr txBox="1"/>
-          <p:nvPr/>
-        </p:nvSpPr>
-        <p:spPr>
-          <a:xfrm>
-            <a:off x="677334" y="2090943"/>
-            <a:ext cx="8506358" cy="4308872"/>
-          </a:xfrm>
-          <a:prstGeom prst="rect">
-            <a:avLst/>
-          </a:prstGeom>
-          <a:noFill/>
-        </p:spPr>
-        <p:txBody>
-          <a:bodyPr wrap="square" rtlCol="0">
-            <a:spAutoFit/>
-          </a:bodyPr>
-          <a:lstStyle/>
-          <a:p>
-            <a:pPr marL="342900" indent="-342900">
-              <a:buAutoNum type="arabicPeriod"/>
-            </a:pPr>
-            <a:r>
-              <a:rPr lang="en-US" sz="1600" dirty="0">
-                <a:latin typeface="Arial" panose="020B0604020202020204" pitchFamily="34" charset="0"/>
-                <a:cs typeface="Arial" panose="020B0604020202020204" pitchFamily="34" charset="0"/>
-              </a:rPr>
-              <a:t>What is the respondent demographics of those employees in tech that maybe facing mental illness in the tech world? </a:t>
-            </a:r>
-            <a:r>
-              <a:rPr lang="en-US" sz="1600" b="1" dirty="0">
-                <a:latin typeface="Arial" panose="020B0604020202020204" pitchFamily="34" charset="0"/>
-                <a:cs typeface="Arial" panose="020B0604020202020204" pitchFamily="34" charset="0"/>
-              </a:rPr>
-              <a:t>We can take a close look at age, gender, and treatment in the dataset.</a:t>
-            </a:r>
-          </a:p>
-          <a:p>
-            <a:endParaRPr lang="en-US" sz="1600" dirty="0">
-              <a:latin typeface="Arial" panose="020B0604020202020204" pitchFamily="34" charset="0"/>
-              <a:cs typeface="Arial" panose="020B0604020202020204" pitchFamily="34" charset="0"/>
-            </a:endParaRPr>
-          </a:p>
-          <a:p>
-            <a:pPr marL="342900" indent="-342900">
-              <a:buAutoNum type="arabicPeriod" startAt="2"/>
-            </a:pPr>
-            <a:r>
-              <a:rPr lang="en-US" sz="1600" dirty="0">
-                <a:latin typeface="Arial" panose="020B0604020202020204" pitchFamily="34" charset="0"/>
-                <a:cs typeface="Arial" panose="020B0604020202020204" pitchFamily="34" charset="0"/>
-              </a:rPr>
-              <a:t>What is the prevalence of mental illness of employees in tech? </a:t>
-            </a:r>
-            <a:r>
-              <a:rPr lang="en-US" sz="1600" b="1" dirty="0">
-                <a:latin typeface="Arial" panose="020B0604020202020204" pitchFamily="34" charset="0"/>
-                <a:cs typeface="Arial" panose="020B0604020202020204" pitchFamily="34" charset="0"/>
-              </a:rPr>
-              <a:t>We can analyze tech company, and family history the dataset.</a:t>
-            </a:r>
-          </a:p>
-          <a:p>
-            <a:endParaRPr lang="en-US" sz="1600" dirty="0">
-              <a:latin typeface="Arial" panose="020B0604020202020204" pitchFamily="34" charset="0"/>
-              <a:cs typeface="Arial" panose="020B0604020202020204" pitchFamily="34" charset="0"/>
-            </a:endParaRPr>
-          </a:p>
-          <a:p>
-            <a:pPr marL="342900" indent="-342900">
-              <a:buAutoNum type="arabicPeriod" startAt="3"/>
-            </a:pPr>
-            <a:r>
-              <a:rPr lang="en-US" sz="1600" dirty="0">
-                <a:latin typeface="Arial" panose="020B0604020202020204" pitchFamily="34" charset="0"/>
-                <a:cs typeface="Arial" panose="020B0604020202020204" pitchFamily="34" charset="0"/>
-              </a:rPr>
-              <a:t>Is there stigma placed on tech vs other employees that admit their mental health status</a:t>
-            </a:r>
-          </a:p>
-          <a:p>
-            <a:r>
-              <a:rPr lang="en-US" sz="1600" dirty="0">
-                <a:latin typeface="Arial" panose="020B0604020202020204" pitchFamily="34" charset="0"/>
-                <a:cs typeface="Arial" panose="020B0604020202020204" pitchFamily="34" charset="0"/>
-              </a:rPr>
-              <a:t>      on the job? </a:t>
-            </a:r>
-            <a:r>
-              <a:rPr lang="en-US" sz="1600" b="1" dirty="0">
-                <a:latin typeface="Arial" panose="020B0604020202020204" pitchFamily="34" charset="0"/>
-                <a:cs typeface="Arial" panose="020B0604020202020204" pitchFamily="34" charset="0"/>
-              </a:rPr>
-              <a:t>We can take a look at obs consequence, mental health interview,</a:t>
-            </a:r>
-          </a:p>
-          <a:p>
-            <a:r>
-              <a:rPr lang="en-US" sz="1600" b="1" dirty="0">
-                <a:latin typeface="Arial" panose="020B0604020202020204" pitchFamily="34" charset="0"/>
-                <a:cs typeface="Arial" panose="020B0604020202020204" pitchFamily="34" charset="0"/>
-              </a:rPr>
-              <a:t>      anonymity, and tech company.</a:t>
-            </a:r>
-          </a:p>
-          <a:p>
-            <a:endParaRPr lang="en-US" sz="1600" dirty="0">
-              <a:latin typeface="Arial" panose="020B0604020202020204" pitchFamily="34" charset="0"/>
-              <a:cs typeface="Arial" panose="020B0604020202020204" pitchFamily="34" charset="0"/>
-            </a:endParaRPr>
-          </a:p>
-          <a:p>
-            <a:pPr marL="342900" indent="-342900">
-              <a:buAutoNum type="arabicPeriod" startAt="4"/>
-            </a:pPr>
-            <a:r>
-              <a:rPr lang="en-US" sz="1600" dirty="0">
-                <a:latin typeface="Arial" panose="020B0604020202020204" pitchFamily="34" charset="0"/>
-                <a:cs typeface="Arial" panose="020B0604020202020204" pitchFamily="34" charset="0"/>
-              </a:rPr>
-              <a:t>Are employees more likely willing to discuss mental health with other employees or their</a:t>
-            </a:r>
-          </a:p>
-          <a:p>
-            <a:r>
-              <a:rPr lang="en-US" sz="1600" dirty="0">
-                <a:latin typeface="Arial" panose="020B0604020202020204" pitchFamily="34" charset="0"/>
-                <a:cs typeface="Arial" panose="020B0604020202020204" pitchFamily="34" charset="0"/>
-              </a:rPr>
-              <a:t>      supervisor?  </a:t>
-            </a:r>
-            <a:r>
-              <a:rPr lang="en-US" sz="1600" b="1" dirty="0">
-                <a:latin typeface="Arial" panose="020B0604020202020204" pitchFamily="34" charset="0"/>
-                <a:cs typeface="Arial" panose="020B0604020202020204" pitchFamily="34" charset="0"/>
-              </a:rPr>
-              <a:t>We can look at coworkers, supervisor, and treatment.</a:t>
-            </a:r>
-          </a:p>
-          <a:p>
-            <a:endParaRPr lang="en-US" sz="1600" b="1" dirty="0">
-              <a:latin typeface="Arial" panose="020B0604020202020204" pitchFamily="34" charset="0"/>
-              <a:cs typeface="Arial" panose="020B0604020202020204" pitchFamily="34" charset="0"/>
-            </a:endParaRPr>
-          </a:p>
-          <a:p>
-            <a:pPr marL="342900" indent="-342900">
-              <a:buAutoNum type="arabicPeriod" startAt="5"/>
-            </a:pPr>
-            <a:r>
-              <a:rPr lang="en-US" sz="1600" dirty="0">
-                <a:latin typeface="Arial" panose="020B0604020202020204" pitchFamily="34" charset="0"/>
-                <a:cs typeface="Arial" panose="020B0604020202020204" pitchFamily="34" charset="0"/>
-              </a:rPr>
-              <a:t>What are the availability of resources and support to those that are dealing with mental</a:t>
-            </a:r>
-          </a:p>
-          <a:p>
-            <a:r>
-              <a:rPr lang="en-US" sz="1600" dirty="0">
-                <a:latin typeface="Arial" panose="020B0604020202020204" pitchFamily="34" charset="0"/>
-                <a:cs typeface="Arial" panose="020B0604020202020204" pitchFamily="34" charset="0"/>
-              </a:rPr>
-              <a:t>      health on the job? </a:t>
-            </a:r>
-            <a:r>
-              <a:rPr lang="en-US" sz="1600" b="1" dirty="0">
-                <a:latin typeface="Arial" panose="020B0604020202020204" pitchFamily="34" charset="0"/>
-                <a:cs typeface="Arial" panose="020B0604020202020204" pitchFamily="34" charset="0"/>
-              </a:rPr>
-              <a:t>We can look at the benefits, wellness program, and leave.</a:t>
-            </a:r>
-          </a:p>
-          <a:p>
-            <a:endParaRPr lang="en-US" dirty="0"/>
-          </a:p>
-        </p:txBody>
-      </p:sp>
-    </p:spTree>
-    <p:extLst>
-      <p:ext uri="{BB962C8B-B14F-4D97-AF65-F5344CB8AC3E}">
-        <p14:creationId xmlns:p14="http://schemas.microsoft.com/office/powerpoint/2010/main" val="1167095956"/>
-      </p:ext>
-    </p:extLst>
-  </p:cSld>
-  <p:clrMapOvr>
-    <a:masterClrMapping/>
-  </p:clrMapOvr>
-</p:sld>
-</file>
-
-<file path=ppt/slides/slide3.xml><?xml version="1.0" encoding="utf-8"?>
-<p:sld xmlns:a="http://schemas.openxmlformats.org/drawingml/2006/main" xmlns:r="http://schemas.openxmlformats.org/officeDocument/2006/relationships" xmlns:p="http://schemas.openxmlformats.org/presentationml/2006/main">
-  <p:cSld>
-    <p:spTree>
-      <p:nvGrpSpPr>
-        <p:cNvPr id="1" name=""/>
-        <p:cNvGrpSpPr/>
-        <p:nvPr/>
-      </p:nvGrpSpPr>
-      <p:grpSpPr>
-        <a:xfrm>
-          <a:off x="0" y="0"/>
-          <a:ext cx="0" cy="0"/>
-          <a:chOff x="0" y="0"/>
-          <a:chExt cx="0" cy="0"/>
-        </a:xfrm>
-      </p:grpSpPr>
-      <p:sp>
-        <p:nvSpPr>
-          <p:cNvPr id="2" name="Title 1">
-            <a:extLst>
-              <a:ext uri="{FF2B5EF4-FFF2-40B4-BE49-F238E27FC236}">
-                <a16:creationId xmlns:a16="http://schemas.microsoft.com/office/drawing/2014/main" id="{01A2F8DE-DCDB-4444-B448-F212E865F16A}"/>
-              </a:ext>
-            </a:extLst>
-          </p:cNvPr>
-          <p:cNvSpPr>
-            <a:spLocks noGrp="1"/>
-          </p:cNvSpPr>
-          <p:nvPr>
-            <p:ph type="title"/>
-          </p:nvPr>
-        </p:nvSpPr>
-        <p:spPr>
-          <a:xfrm>
-            <a:off x="677333" y="609600"/>
-            <a:ext cx="9922933" cy="1320800"/>
-          </a:xfrm>
-        </p:spPr>
-        <p:txBody>
-          <a:bodyPr>
-            <a:noAutofit/>
-          </a:bodyPr>
-          <a:lstStyle/>
-          <a:p>
-            <a:r>
-              <a:rPr lang="en-US" b="1" dirty="0">
-                <a:latin typeface="Arial" panose="020B0604020202020204" pitchFamily="34" charset="0"/>
-                <a:cs typeface="Arial" panose="020B0604020202020204" pitchFamily="34" charset="0"/>
-              </a:rPr>
-              <a:t>The Total Cost of Hiring an Employee</a:t>
-            </a:r>
-          </a:p>
-        </p:txBody>
-      </p:sp>
-      <p:sp>
-        <p:nvSpPr>
-          <p:cNvPr id="3" name="TextBox 2">
-            <a:extLst>
-              <a:ext uri="{FF2B5EF4-FFF2-40B4-BE49-F238E27FC236}">
-                <a16:creationId xmlns:a16="http://schemas.microsoft.com/office/drawing/2014/main" id="{4D9D339A-A5FB-4195-89D8-DB77DE6B2366}"/>
-              </a:ext>
-            </a:extLst>
-          </p:cNvPr>
-          <p:cNvSpPr txBox="1"/>
-          <p:nvPr/>
-        </p:nvSpPr>
-        <p:spPr>
-          <a:xfrm>
-            <a:off x="778932" y="1473200"/>
-            <a:ext cx="8884357" cy="5078313"/>
-          </a:xfrm>
-          <a:prstGeom prst="rect">
-            <a:avLst/>
-          </a:prstGeom>
-          <a:noFill/>
-        </p:spPr>
-        <p:txBody>
-          <a:bodyPr wrap="square" rtlCol="0">
-            <a:spAutoFit/>
-          </a:bodyPr>
-          <a:lstStyle/>
-          <a:p>
-            <a:r>
-              <a:rPr lang="en-US" b="1" dirty="0">
-                <a:latin typeface="Arial" panose="020B0604020202020204" pitchFamily="34" charset="0"/>
-                <a:cs typeface="Arial" panose="020B0604020202020204" pitchFamily="34" charset="0"/>
-              </a:rPr>
-              <a:t>Unfortunately, it’s very difficult to pinpoint a precise amount of money it takes to hire a new employee. However, there are some general guidelines to make an educated guess.</a:t>
-            </a:r>
-          </a:p>
-          <a:p>
-            <a:endParaRPr lang="en-US" b="1" dirty="0">
-              <a:latin typeface="Arial" panose="020B0604020202020204" pitchFamily="34" charset="0"/>
-              <a:cs typeface="Arial" panose="020B0604020202020204" pitchFamily="34" charset="0"/>
-            </a:endParaRPr>
-          </a:p>
-          <a:p>
-            <a:r>
-              <a:rPr lang="en-US" b="1" dirty="0">
-                <a:latin typeface="Arial" panose="020B0604020202020204" pitchFamily="34" charset="0"/>
-                <a:cs typeface="Arial" panose="020B0604020202020204" pitchFamily="34" charset="0"/>
-              </a:rPr>
-              <a:t>•	As stated in a study by the National Association of Colleges and Employers, hiring an employee in a company with 0-500 people costs an average of $7,645.</a:t>
-            </a:r>
-          </a:p>
-          <a:p>
-            <a:endParaRPr lang="en-US" b="1" dirty="0">
-              <a:latin typeface="Arial" panose="020B0604020202020204" pitchFamily="34" charset="0"/>
-              <a:cs typeface="Arial" panose="020B0604020202020204" pitchFamily="34" charset="0"/>
-            </a:endParaRPr>
-          </a:p>
-          <a:p>
-            <a:r>
-              <a:rPr lang="en-US" b="1" dirty="0">
-                <a:latin typeface="Arial" panose="020B0604020202020204" pitchFamily="34" charset="0"/>
-                <a:cs typeface="Arial" panose="020B0604020202020204" pitchFamily="34" charset="0"/>
-              </a:rPr>
-              <a:t>•	Another study by the Society for Human Resource Management states that the average cost to hire an employee is $4,129, with around 42 days to fill a position.</a:t>
-            </a:r>
-          </a:p>
-          <a:p>
-            <a:endParaRPr lang="en-US" b="1" dirty="0">
-              <a:latin typeface="Arial" panose="020B0604020202020204" pitchFamily="34" charset="0"/>
-              <a:cs typeface="Arial" panose="020B0604020202020204" pitchFamily="34" charset="0"/>
-            </a:endParaRPr>
-          </a:p>
-          <a:p>
-            <a:r>
-              <a:rPr lang="en-US" b="1" dirty="0">
-                <a:latin typeface="Arial" panose="020B0604020202020204" pitchFamily="34" charset="0"/>
-                <a:cs typeface="Arial" panose="020B0604020202020204" pitchFamily="34" charset="0"/>
-              </a:rPr>
-              <a:t>•	According to Glassdoor, the average company in the United States spends about $4,000 to hire a new employee, taking up to 52 days to fill a position.</a:t>
-            </a:r>
-          </a:p>
-          <a:p>
-            <a:r>
-              <a:rPr lang="en-US" b="1" dirty="0">
-                <a:latin typeface="Arial" panose="020B0604020202020204" pitchFamily="34" charset="0"/>
-                <a:cs typeface="Arial" panose="020B0604020202020204" pitchFamily="34" charset="0"/>
-              </a:rPr>
-              <a:t>If you’re replacing someone instead of filling a new position, stakes get even higher. Another research by SHRM states that it takes up to 50-60% of an employee’s annual salary to find a direct replacement. Turnover can be quite costly, summing up to a total of 90-200% of an employee’s annual salary.</a:t>
-            </a:r>
-          </a:p>
-        </p:txBody>
-      </p:sp>
-    </p:spTree>
-    <p:extLst>
-      <p:ext uri="{BB962C8B-B14F-4D97-AF65-F5344CB8AC3E}">
-        <p14:creationId xmlns:p14="http://schemas.microsoft.com/office/powerpoint/2010/main" val="3696588280"/>
-      </p:ext>
-    </p:extLst>
-  </p:cSld>
-  <p:clrMapOvr>
-    <a:masterClrMapping/>
-  </p:clrMapOvr>
-</p:sld>
-</file>
-
-<file path=ppt/slides/slide4.xml><?xml version="1.0" encoding="utf-8"?>
-<p:sld xmlns:a="http://schemas.openxmlformats.org/drawingml/2006/main" xmlns:r="http://schemas.openxmlformats.org/officeDocument/2006/relationships" xmlns:p="http://schemas.openxmlformats.org/presentationml/2006/main">
-  <p:cSld>
-    <p:spTree>
-      <p:nvGrpSpPr>
-        <p:cNvPr id="1" name=""/>
-        <p:cNvGrpSpPr/>
-        <p:nvPr/>
-      </p:nvGrpSpPr>
-      <p:grpSpPr>
-        <a:xfrm>
-          <a:off x="0" y="0"/>
-          <a:ext cx="0" cy="0"/>
-          <a:chOff x="0" y="0"/>
-          <a:chExt cx="0" cy="0"/>
-        </a:xfrm>
-      </p:grpSpPr>
-      <p:sp>
-        <p:nvSpPr>
-          <p:cNvPr id="2" name="Title 1">
-            <a:extLst>
-              <a:ext uri="{FF2B5EF4-FFF2-40B4-BE49-F238E27FC236}">
-                <a16:creationId xmlns:a16="http://schemas.microsoft.com/office/drawing/2014/main" id="{331EC1DD-A54D-4040-AB7C-049BAEA2950E}"/>
-              </a:ext>
-            </a:extLst>
-          </p:cNvPr>
-          <p:cNvSpPr>
-            <a:spLocks noGrp="1"/>
-          </p:cNvSpPr>
-          <p:nvPr>
-            <p:ph type="title"/>
-          </p:nvPr>
-        </p:nvSpPr>
-        <p:spPr>
-          <a:xfrm>
-            <a:off x="666046" y="508000"/>
-            <a:ext cx="8596668" cy="1038578"/>
-          </a:xfrm>
-        </p:spPr>
-        <p:txBody>
-          <a:bodyPr>
-            <a:normAutofit/>
-          </a:bodyPr>
-          <a:lstStyle/>
-          <a:p>
-            <a:pPr algn="ctr"/>
-            <a:r>
-              <a:rPr lang="en-US" sz="4400" b="1" dirty="0">
-                <a:latin typeface="Arial" panose="020B0604020202020204" pitchFamily="34" charset="0"/>
-                <a:cs typeface="Arial" panose="020B0604020202020204" pitchFamily="34" charset="0"/>
-              </a:rPr>
-              <a:t>Hypotheses</a:t>
-            </a:r>
-          </a:p>
-        </p:txBody>
-      </p:sp>
-      <p:sp>
-        <p:nvSpPr>
-          <p:cNvPr id="3" name="TextBox 2">
-            <a:extLst>
-              <a:ext uri="{FF2B5EF4-FFF2-40B4-BE49-F238E27FC236}">
-                <a16:creationId xmlns:a16="http://schemas.microsoft.com/office/drawing/2014/main" id="{D736C4FB-7923-480D-8B08-26BFBEB7F165}"/>
-              </a:ext>
-            </a:extLst>
-          </p:cNvPr>
-          <p:cNvSpPr txBox="1"/>
-          <p:nvPr/>
-        </p:nvSpPr>
-        <p:spPr>
-          <a:xfrm>
-            <a:off x="666046" y="1828800"/>
-            <a:ext cx="8681154" cy="4524315"/>
-          </a:xfrm>
-          <a:prstGeom prst="rect">
-            <a:avLst/>
-          </a:prstGeom>
-          <a:noFill/>
-        </p:spPr>
-        <p:txBody>
-          <a:bodyPr wrap="square" rtlCol="0">
-            <a:spAutoFit/>
-          </a:bodyPr>
-          <a:lstStyle/>
-          <a:p>
-            <a:r>
-              <a:rPr lang="en-US" sz="1600" b="1" dirty="0">
-                <a:latin typeface="Arial" panose="020B0604020202020204" pitchFamily="34" charset="0"/>
-                <a:cs typeface="Arial" panose="020B0604020202020204" pitchFamily="34" charset="0"/>
-              </a:rPr>
-              <a:t>Does the “culture” of the company and attitude of the employee  influence the likelihood of an employee seeking help for a mental health issue?  </a:t>
-            </a:r>
-          </a:p>
-          <a:p>
-            <a:endParaRPr lang="en-US" sz="1600" b="1" dirty="0">
-              <a:latin typeface="Arial" panose="020B0604020202020204" pitchFamily="34" charset="0"/>
-              <a:cs typeface="Arial" panose="020B0604020202020204" pitchFamily="34" charset="0"/>
-            </a:endParaRPr>
-          </a:p>
-          <a:p>
-            <a:r>
-              <a:rPr lang="en-US" sz="1600" b="1" dirty="0">
-                <a:latin typeface="Arial" panose="020B0604020202020204" pitchFamily="34" charset="0"/>
-                <a:cs typeface="Arial" panose="020B0604020202020204" pitchFamily="34" charset="0"/>
-              </a:rPr>
-              <a:t>- Null hypotheses would be that the culture doesn’t influence the likelihood of an employee seeking help.</a:t>
-            </a:r>
-          </a:p>
-          <a:p>
-            <a:endParaRPr lang="en-US" sz="1600" b="1" dirty="0">
-              <a:latin typeface="Arial" panose="020B0604020202020204" pitchFamily="34" charset="0"/>
-              <a:cs typeface="Arial" panose="020B0604020202020204" pitchFamily="34" charset="0"/>
-            </a:endParaRPr>
-          </a:p>
-          <a:p>
-            <a:r>
-              <a:rPr lang="en-US" sz="1600" b="1" dirty="0">
-                <a:latin typeface="Arial" panose="020B0604020202020204" pitchFamily="34" charset="0"/>
-                <a:cs typeface="Arial" panose="020B0604020202020204" pitchFamily="34" charset="0"/>
-              </a:rPr>
-              <a:t>Culture includes things like self employed or not, number of employees, willingness to discuss mental health issue with coworkers or supervisors, etc.</a:t>
-            </a:r>
-          </a:p>
-          <a:p>
-            <a:endParaRPr lang="en-US" sz="1600" b="1" dirty="0">
-              <a:latin typeface="Arial" panose="020B0604020202020204" pitchFamily="34" charset="0"/>
-              <a:cs typeface="Arial" panose="020B0604020202020204" pitchFamily="34" charset="0"/>
-            </a:endParaRPr>
-          </a:p>
-          <a:p>
-            <a:r>
-              <a:rPr lang="en-US" sz="1600" b="1" dirty="0">
-                <a:latin typeface="Arial" panose="020B0604020202020204" pitchFamily="34" charset="0"/>
-                <a:cs typeface="Arial" panose="020B0604020202020204" pitchFamily="34" charset="0"/>
-              </a:rPr>
-              <a:t>Do more employees seek treatment in the US vs not the US?  </a:t>
-            </a:r>
-          </a:p>
-          <a:p>
-            <a:endParaRPr lang="en-US" sz="1600" b="1" dirty="0">
-              <a:latin typeface="Arial" panose="020B0604020202020204" pitchFamily="34" charset="0"/>
-              <a:cs typeface="Arial" panose="020B0604020202020204" pitchFamily="34" charset="0"/>
-            </a:endParaRPr>
-          </a:p>
-          <a:p>
-            <a:r>
-              <a:rPr lang="en-US" sz="1600" b="1" dirty="0">
-                <a:latin typeface="Arial" panose="020B0604020202020204" pitchFamily="34" charset="0"/>
-                <a:cs typeface="Arial" panose="020B0604020202020204" pitchFamily="34" charset="0"/>
-              </a:rPr>
-              <a:t>- Null hypotheses would be that country is not a factor in whether an employee seeks treatment or not.</a:t>
-            </a:r>
-          </a:p>
-          <a:p>
-            <a:endParaRPr lang="en-US" sz="1600" b="1" dirty="0">
-              <a:latin typeface="Arial" panose="020B0604020202020204" pitchFamily="34" charset="0"/>
-              <a:cs typeface="Arial" panose="020B0604020202020204" pitchFamily="34" charset="0"/>
-            </a:endParaRPr>
-          </a:p>
-          <a:p>
-            <a:r>
-              <a:rPr lang="en-US" sz="1600" b="1" dirty="0">
-                <a:latin typeface="Arial" panose="020B0604020202020204" pitchFamily="34" charset="0"/>
-                <a:cs typeface="Arial" panose="020B0604020202020204" pitchFamily="34" charset="0"/>
-              </a:rPr>
-              <a:t>Within the US, does the state play any part in the likelihood of an employee seeking treatment or not?  </a:t>
-            </a:r>
-          </a:p>
-          <a:p>
-            <a:endParaRPr lang="en-US" sz="1600" b="1" dirty="0">
-              <a:latin typeface="Arial" panose="020B0604020202020204" pitchFamily="34" charset="0"/>
-              <a:cs typeface="Arial" panose="020B0604020202020204" pitchFamily="34" charset="0"/>
-            </a:endParaRPr>
-          </a:p>
-          <a:p>
-            <a:r>
-              <a:rPr lang="en-US" sz="1600" b="1" dirty="0">
-                <a:latin typeface="Arial" panose="020B0604020202020204" pitchFamily="34" charset="0"/>
-                <a:cs typeface="Arial" panose="020B0604020202020204" pitchFamily="34" charset="0"/>
-              </a:rPr>
-              <a:t>- Null hypotheses would be that the state does not play a part.</a:t>
-            </a:r>
-          </a:p>
-        </p:txBody>
-      </p:sp>
-    </p:spTree>
-    <p:extLst>
-      <p:ext uri="{BB962C8B-B14F-4D97-AF65-F5344CB8AC3E}">
-        <p14:creationId xmlns:p14="http://schemas.microsoft.com/office/powerpoint/2010/main" val="266778053"/>
-      </p:ext>
-    </p:extLst>
-  </p:cSld>
-  <p:clrMapOvr>
-    <a:masterClrMapping/>
-  </p:clrMapOvr>
-</p:sld>
-</file>
-
-<file path=ppt/slides/slide5.xml><?xml version="1.0" encoding="utf-8"?>
-<p:sld xmlns:a="http://schemas.openxmlformats.org/drawingml/2006/main" xmlns:r="http://schemas.openxmlformats.org/officeDocument/2006/relationships" xmlns:p="http://schemas.openxmlformats.org/presentationml/2006/main">
-  <p:cSld>
-    <p:spTree>
-      <p:nvGrpSpPr>
-        <p:cNvPr id="1" name=""/>
-        <p:cNvGrpSpPr/>
-        <p:nvPr/>
-      </p:nvGrpSpPr>
-      <p:grpSpPr>
-        <a:xfrm>
-          <a:off x="0" y="0"/>
-          <a:ext cx="0" cy="0"/>
-          <a:chOff x="0" y="0"/>
-          <a:chExt cx="0" cy="0"/>
-        </a:xfrm>
-      </p:grpSpPr>
-      <p:sp>
-        <p:nvSpPr>
-          <p:cNvPr id="2" name="Title 1">
-            <a:extLst>
-              <a:ext uri="{FF2B5EF4-FFF2-40B4-BE49-F238E27FC236}">
-                <a16:creationId xmlns:a16="http://schemas.microsoft.com/office/drawing/2014/main" id="{7623033C-D143-41BB-8B3A-41B20A7C790F}"/>
-              </a:ext>
-            </a:extLst>
-          </p:cNvPr>
-          <p:cNvSpPr>
-            <a:spLocks noGrp="1"/>
-          </p:cNvSpPr>
-          <p:nvPr>
-            <p:ph type="title"/>
-          </p:nvPr>
-        </p:nvSpPr>
-        <p:spPr>
-          <a:xfrm>
-            <a:off x="677335" y="609600"/>
-            <a:ext cx="8596668" cy="1219200"/>
-          </a:xfrm>
-        </p:spPr>
-        <p:txBody>
-          <a:bodyPr/>
-          <a:lstStyle/>
-          <a:p>
-            <a:pPr algn="ctr"/>
-            <a:r>
-              <a:rPr lang="en-US" b="1" dirty="0">
-                <a:latin typeface="Arial" panose="020B0604020202020204" pitchFamily="34" charset="0"/>
-                <a:cs typeface="Arial" panose="020B0604020202020204" pitchFamily="34" charset="0"/>
-              </a:rPr>
-              <a:t>Tech Industry Outlook </a:t>
-            </a:r>
-          </a:p>
-        </p:txBody>
-      </p:sp>
-      <p:sp>
-        <p:nvSpPr>
-          <p:cNvPr id="3" name="Text Placeholder 2">
-            <a:extLst>
-              <a:ext uri="{FF2B5EF4-FFF2-40B4-BE49-F238E27FC236}">
-                <a16:creationId xmlns:a16="http://schemas.microsoft.com/office/drawing/2014/main" id="{B9F3EAD6-6952-42CD-ACAA-D8FB252D8A16}"/>
-              </a:ext>
-            </a:extLst>
-          </p:cNvPr>
-          <p:cNvSpPr>
-            <a:spLocks noGrp="1"/>
-          </p:cNvSpPr>
-          <p:nvPr>
-            <p:ph type="body" idx="1"/>
-          </p:nvPr>
-        </p:nvSpPr>
-        <p:spPr>
-          <a:xfrm>
-            <a:off x="925691" y="1828800"/>
-            <a:ext cx="8596668" cy="3636829"/>
-          </a:xfrm>
-        </p:spPr>
-        <p:txBody>
-          <a:bodyPr>
-            <a:normAutofit/>
-          </a:bodyPr>
-          <a:lstStyle/>
-          <a:p>
-            <a:r>
-              <a:rPr lang="en-US" sz="2800" dirty="0">
-                <a:latin typeface="Arial" panose="020B0604020202020204" pitchFamily="34" charset="0"/>
-                <a:cs typeface="Arial" panose="020B0604020202020204" pitchFamily="34" charset="0"/>
-              </a:rPr>
-              <a:t>A growing number of HR professionals recognize that early detection and treatment of mental illness often can prevent a crisis and reduce employers’ health care costs down the road. They are developing programs and plans to provide more support for their employees with psychiatric disorders—similar to the help they provide those with physical injuries or ailments.</a:t>
-            </a:r>
-          </a:p>
-        </p:txBody>
-      </p:sp>
-    </p:spTree>
-    <p:extLst>
-      <p:ext uri="{BB962C8B-B14F-4D97-AF65-F5344CB8AC3E}">
-        <p14:creationId xmlns:p14="http://schemas.microsoft.com/office/powerpoint/2010/main" val="1044854870"/>
-      </p:ext>
-    </p:extLst>
-  </p:cSld>
-  <p:clrMapOvr>
-    <a:masterClrMapping/>
-  </p:clrMapOvr>
-</p:sld>
-</file>
-
-<file path=ppt/slides/slide6.xml><?xml version="1.0" encoding="utf-8"?>
-<p:sld xmlns:a="http://schemas.openxmlformats.org/drawingml/2006/main" xmlns:r="http://schemas.openxmlformats.org/officeDocument/2006/relationships" xmlns:p="http://schemas.openxmlformats.org/presentationml/2006/main">
-  <p:cSld>
-    <p:spTree>
-      <p:nvGrpSpPr>
-        <p:cNvPr id="1" name=""/>
-        <p:cNvGrpSpPr/>
-        <p:nvPr/>
-      </p:nvGrpSpPr>
-      <p:grpSpPr>
-        <a:xfrm>
-          <a:off x="0" y="0"/>
-          <a:ext cx="0" cy="0"/>
-          <a:chOff x="0" y="0"/>
-          <a:chExt cx="0" cy="0"/>
-        </a:xfrm>
-      </p:grpSpPr>
-      <p:sp>
-        <p:nvSpPr>
-          <p:cNvPr id="2" name="Title 1">
-            <a:extLst>
-              <a:ext uri="{FF2B5EF4-FFF2-40B4-BE49-F238E27FC236}">
-                <a16:creationId xmlns:a16="http://schemas.microsoft.com/office/drawing/2014/main" id="{BAC14591-3DA6-47F0-BE50-6FEB0CC4D89E}"/>
-              </a:ext>
-            </a:extLst>
-          </p:cNvPr>
-          <p:cNvSpPr>
-            <a:spLocks noGrp="1"/>
-          </p:cNvSpPr>
-          <p:nvPr>
-            <p:ph type="title"/>
-          </p:nvPr>
-        </p:nvSpPr>
-        <p:spPr>
-          <a:xfrm>
-            <a:off x="1117601" y="2723444"/>
-            <a:ext cx="8596668" cy="1411111"/>
-          </a:xfrm>
-        </p:spPr>
-        <p:txBody>
-          <a:bodyPr>
-            <a:normAutofit/>
-          </a:bodyPr>
-          <a:lstStyle/>
-          <a:p>
-            <a:pPr algn="ctr"/>
-            <a:r>
-              <a:rPr lang="en-US" sz="7200" b="1" dirty="0">
-                <a:latin typeface="Arial" panose="020B0604020202020204" pitchFamily="34" charset="0"/>
-                <a:cs typeface="Arial" panose="020B0604020202020204" pitchFamily="34" charset="0"/>
-              </a:rPr>
-              <a:t>Visualizations</a:t>
-            </a:r>
-          </a:p>
-        </p:txBody>
-      </p:sp>
-    </p:spTree>
-    <p:extLst>
-      <p:ext uri="{BB962C8B-B14F-4D97-AF65-F5344CB8AC3E}">
-        <p14:creationId xmlns:p14="http://schemas.microsoft.com/office/powerpoint/2010/main" val="2360546521"/>
-      </p:ext>
-    </p:extLst>
-  </p:cSld>
-  <p:clrMapOvr>
-    <a:masterClrMapping/>
-  </p:clrMapOvr>
-</p:sld>
-</file>
-
-<file path=ppt/slides/slide7.xml><?xml version="1.0" encoding="utf-8"?>
-<p:sld xmlns:a="http://schemas.openxmlformats.org/drawingml/2006/main" xmlns:r="http://schemas.openxmlformats.org/officeDocument/2006/relationships" xmlns:p="http://schemas.openxmlformats.org/presentationml/2006/main">
-  <p:cSld>
-    <p:spTree>
-      <p:nvGrpSpPr>
-        <p:cNvPr id="1" name=""/>
-        <p:cNvGrpSpPr/>
-        <p:nvPr/>
-      </p:nvGrpSpPr>
-      <p:grpSpPr>
-        <a:xfrm>
-          <a:off x="0" y="0"/>
-          <a:ext cx="0" cy="0"/>
-          <a:chOff x="0" y="0"/>
-          <a:chExt cx="0" cy="0"/>
-        </a:xfrm>
-      </p:grpSpPr>
-      <p:pic>
-        <p:nvPicPr>
-          <p:cNvPr id="4" name="Picture 3">
-            <a:extLst>
-              <a:ext uri="{FF2B5EF4-FFF2-40B4-BE49-F238E27FC236}">
-                <a16:creationId xmlns:a16="http://schemas.microsoft.com/office/drawing/2014/main" id="{04380745-EE62-42CB-B0DB-A757629E9ED4}"/>
-              </a:ext>
-            </a:extLst>
-          </p:cNvPr>
-          <p:cNvPicPr>
-            <a:picLocks noChangeAspect="1"/>
-          </p:cNvPicPr>
-          <p:nvPr/>
-        </p:nvPicPr>
-        <p:blipFill rotWithShape="1">
-          <a:blip r:embed="rId2"/>
-          <a:srcRect b="3567"/>
-          <a:stretch/>
-        </p:blipFill>
-        <p:spPr>
-          <a:xfrm>
-            <a:off x="112542" y="98474"/>
-            <a:ext cx="11971606" cy="6654018"/>
-          </a:xfrm>
-          <a:prstGeom prst="rect">
-            <a:avLst/>
-          </a:prstGeom>
-        </p:spPr>
-      </p:pic>
-    </p:spTree>
-    <p:extLst>
-      <p:ext uri="{BB962C8B-B14F-4D97-AF65-F5344CB8AC3E}">
-        <p14:creationId xmlns:p14="http://schemas.microsoft.com/office/powerpoint/2010/main" val="3981362263"/>
-      </p:ext>
-    </p:extLst>
-  </p:cSld>
-  <p:clrMapOvr>
-    <a:masterClrMapping/>
-  </p:clrMapOvr>
-</p:sld>
-</file>
-
-<file path=ppt/slides/slide8.xml><?xml version="1.0" encoding="utf-8"?>
 <p:sld xmlns:a="http://schemas.openxmlformats.org/drawingml/2006/main" xmlns:r="http://schemas.openxmlformats.org/officeDocument/2006/relationships" xmlns:p="http://schemas.openxmlformats.org/presentationml/2006/main">
   <p:cSld>
     <p:spTree>
@@ -7892,10 +6438,22 @@
   <p:clrMapOvr>
     <a:masterClrMapping/>
   </p:clrMapOvr>
+  <mc:AlternateContent xmlns:mc="http://schemas.openxmlformats.org/markup-compatibility/2006">
+    <mc:Choice xmlns:p14="http://schemas.microsoft.com/office/powerpoint/2010/main" Requires="p14">
+      <p:transition spd="slow" p14:dur="4250">
+        <p:push dir="u"/>
+      </p:transition>
+    </mc:Choice>
+    <mc:Fallback>
+      <p:transition spd="slow">
+        <p:push dir="u"/>
+      </p:transition>
+    </mc:Fallback>
+  </mc:AlternateContent>
 </p:sld>
 </file>
 
-<file path=ppt/slides/slide9.xml><?xml version="1.0" encoding="utf-8"?>
+<file path=ppt/slides/slide11.xml><?xml version="1.0" encoding="utf-8"?>
 <p:sld xmlns:a="http://schemas.openxmlformats.org/drawingml/2006/main" xmlns:r="http://schemas.openxmlformats.org/officeDocument/2006/relationships" xmlns:p="http://schemas.openxmlformats.org/presentationml/2006/main">
   <p:cSld>
     <p:spTree>
@@ -7952,6 +6510,1796 @@
   <p:clrMapOvr>
     <a:masterClrMapping/>
   </p:clrMapOvr>
+  <mc:AlternateContent xmlns:mc="http://schemas.openxmlformats.org/markup-compatibility/2006">
+    <mc:Choice xmlns:p14="http://schemas.microsoft.com/office/powerpoint/2010/main" Requires="p14">
+      <p:transition spd="slow" p14:dur="4250">
+        <p:push dir="u"/>
+      </p:transition>
+    </mc:Choice>
+    <mc:Fallback>
+      <p:transition spd="slow">
+        <p:push dir="u"/>
+      </p:transition>
+    </mc:Fallback>
+  </mc:AlternateContent>
+</p:sld>
+</file>
+
+<file path=ppt/slides/slide12.xml><?xml version="1.0" encoding="utf-8"?>
+<p:sld xmlns:a="http://schemas.openxmlformats.org/drawingml/2006/main" xmlns:r="http://schemas.openxmlformats.org/officeDocument/2006/relationships" xmlns:p="http://schemas.openxmlformats.org/presentationml/2006/main">
+  <p:cSld>
+    <p:spTree>
+      <p:nvGrpSpPr>
+        <p:cNvPr id="1" name=""/>
+        <p:cNvGrpSpPr/>
+        <p:nvPr/>
+      </p:nvGrpSpPr>
+      <p:grpSpPr>
+        <a:xfrm>
+          <a:off x="0" y="0"/>
+          <a:ext cx="0" cy="0"/>
+          <a:chOff x="0" y="0"/>
+          <a:chExt cx="0" cy="0"/>
+        </a:xfrm>
+      </p:grpSpPr>
+      <p:sp>
+        <p:nvSpPr>
+          <p:cNvPr id="2" name="Title 1">
+            <a:extLst>
+              <a:ext uri="{FF2B5EF4-FFF2-40B4-BE49-F238E27FC236}">
+                <a16:creationId xmlns:a16="http://schemas.microsoft.com/office/drawing/2014/main" id="{ABA2A209-C0C5-4E0C-897C-F9D9E1C0C162}"/>
+              </a:ext>
+            </a:extLst>
+          </p:cNvPr>
+          <p:cNvSpPr>
+            <a:spLocks noGrp="1"/>
+          </p:cNvSpPr>
+          <p:nvPr>
+            <p:ph type="title"/>
+          </p:nvPr>
+        </p:nvSpPr>
+        <p:spPr>
+          <a:xfrm>
+            <a:off x="733777" y="544689"/>
+            <a:ext cx="8596668" cy="1080912"/>
+          </a:xfrm>
+        </p:spPr>
+        <p:txBody>
+          <a:bodyPr>
+            <a:normAutofit fontScale="90000"/>
+          </a:bodyPr>
+          <a:lstStyle/>
+          <a:p>
+            <a:pPr algn="ctr"/>
+            <a:r>
+              <a:rPr lang="en-US" sz="4900" b="1" dirty="0">
+                <a:latin typeface="Arial" panose="020B0604020202020204" pitchFamily="34" charset="0"/>
+                <a:cs typeface="Arial" panose="020B0604020202020204" pitchFamily="34" charset="0"/>
+              </a:rPr>
+              <a:t>Data Challenges/Limitations</a:t>
+            </a:r>
+            <a:br>
+              <a:rPr lang="en-US" dirty="0"/>
+            </a:br>
+            <a:endParaRPr lang="en-US" sz="6600" dirty="0">
+              <a:latin typeface="Arial" panose="020B0604020202020204" pitchFamily="34" charset="0"/>
+              <a:cs typeface="Arial" panose="020B0604020202020204" pitchFamily="34" charset="0"/>
+            </a:endParaRPr>
+          </a:p>
+        </p:txBody>
+      </p:sp>
+      <p:sp>
+        <p:nvSpPr>
+          <p:cNvPr id="3" name="TextBox 2">
+            <a:extLst>
+              <a:ext uri="{FF2B5EF4-FFF2-40B4-BE49-F238E27FC236}">
+                <a16:creationId xmlns:a16="http://schemas.microsoft.com/office/drawing/2014/main" id="{DCF63263-337B-48ED-B15E-084A1CBF40DE}"/>
+              </a:ext>
+            </a:extLst>
+          </p:cNvPr>
+          <p:cNvSpPr txBox="1"/>
+          <p:nvPr/>
+        </p:nvSpPr>
+        <p:spPr>
+          <a:xfrm>
+            <a:off x="835378" y="1625601"/>
+            <a:ext cx="8207022" cy="3416320"/>
+          </a:xfrm>
+          <a:prstGeom prst="rect">
+            <a:avLst/>
+          </a:prstGeom>
+          <a:noFill/>
+        </p:spPr>
+        <p:txBody>
+          <a:bodyPr wrap="square" rtlCol="0">
+            <a:spAutoFit/>
+          </a:bodyPr>
+          <a:lstStyle/>
+          <a:p>
+            <a:r>
+              <a:rPr lang="en-US" sz="2400" b="1" dirty="0">
+                <a:latin typeface="Arial" panose="020B0604020202020204" pitchFamily="34" charset="0"/>
+                <a:cs typeface="Arial" panose="020B0604020202020204" pitchFamily="34" charset="0"/>
+              </a:rPr>
+              <a:t>More recent data on positive work environments who have addressed the issue of mental health in tech jobs would have given us more of a comparison of 2014 compared to recent years. We believe that people are more open to talking about mental health in recent years since the stigma is down tremendously. Also, data on government policy to accommodate those with mental health in the workplace would be good to analyze.</a:t>
+            </a:r>
+            <a:endParaRPr lang="en-US" sz="2400" b="1" kern="1200" dirty="0">
+              <a:solidFill>
+                <a:schemeClr val="tx1"/>
+              </a:solidFill>
+              <a:latin typeface="Arial" panose="020B0604020202020204" pitchFamily="34" charset="0"/>
+              <a:cs typeface="Arial" panose="020B0604020202020204" pitchFamily="34" charset="0"/>
+            </a:endParaRPr>
+          </a:p>
+        </p:txBody>
+      </p:sp>
+    </p:spTree>
+    <p:extLst>
+      <p:ext uri="{BB962C8B-B14F-4D97-AF65-F5344CB8AC3E}">
+        <p14:creationId xmlns:p14="http://schemas.microsoft.com/office/powerpoint/2010/main" val="1007526785"/>
+      </p:ext>
+    </p:extLst>
+  </p:cSld>
+  <p:clrMapOvr>
+    <a:masterClrMapping/>
+  </p:clrMapOvr>
+  <mc:AlternateContent xmlns:mc="http://schemas.openxmlformats.org/markup-compatibility/2006">
+    <mc:Choice xmlns:p14="http://schemas.microsoft.com/office/powerpoint/2010/main" Requires="p14">
+      <p:transition spd="slow" p14:dur="4250">
+        <p:push dir="u"/>
+      </p:transition>
+    </mc:Choice>
+    <mc:Fallback>
+      <p:transition spd="slow">
+        <p:push dir="u"/>
+      </p:transition>
+    </mc:Fallback>
+  </mc:AlternateContent>
+</p:sld>
+</file>
+
+<file path=ppt/slides/slide13.xml><?xml version="1.0" encoding="utf-8"?>
+<p:sld xmlns:a="http://schemas.openxmlformats.org/drawingml/2006/main" xmlns:r="http://schemas.openxmlformats.org/officeDocument/2006/relationships" xmlns:p="http://schemas.openxmlformats.org/presentationml/2006/main">
+  <p:cSld>
+    <p:spTree>
+      <p:nvGrpSpPr>
+        <p:cNvPr id="1" name=""/>
+        <p:cNvGrpSpPr/>
+        <p:nvPr/>
+      </p:nvGrpSpPr>
+      <p:grpSpPr>
+        <a:xfrm>
+          <a:off x="0" y="0"/>
+          <a:ext cx="0" cy="0"/>
+          <a:chOff x="0" y="0"/>
+          <a:chExt cx="0" cy="0"/>
+        </a:xfrm>
+      </p:grpSpPr>
+      <p:sp>
+        <p:nvSpPr>
+          <p:cNvPr id="2" name="TextBox 1">
+            <a:extLst>
+              <a:ext uri="{FF2B5EF4-FFF2-40B4-BE49-F238E27FC236}">
+                <a16:creationId xmlns:a16="http://schemas.microsoft.com/office/drawing/2014/main" id="{1F24C36A-2D5A-DA44-879E-B7F63C6109D7}"/>
+              </a:ext>
+            </a:extLst>
+          </p:cNvPr>
+          <p:cNvSpPr txBox="1"/>
+          <p:nvPr/>
+        </p:nvSpPr>
+        <p:spPr>
+          <a:xfrm>
+            <a:off x="2425148" y="1928191"/>
+            <a:ext cx="2587568" cy="1015663"/>
+          </a:xfrm>
+          <a:prstGeom prst="rect">
+            <a:avLst/>
+          </a:prstGeom>
+          <a:noFill/>
+        </p:spPr>
+        <p:txBody>
+          <a:bodyPr wrap="none" rtlCol="0">
+            <a:spAutoFit/>
+          </a:bodyPr>
+          <a:lstStyle/>
+          <a:p>
+            <a:r>
+              <a:rPr lang="en-US" sz="2400" dirty="0"/>
+              <a:t>Machine Learning</a:t>
+            </a:r>
+          </a:p>
+          <a:p>
+            <a:r>
+              <a:rPr lang="en-US" dirty="0">
+                <a:hlinkClick r:id="rId2"/>
+              </a:rPr>
+              <a:t>Data Preparation</a:t>
+            </a:r>
+            <a:endParaRPr lang="en-US" dirty="0"/>
+          </a:p>
+          <a:p>
+            <a:r>
+              <a:rPr lang="en-US" dirty="0">
+                <a:hlinkClick r:id="rId3"/>
+              </a:rPr>
+              <a:t>Model Training</a:t>
+            </a:r>
+            <a:endParaRPr lang="en-US" dirty="0"/>
+          </a:p>
+        </p:txBody>
+      </p:sp>
+      <p:sp>
+        <p:nvSpPr>
+          <p:cNvPr id="3" name="TextBox 2">
+            <a:extLst>
+              <a:ext uri="{FF2B5EF4-FFF2-40B4-BE49-F238E27FC236}">
+                <a16:creationId xmlns:a16="http://schemas.microsoft.com/office/drawing/2014/main" id="{0A0AB4C1-D796-0440-B477-76E042918B77}"/>
+              </a:ext>
+            </a:extLst>
+          </p:cNvPr>
+          <p:cNvSpPr txBox="1"/>
+          <p:nvPr/>
+        </p:nvSpPr>
+        <p:spPr>
+          <a:xfrm>
+            <a:off x="2425148" y="3230217"/>
+            <a:ext cx="1719470" cy="1015663"/>
+          </a:xfrm>
+          <a:prstGeom prst="rect">
+            <a:avLst/>
+          </a:prstGeom>
+          <a:noFill/>
+        </p:spPr>
+        <p:txBody>
+          <a:bodyPr wrap="square" rtlCol="0">
+            <a:spAutoFit/>
+          </a:bodyPr>
+          <a:lstStyle/>
+          <a:p>
+            <a:r>
+              <a:rPr lang="en-US" sz="2400" dirty="0"/>
+              <a:t>Flask App</a:t>
+            </a:r>
+          </a:p>
+          <a:p>
+            <a:r>
+              <a:rPr lang="en-US" dirty="0">
+                <a:hlinkClick r:id="rId4"/>
+              </a:rPr>
+              <a:t>Python</a:t>
+            </a:r>
+            <a:endParaRPr lang="en-US" dirty="0"/>
+          </a:p>
+          <a:p>
+            <a:r>
+              <a:rPr lang="en-US" dirty="0">
+                <a:hlinkClick r:id="rId5"/>
+              </a:rPr>
+              <a:t>HTML</a:t>
+            </a:r>
+            <a:endParaRPr lang="en-US" dirty="0"/>
+          </a:p>
+        </p:txBody>
+      </p:sp>
+    </p:spTree>
+    <p:extLst>
+      <p:ext uri="{BB962C8B-B14F-4D97-AF65-F5344CB8AC3E}">
+        <p14:creationId xmlns:p14="http://schemas.microsoft.com/office/powerpoint/2010/main" val="663959809"/>
+      </p:ext>
+    </p:extLst>
+  </p:cSld>
+  <p:clrMapOvr>
+    <a:masterClrMapping/>
+  </p:clrMapOvr>
+  <mc:AlternateContent xmlns:mc="http://schemas.openxmlformats.org/markup-compatibility/2006">
+    <mc:Choice xmlns:p14="http://schemas.microsoft.com/office/powerpoint/2010/main" Requires="p14">
+      <p:transition spd="slow" p14:dur="4250"/>
+    </mc:Choice>
+    <mc:Fallback>
+      <p:transition spd="slow"/>
+    </mc:Fallback>
+  </mc:AlternateContent>
+</p:sld>
+</file>
+
+<file path=ppt/slides/slide14.xml><?xml version="1.0" encoding="utf-8"?>
+<p:sld xmlns:a="http://schemas.openxmlformats.org/drawingml/2006/main" xmlns:r="http://schemas.openxmlformats.org/officeDocument/2006/relationships" xmlns:p="http://schemas.openxmlformats.org/presentationml/2006/main">
+  <p:cSld>
+    <p:spTree>
+      <p:nvGrpSpPr>
+        <p:cNvPr id="1" name=""/>
+        <p:cNvGrpSpPr/>
+        <p:nvPr/>
+      </p:nvGrpSpPr>
+      <p:grpSpPr>
+        <a:xfrm>
+          <a:off x="0" y="0"/>
+          <a:ext cx="0" cy="0"/>
+          <a:chOff x="0" y="0"/>
+          <a:chExt cx="0" cy="0"/>
+        </a:xfrm>
+      </p:grpSpPr>
+      <p:sp>
+        <p:nvSpPr>
+          <p:cNvPr id="2" name="Rectangle 1">
+            <a:extLst>
+              <a:ext uri="{FF2B5EF4-FFF2-40B4-BE49-F238E27FC236}">
+                <a16:creationId xmlns:a16="http://schemas.microsoft.com/office/drawing/2014/main" id="{B57CABC0-6EE6-4DEB-9DBA-4E9FE34045F8}"/>
+              </a:ext>
+            </a:extLst>
+          </p:cNvPr>
+          <p:cNvSpPr/>
+          <p:nvPr/>
+        </p:nvSpPr>
+        <p:spPr>
+          <a:xfrm>
+            <a:off x="2901244" y="1001610"/>
+            <a:ext cx="5226755" cy="2979085"/>
+          </a:xfrm>
+          <a:prstGeom prst="rect">
+            <a:avLst/>
+          </a:prstGeom>
+        </p:spPr>
+        <p:txBody>
+          <a:bodyPr wrap="square">
+            <a:spAutoFit/>
+          </a:bodyPr>
+          <a:lstStyle/>
+          <a:p>
+            <a:pPr>
+              <a:lnSpc>
+                <a:spcPct val="107000"/>
+              </a:lnSpc>
+              <a:spcAft>
+                <a:spcPts val="800"/>
+              </a:spcAft>
+            </a:pPr>
+            <a:r>
+              <a:rPr lang="en-US" sz="4000" b="1" dirty="0">
+                <a:solidFill>
+                  <a:srgbClr val="2C2D30"/>
+                </a:solidFill>
+                <a:latin typeface="Arial" panose="020B0604020202020204" pitchFamily="34" charset="0"/>
+                <a:ea typeface="Times New Roman" panose="02020603050405020304" pitchFamily="18" charset="0"/>
+                <a:cs typeface="Arial" panose="020B0604020202020204" pitchFamily="34" charset="0"/>
+              </a:rPr>
+              <a:t>Technology Stack</a:t>
+            </a:r>
+          </a:p>
+          <a:p>
+            <a:pPr>
+              <a:lnSpc>
+                <a:spcPct val="107000"/>
+              </a:lnSpc>
+              <a:spcAft>
+                <a:spcPts val="800"/>
+              </a:spcAft>
+            </a:pPr>
+            <a:endParaRPr lang="en-US" sz="1600" b="1" dirty="0">
+              <a:solidFill>
+                <a:srgbClr val="2C2D30"/>
+              </a:solidFill>
+              <a:latin typeface="Arial" panose="020B0604020202020204" pitchFamily="34" charset="0"/>
+              <a:ea typeface="Times New Roman" panose="02020603050405020304" pitchFamily="18" charset="0"/>
+              <a:cs typeface="Arial" panose="020B0604020202020204" pitchFamily="34" charset="0"/>
+            </a:endParaRPr>
+          </a:p>
+          <a:p>
+            <a:pPr>
+              <a:lnSpc>
+                <a:spcPct val="107000"/>
+              </a:lnSpc>
+              <a:spcAft>
+                <a:spcPts val="800"/>
+              </a:spcAft>
+            </a:pPr>
+            <a:r>
+              <a:rPr lang="en-US" sz="3200" dirty="0">
+                <a:solidFill>
+                  <a:srgbClr val="2C2D30"/>
+                </a:solidFill>
+                <a:latin typeface="Arial" panose="020B0604020202020204" pitchFamily="34" charset="0"/>
+                <a:ea typeface="Times New Roman" panose="02020603050405020304" pitchFamily="18" charset="0"/>
+                <a:cs typeface="Times New Roman" panose="02020603050405020304" pitchFamily="18" charset="0"/>
+              </a:rPr>
+              <a:t>*Tableau</a:t>
+            </a:r>
+            <a:endParaRPr lang="en-US" sz="3200" dirty="0">
+              <a:latin typeface="Calibri" panose="020F0502020204030204" pitchFamily="34" charset="0"/>
+              <a:ea typeface="Calibri" panose="020F0502020204030204" pitchFamily="34" charset="0"/>
+              <a:cs typeface="Times New Roman" panose="02020603050405020304" pitchFamily="18" charset="0"/>
+            </a:endParaRPr>
+          </a:p>
+          <a:p>
+            <a:pPr>
+              <a:lnSpc>
+                <a:spcPct val="107000"/>
+              </a:lnSpc>
+              <a:spcAft>
+                <a:spcPts val="800"/>
+              </a:spcAft>
+            </a:pPr>
+            <a:r>
+              <a:rPr lang="en-US" sz="3200" dirty="0">
+                <a:solidFill>
+                  <a:srgbClr val="2C2D30"/>
+                </a:solidFill>
+                <a:latin typeface="Arial" panose="020B0604020202020204" pitchFamily="34" charset="0"/>
+                <a:ea typeface="Times New Roman" panose="02020603050405020304" pitchFamily="18" charset="0"/>
+                <a:cs typeface="Times New Roman" panose="02020603050405020304" pitchFamily="18" charset="0"/>
+              </a:rPr>
+              <a:t>*Machine Learning</a:t>
+            </a:r>
+            <a:endParaRPr lang="en-US" sz="3200" dirty="0">
+              <a:latin typeface="Calibri" panose="020F0502020204030204" pitchFamily="34" charset="0"/>
+              <a:ea typeface="Calibri" panose="020F0502020204030204" pitchFamily="34" charset="0"/>
+              <a:cs typeface="Times New Roman" panose="02020603050405020304" pitchFamily="18" charset="0"/>
+            </a:endParaRPr>
+          </a:p>
+          <a:p>
+            <a:pPr>
+              <a:lnSpc>
+                <a:spcPct val="107000"/>
+              </a:lnSpc>
+              <a:spcAft>
+                <a:spcPts val="800"/>
+              </a:spcAft>
+            </a:pPr>
+            <a:r>
+              <a:rPr lang="en-US" sz="3200" dirty="0">
+                <a:solidFill>
+                  <a:srgbClr val="2C2D30"/>
+                </a:solidFill>
+                <a:latin typeface="Arial" panose="020B0604020202020204" pitchFamily="34" charset="0"/>
+                <a:ea typeface="Times New Roman" panose="02020603050405020304" pitchFamily="18" charset="0"/>
+                <a:cs typeface="Times New Roman" panose="02020603050405020304" pitchFamily="18" charset="0"/>
+              </a:rPr>
+              <a:t>*Python</a:t>
+            </a:r>
+            <a:endParaRPr lang="en-US" sz="3200" dirty="0">
+              <a:effectLst/>
+              <a:latin typeface="Calibri" panose="020F0502020204030204" pitchFamily="34" charset="0"/>
+              <a:ea typeface="Calibri" panose="020F0502020204030204" pitchFamily="34" charset="0"/>
+              <a:cs typeface="Times New Roman" panose="02020603050405020304" pitchFamily="18" charset="0"/>
+            </a:endParaRPr>
+          </a:p>
+        </p:txBody>
+      </p:sp>
+    </p:spTree>
+    <p:extLst>
+      <p:ext uri="{BB962C8B-B14F-4D97-AF65-F5344CB8AC3E}">
+        <p14:creationId xmlns:p14="http://schemas.microsoft.com/office/powerpoint/2010/main" val="2630459948"/>
+      </p:ext>
+    </p:extLst>
+  </p:cSld>
+  <p:clrMapOvr>
+    <a:masterClrMapping/>
+  </p:clrMapOvr>
+  <mc:AlternateContent xmlns:mc="http://schemas.openxmlformats.org/markup-compatibility/2006">
+    <mc:Choice xmlns:p14="http://schemas.microsoft.com/office/powerpoint/2010/main" Requires="p14">
+      <p:transition spd="slow" p14:dur="4250">
+        <p:push dir="u"/>
+      </p:transition>
+    </mc:Choice>
+    <mc:Fallback>
+      <p:transition spd="slow">
+        <p:push dir="u"/>
+      </p:transition>
+    </mc:Fallback>
+  </mc:AlternateContent>
+</p:sld>
+</file>
+
+<file path=ppt/slides/slide15.xml><?xml version="1.0" encoding="utf-8"?>
+<p:sld xmlns:a="http://schemas.openxmlformats.org/drawingml/2006/main" xmlns:r="http://schemas.openxmlformats.org/officeDocument/2006/relationships" xmlns:p="http://schemas.openxmlformats.org/presentationml/2006/main">
+  <p:cSld>
+    <p:spTree>
+      <p:nvGrpSpPr>
+        <p:cNvPr id="1" name=""/>
+        <p:cNvGrpSpPr/>
+        <p:nvPr/>
+      </p:nvGrpSpPr>
+      <p:grpSpPr>
+        <a:xfrm>
+          <a:off x="0" y="0"/>
+          <a:ext cx="0" cy="0"/>
+          <a:chOff x="0" y="0"/>
+          <a:chExt cx="0" cy="0"/>
+        </a:xfrm>
+      </p:grpSpPr>
+      <p:sp>
+        <p:nvSpPr>
+          <p:cNvPr id="2" name="Title 1">
+            <a:extLst>
+              <a:ext uri="{FF2B5EF4-FFF2-40B4-BE49-F238E27FC236}">
+                <a16:creationId xmlns:a16="http://schemas.microsoft.com/office/drawing/2014/main" id="{DCFD4A2A-A2F0-41FB-8C08-1B8512689C2B}"/>
+              </a:ext>
+            </a:extLst>
+          </p:cNvPr>
+          <p:cNvSpPr>
+            <a:spLocks noGrp="1"/>
+          </p:cNvSpPr>
+          <p:nvPr>
+            <p:ph type="title"/>
+          </p:nvPr>
+        </p:nvSpPr>
+        <p:spPr>
+          <a:xfrm>
+            <a:off x="677334" y="609600"/>
+            <a:ext cx="8596668" cy="993422"/>
+          </a:xfrm>
+        </p:spPr>
+        <p:txBody>
+          <a:bodyPr>
+            <a:normAutofit/>
+          </a:bodyPr>
+          <a:lstStyle/>
+          <a:p>
+            <a:pPr algn="ctr"/>
+            <a:r>
+              <a:rPr lang="en-US" sz="4400" b="1" dirty="0">
+                <a:latin typeface="Arial" panose="020B0604020202020204" pitchFamily="34" charset="0"/>
+                <a:cs typeface="Arial" panose="020B0604020202020204" pitchFamily="34" charset="0"/>
+              </a:rPr>
+              <a:t>Data Sources</a:t>
+            </a:r>
+          </a:p>
+        </p:txBody>
+      </p:sp>
+      <p:sp>
+        <p:nvSpPr>
+          <p:cNvPr id="3" name="Rectangle 2">
+            <a:extLst>
+              <a:ext uri="{FF2B5EF4-FFF2-40B4-BE49-F238E27FC236}">
+                <a16:creationId xmlns:a16="http://schemas.microsoft.com/office/drawing/2014/main" id="{B8E87654-568F-4648-967C-562933CA1C20}"/>
+              </a:ext>
+            </a:extLst>
+          </p:cNvPr>
+          <p:cNvSpPr/>
+          <p:nvPr/>
+        </p:nvSpPr>
+        <p:spPr>
+          <a:xfrm>
+            <a:off x="1727200" y="2291645"/>
+            <a:ext cx="7416800" cy="1778115"/>
+          </a:xfrm>
+          <a:prstGeom prst="rect">
+            <a:avLst/>
+          </a:prstGeom>
+        </p:spPr>
+        <p:txBody>
+          <a:bodyPr wrap="square">
+            <a:spAutoFit/>
+          </a:bodyPr>
+          <a:lstStyle/>
+          <a:p>
+            <a:r>
+              <a:rPr lang="en-US" dirty="0">
+                <a:solidFill>
+                  <a:srgbClr val="2C2D30"/>
+                </a:solidFill>
+                <a:latin typeface="Arial" panose="020B0604020202020204" pitchFamily="34" charset="0"/>
+                <a:ea typeface="Times New Roman" panose="02020603050405020304" pitchFamily="18" charset="0"/>
+                <a:cs typeface="Times New Roman" panose="02020603050405020304" pitchFamily="18" charset="0"/>
+              </a:rPr>
+              <a:t>Source: (survey.csv)</a:t>
+            </a:r>
+          </a:p>
+          <a:p>
+            <a:r>
+              <a:rPr lang="en-US" u="sng" dirty="0">
+                <a:hlinkClick r:id="rId2"/>
+              </a:rPr>
+              <a:t> https://www.kaggle.com/osmi/mental-health-in-tech-survey/home</a:t>
+            </a:r>
+            <a:endParaRPr lang="en-US" u="sng" dirty="0"/>
+          </a:p>
+          <a:p>
+            <a:endParaRPr lang="en-US" u="sng" dirty="0"/>
+          </a:p>
+          <a:p>
+            <a:endParaRPr lang="en-US" dirty="0"/>
+          </a:p>
+          <a:p>
+            <a:pPr>
+              <a:lnSpc>
+                <a:spcPct val="107000"/>
+              </a:lnSpc>
+              <a:spcAft>
+                <a:spcPts val="800"/>
+              </a:spcAft>
+            </a:pPr>
+            <a:r>
+              <a:rPr lang="en-US" u="sng" dirty="0">
+                <a:solidFill>
+                  <a:srgbClr val="0000FF"/>
+                </a:solidFill>
+                <a:latin typeface="Arial" panose="020B0604020202020204" pitchFamily="34" charset="0"/>
+                <a:ea typeface="Times New Roman" panose="02020603050405020304" pitchFamily="18" charset="0"/>
+                <a:cs typeface="Times New Roman" panose="02020603050405020304" pitchFamily="18" charset="0"/>
+              </a:rPr>
+              <a:t>https://www.shrm.org/hr-today/news/hr-magazine/Pages/1014-mental-health.aspx</a:t>
+            </a:r>
+            <a:endParaRPr lang="en-US" sz="1600" dirty="0">
+              <a:latin typeface="Calibri" panose="020F0502020204030204" pitchFamily="34" charset="0"/>
+              <a:ea typeface="Calibri" panose="020F0502020204030204" pitchFamily="34" charset="0"/>
+              <a:cs typeface="Times New Roman" panose="02020603050405020304" pitchFamily="18" charset="0"/>
+            </a:endParaRPr>
+          </a:p>
+        </p:txBody>
+      </p:sp>
+    </p:spTree>
+    <p:extLst>
+      <p:ext uri="{BB962C8B-B14F-4D97-AF65-F5344CB8AC3E}">
+        <p14:creationId xmlns:p14="http://schemas.microsoft.com/office/powerpoint/2010/main" val="3078366343"/>
+      </p:ext>
+    </p:extLst>
+  </p:cSld>
+  <p:clrMapOvr>
+    <a:masterClrMapping/>
+  </p:clrMapOvr>
+  <mc:AlternateContent xmlns:mc="http://schemas.openxmlformats.org/markup-compatibility/2006">
+    <mc:Choice xmlns:p14="http://schemas.microsoft.com/office/powerpoint/2010/main" Requires="p14">
+      <p:transition spd="slow" p14:dur="4250">
+        <p:push dir="u"/>
+      </p:transition>
+    </mc:Choice>
+    <mc:Fallback>
+      <p:transition spd="slow">
+        <p:push dir="u"/>
+      </p:transition>
+    </mc:Fallback>
+  </mc:AlternateContent>
+</p:sld>
+</file>
+
+<file path=ppt/slides/slide2.xml><?xml version="1.0" encoding="utf-8"?>
+<p:sld xmlns:a="http://schemas.openxmlformats.org/drawingml/2006/main" xmlns:r="http://schemas.openxmlformats.org/officeDocument/2006/relationships" xmlns:p="http://schemas.openxmlformats.org/presentationml/2006/main">
+  <p:cSld>
+    <p:spTree>
+      <p:nvGrpSpPr>
+        <p:cNvPr id="1" name=""/>
+        <p:cNvGrpSpPr/>
+        <p:nvPr/>
+      </p:nvGrpSpPr>
+      <p:grpSpPr>
+        <a:xfrm>
+          <a:off x="0" y="0"/>
+          <a:ext cx="0" cy="0"/>
+          <a:chOff x="0" y="0"/>
+          <a:chExt cx="0" cy="0"/>
+        </a:xfrm>
+      </p:grpSpPr>
+      <p:sp>
+        <p:nvSpPr>
+          <p:cNvPr id="2" name="Title 1">
+            <a:extLst>
+              <a:ext uri="{FF2B5EF4-FFF2-40B4-BE49-F238E27FC236}">
+                <a16:creationId xmlns:a16="http://schemas.microsoft.com/office/drawing/2014/main" id="{6532CBED-9858-4B36-9572-1CAF34BFD3E4}"/>
+              </a:ext>
+            </a:extLst>
+          </p:cNvPr>
+          <p:cNvSpPr>
+            <a:spLocks noGrp="1"/>
+          </p:cNvSpPr>
+          <p:nvPr>
+            <p:ph type="title"/>
+          </p:nvPr>
+        </p:nvSpPr>
+        <p:spPr>
+          <a:xfrm>
+            <a:off x="677334" y="609600"/>
+            <a:ext cx="8596668" cy="880533"/>
+          </a:xfrm>
+        </p:spPr>
+        <p:txBody>
+          <a:bodyPr>
+            <a:normAutofit/>
+          </a:bodyPr>
+          <a:lstStyle/>
+          <a:p>
+            <a:pPr algn="ctr"/>
+            <a:r>
+              <a:rPr lang="en-US" sz="4400" b="1" dirty="0">
+                <a:latin typeface="Arial" panose="020B0604020202020204" pitchFamily="34" charset="0"/>
+                <a:cs typeface="Arial" panose="020B0604020202020204" pitchFamily="34" charset="0"/>
+              </a:rPr>
+              <a:t>Business Objectives</a:t>
+            </a:r>
+          </a:p>
+        </p:txBody>
+      </p:sp>
+      <p:sp>
+        <p:nvSpPr>
+          <p:cNvPr id="4" name="TextBox 3">
+            <a:extLst>
+              <a:ext uri="{FF2B5EF4-FFF2-40B4-BE49-F238E27FC236}">
+                <a16:creationId xmlns:a16="http://schemas.microsoft.com/office/drawing/2014/main" id="{DC3CFCA1-37FF-4DF2-8293-CFC27B469E85}"/>
+              </a:ext>
+            </a:extLst>
+          </p:cNvPr>
+          <p:cNvSpPr txBox="1"/>
+          <p:nvPr/>
+        </p:nvSpPr>
+        <p:spPr>
+          <a:xfrm>
+            <a:off x="677334" y="1490133"/>
+            <a:ext cx="5317067" cy="400110"/>
+          </a:xfrm>
+          <a:prstGeom prst="rect">
+            <a:avLst/>
+          </a:prstGeom>
+          <a:noFill/>
+        </p:spPr>
+        <p:txBody>
+          <a:bodyPr wrap="square" rtlCol="0">
+            <a:spAutoFit/>
+          </a:bodyPr>
+          <a:lstStyle/>
+          <a:p>
+            <a:r>
+              <a:rPr lang="en-US" sz="2000" b="1" dirty="0">
+                <a:latin typeface="Arial" panose="020B0604020202020204" pitchFamily="34" charset="0"/>
+                <a:cs typeface="Arial" panose="020B0604020202020204" pitchFamily="34" charset="0"/>
+              </a:rPr>
+              <a:t>Research Questions </a:t>
+            </a:r>
+          </a:p>
+        </p:txBody>
+      </p:sp>
+      <p:sp>
+        <p:nvSpPr>
+          <p:cNvPr id="5" name="TextBox 4">
+            <a:extLst>
+              <a:ext uri="{FF2B5EF4-FFF2-40B4-BE49-F238E27FC236}">
+                <a16:creationId xmlns:a16="http://schemas.microsoft.com/office/drawing/2014/main" id="{7CEFFE64-B657-47F5-A8F0-76DAD3166AD1}"/>
+              </a:ext>
+            </a:extLst>
+          </p:cNvPr>
+          <p:cNvSpPr txBox="1"/>
+          <p:nvPr/>
+        </p:nvSpPr>
+        <p:spPr>
+          <a:xfrm>
+            <a:off x="677334" y="2090943"/>
+            <a:ext cx="8506358" cy="4555093"/>
+          </a:xfrm>
+          <a:prstGeom prst="rect">
+            <a:avLst/>
+          </a:prstGeom>
+          <a:noFill/>
+        </p:spPr>
+        <p:txBody>
+          <a:bodyPr wrap="square" rtlCol="0">
+            <a:spAutoFit/>
+          </a:bodyPr>
+          <a:lstStyle/>
+          <a:p>
+            <a:pPr marL="342900" indent="-342900">
+              <a:buAutoNum type="arabicPeriod"/>
+            </a:pPr>
+            <a:r>
+              <a:rPr lang="en-US" sz="1600" dirty="0">
+                <a:latin typeface="Arial" panose="020B0604020202020204" pitchFamily="34" charset="0"/>
+                <a:cs typeface="Arial" panose="020B0604020202020204" pitchFamily="34" charset="0"/>
+              </a:rPr>
+              <a:t>What is the respondent demographics of those employees in tech that maybe facing mental illness in the tech world? </a:t>
+            </a:r>
+            <a:r>
+              <a:rPr lang="en-US" sz="1600" b="1" dirty="0">
+                <a:latin typeface="Arial" panose="020B0604020202020204" pitchFamily="34" charset="0"/>
+                <a:cs typeface="Arial" panose="020B0604020202020204" pitchFamily="34" charset="0"/>
+              </a:rPr>
+              <a:t>We can take a close look at age, gender, and treatment in the dataset.</a:t>
+            </a:r>
+          </a:p>
+          <a:p>
+            <a:endParaRPr lang="en-US" sz="1600" dirty="0">
+              <a:latin typeface="Arial" panose="020B0604020202020204" pitchFamily="34" charset="0"/>
+              <a:cs typeface="Arial" panose="020B0604020202020204" pitchFamily="34" charset="0"/>
+            </a:endParaRPr>
+          </a:p>
+          <a:p>
+            <a:pPr marL="342900" indent="-342900">
+              <a:buAutoNum type="arabicPeriod" startAt="2"/>
+            </a:pPr>
+            <a:r>
+              <a:rPr lang="en-US" sz="1600" dirty="0">
+                <a:latin typeface="Arial" panose="020B0604020202020204" pitchFamily="34" charset="0"/>
+                <a:cs typeface="Arial" panose="020B0604020202020204" pitchFamily="34" charset="0"/>
+              </a:rPr>
+              <a:t>What is the prevalence of mental illness of employees in tech? </a:t>
+            </a:r>
+            <a:r>
+              <a:rPr lang="en-US" sz="1600" b="1" dirty="0">
+                <a:latin typeface="Arial" panose="020B0604020202020204" pitchFamily="34" charset="0"/>
+                <a:cs typeface="Arial" panose="020B0604020202020204" pitchFamily="34" charset="0"/>
+              </a:rPr>
+              <a:t>We can analyze tech company, and family history the dataset.</a:t>
+            </a:r>
+          </a:p>
+          <a:p>
+            <a:endParaRPr lang="en-US" sz="1600" dirty="0">
+              <a:latin typeface="Arial" panose="020B0604020202020204" pitchFamily="34" charset="0"/>
+              <a:cs typeface="Arial" panose="020B0604020202020204" pitchFamily="34" charset="0"/>
+            </a:endParaRPr>
+          </a:p>
+          <a:p>
+            <a:pPr marL="342900" indent="-342900">
+              <a:buAutoNum type="arabicPeriod" startAt="3"/>
+            </a:pPr>
+            <a:r>
+              <a:rPr lang="en-US" sz="1600" dirty="0">
+                <a:latin typeface="Arial" panose="020B0604020202020204" pitchFamily="34" charset="0"/>
+                <a:cs typeface="Arial" panose="020B0604020202020204" pitchFamily="34" charset="0"/>
+              </a:rPr>
+              <a:t>Is there stigma placed on tech vs other employees that admit their mental health status</a:t>
+            </a:r>
+          </a:p>
+          <a:p>
+            <a:r>
+              <a:rPr lang="en-US" sz="1600" dirty="0">
+                <a:latin typeface="Arial" panose="020B0604020202020204" pitchFamily="34" charset="0"/>
+                <a:cs typeface="Arial" panose="020B0604020202020204" pitchFamily="34" charset="0"/>
+              </a:rPr>
+              <a:t>      on the job? </a:t>
+            </a:r>
+            <a:r>
+              <a:rPr lang="en-US" sz="1600" b="1" dirty="0">
+                <a:latin typeface="Arial" panose="020B0604020202020204" pitchFamily="34" charset="0"/>
+                <a:cs typeface="Arial" panose="020B0604020202020204" pitchFamily="34" charset="0"/>
+              </a:rPr>
+              <a:t>We can take a look at obs consequence, mental health interview,</a:t>
+            </a:r>
+          </a:p>
+          <a:p>
+            <a:r>
+              <a:rPr lang="en-US" sz="1600" b="1" dirty="0">
+                <a:latin typeface="Arial" panose="020B0604020202020204" pitchFamily="34" charset="0"/>
+                <a:cs typeface="Arial" panose="020B0604020202020204" pitchFamily="34" charset="0"/>
+              </a:rPr>
+              <a:t>      anonymity, and tech company in the dataset.</a:t>
+            </a:r>
+          </a:p>
+          <a:p>
+            <a:endParaRPr lang="en-US" sz="1600" dirty="0">
+              <a:latin typeface="Arial" panose="020B0604020202020204" pitchFamily="34" charset="0"/>
+              <a:cs typeface="Arial" panose="020B0604020202020204" pitchFamily="34" charset="0"/>
+            </a:endParaRPr>
+          </a:p>
+          <a:p>
+            <a:pPr marL="342900" indent="-342900">
+              <a:buAutoNum type="arabicPeriod" startAt="4"/>
+            </a:pPr>
+            <a:r>
+              <a:rPr lang="en-US" sz="1600" dirty="0">
+                <a:latin typeface="Arial" panose="020B0604020202020204" pitchFamily="34" charset="0"/>
+                <a:cs typeface="Arial" panose="020B0604020202020204" pitchFamily="34" charset="0"/>
+              </a:rPr>
+              <a:t>Are employees more likely willing to discuss mental health with other employees or their</a:t>
+            </a:r>
+          </a:p>
+          <a:p>
+            <a:r>
+              <a:rPr lang="en-US" sz="1600" dirty="0">
+                <a:latin typeface="Arial" panose="020B0604020202020204" pitchFamily="34" charset="0"/>
+                <a:cs typeface="Arial" panose="020B0604020202020204" pitchFamily="34" charset="0"/>
+              </a:rPr>
+              <a:t>      supervisor?  </a:t>
+            </a:r>
+            <a:r>
+              <a:rPr lang="en-US" sz="1600" b="1" dirty="0">
+                <a:latin typeface="Arial" panose="020B0604020202020204" pitchFamily="34" charset="0"/>
+                <a:cs typeface="Arial" panose="020B0604020202020204" pitchFamily="34" charset="0"/>
+              </a:rPr>
+              <a:t>We can look at coworkers, supervisor, and treatment in the dataset.</a:t>
+            </a:r>
+          </a:p>
+          <a:p>
+            <a:endParaRPr lang="en-US" sz="1600" b="1" dirty="0">
+              <a:latin typeface="Arial" panose="020B0604020202020204" pitchFamily="34" charset="0"/>
+              <a:cs typeface="Arial" panose="020B0604020202020204" pitchFamily="34" charset="0"/>
+            </a:endParaRPr>
+          </a:p>
+          <a:p>
+            <a:pPr marL="342900" indent="-342900">
+              <a:buAutoNum type="arabicPeriod" startAt="5"/>
+            </a:pPr>
+            <a:r>
+              <a:rPr lang="en-US" sz="1600" dirty="0">
+                <a:latin typeface="Arial" panose="020B0604020202020204" pitchFamily="34" charset="0"/>
+                <a:cs typeface="Arial" panose="020B0604020202020204" pitchFamily="34" charset="0"/>
+              </a:rPr>
+              <a:t>What are the availability of resources and support to those that are dealing with mental</a:t>
+            </a:r>
+          </a:p>
+          <a:p>
+            <a:r>
+              <a:rPr lang="en-US" sz="1600" dirty="0">
+                <a:latin typeface="Arial" panose="020B0604020202020204" pitchFamily="34" charset="0"/>
+                <a:cs typeface="Arial" panose="020B0604020202020204" pitchFamily="34" charset="0"/>
+              </a:rPr>
+              <a:t>      health on the job? </a:t>
+            </a:r>
+            <a:r>
+              <a:rPr lang="en-US" sz="1600" b="1" dirty="0">
+                <a:latin typeface="Arial" panose="020B0604020202020204" pitchFamily="34" charset="0"/>
+                <a:cs typeface="Arial" panose="020B0604020202020204" pitchFamily="34" charset="0"/>
+              </a:rPr>
+              <a:t>We can look at the benefits, wellness program, and leave</a:t>
+            </a:r>
+          </a:p>
+          <a:p>
+            <a:r>
+              <a:rPr lang="en-US" sz="1600" b="1" dirty="0">
+                <a:latin typeface="Arial" panose="020B0604020202020204" pitchFamily="34" charset="0"/>
+                <a:cs typeface="Arial" panose="020B0604020202020204" pitchFamily="34" charset="0"/>
+              </a:rPr>
+              <a:t>      dataset.</a:t>
+            </a:r>
+          </a:p>
+          <a:p>
+            <a:endParaRPr lang="en-US" dirty="0"/>
+          </a:p>
+        </p:txBody>
+      </p:sp>
+    </p:spTree>
+    <p:extLst>
+      <p:ext uri="{BB962C8B-B14F-4D97-AF65-F5344CB8AC3E}">
+        <p14:creationId xmlns:p14="http://schemas.microsoft.com/office/powerpoint/2010/main" val="1167095956"/>
+      </p:ext>
+    </p:extLst>
+  </p:cSld>
+  <p:clrMapOvr>
+    <a:masterClrMapping/>
+  </p:clrMapOvr>
+  <mc:AlternateContent xmlns:mc="http://schemas.openxmlformats.org/markup-compatibility/2006">
+    <mc:Choice xmlns:p14="http://schemas.microsoft.com/office/powerpoint/2010/main" Requires="p14">
+      <p:transition spd="slow" p14:dur="4250">
+        <p:push dir="u"/>
+      </p:transition>
+    </mc:Choice>
+    <mc:Fallback>
+      <p:transition spd="slow">
+        <p:push dir="u"/>
+      </p:transition>
+    </mc:Fallback>
+  </mc:AlternateContent>
+</p:sld>
+</file>
+
+<file path=ppt/slides/slide3.xml><?xml version="1.0" encoding="utf-8"?>
+<p:sld xmlns:a="http://schemas.openxmlformats.org/drawingml/2006/main" xmlns:r="http://schemas.openxmlformats.org/officeDocument/2006/relationships" xmlns:p="http://schemas.openxmlformats.org/presentationml/2006/main">
+  <p:cSld>
+    <p:spTree>
+      <p:nvGrpSpPr>
+        <p:cNvPr id="1" name=""/>
+        <p:cNvGrpSpPr/>
+        <p:nvPr/>
+      </p:nvGrpSpPr>
+      <p:grpSpPr>
+        <a:xfrm>
+          <a:off x="0" y="0"/>
+          <a:ext cx="0" cy="0"/>
+          <a:chOff x="0" y="0"/>
+          <a:chExt cx="0" cy="0"/>
+        </a:xfrm>
+      </p:grpSpPr>
+      <p:sp>
+        <p:nvSpPr>
+          <p:cNvPr id="2" name="Title 1">
+            <a:extLst>
+              <a:ext uri="{FF2B5EF4-FFF2-40B4-BE49-F238E27FC236}">
+                <a16:creationId xmlns:a16="http://schemas.microsoft.com/office/drawing/2014/main" id="{01A2F8DE-DCDB-4444-B448-F212E865F16A}"/>
+              </a:ext>
+            </a:extLst>
+          </p:cNvPr>
+          <p:cNvSpPr>
+            <a:spLocks noGrp="1"/>
+          </p:cNvSpPr>
+          <p:nvPr>
+            <p:ph type="title"/>
+          </p:nvPr>
+        </p:nvSpPr>
+        <p:spPr>
+          <a:xfrm>
+            <a:off x="677333" y="609600"/>
+            <a:ext cx="9922933" cy="1320800"/>
+          </a:xfrm>
+        </p:spPr>
+        <p:txBody>
+          <a:bodyPr>
+            <a:noAutofit/>
+          </a:bodyPr>
+          <a:lstStyle/>
+          <a:p>
+            <a:r>
+              <a:rPr lang="en-US" b="1" dirty="0">
+                <a:latin typeface="Arial" panose="020B0604020202020204" pitchFamily="34" charset="0"/>
+                <a:cs typeface="Arial" panose="020B0604020202020204" pitchFamily="34" charset="0"/>
+              </a:rPr>
+              <a:t>The Total Cost of Hiring an Employee</a:t>
+            </a:r>
+          </a:p>
+        </p:txBody>
+      </p:sp>
+      <p:sp>
+        <p:nvSpPr>
+          <p:cNvPr id="3" name="TextBox 2">
+            <a:extLst>
+              <a:ext uri="{FF2B5EF4-FFF2-40B4-BE49-F238E27FC236}">
+                <a16:creationId xmlns:a16="http://schemas.microsoft.com/office/drawing/2014/main" id="{4D9D339A-A5FB-4195-89D8-DB77DE6B2366}"/>
+              </a:ext>
+            </a:extLst>
+          </p:cNvPr>
+          <p:cNvSpPr txBox="1"/>
+          <p:nvPr/>
+        </p:nvSpPr>
+        <p:spPr>
+          <a:xfrm>
+            <a:off x="778932" y="1473200"/>
+            <a:ext cx="8884357" cy="5078313"/>
+          </a:xfrm>
+          <a:prstGeom prst="rect">
+            <a:avLst/>
+          </a:prstGeom>
+          <a:noFill/>
+        </p:spPr>
+        <p:txBody>
+          <a:bodyPr wrap="square" rtlCol="0">
+            <a:spAutoFit/>
+          </a:bodyPr>
+          <a:lstStyle/>
+          <a:p>
+            <a:r>
+              <a:rPr lang="en-US" b="1" dirty="0">
+                <a:latin typeface="Arial" panose="020B0604020202020204" pitchFamily="34" charset="0"/>
+                <a:cs typeface="Arial" panose="020B0604020202020204" pitchFamily="34" charset="0"/>
+              </a:rPr>
+              <a:t>Unfortunately, it’s very difficult to pinpoint a precise amount of money it takes to hire a new employee. However, there are some general guidelines to make an educated guess.</a:t>
+            </a:r>
+          </a:p>
+          <a:p>
+            <a:endParaRPr lang="en-US" b="1" dirty="0">
+              <a:latin typeface="Arial" panose="020B0604020202020204" pitchFamily="34" charset="0"/>
+              <a:cs typeface="Arial" panose="020B0604020202020204" pitchFamily="34" charset="0"/>
+            </a:endParaRPr>
+          </a:p>
+          <a:p>
+            <a:r>
+              <a:rPr lang="en-US" b="1" dirty="0">
+                <a:latin typeface="Arial" panose="020B0604020202020204" pitchFamily="34" charset="0"/>
+                <a:cs typeface="Arial" panose="020B0604020202020204" pitchFamily="34" charset="0"/>
+              </a:rPr>
+              <a:t>•	As stated in a study by the National Association of Colleges and Employers, hiring an employee in a company with 0-500 people costs an average of $7,645.</a:t>
+            </a:r>
+          </a:p>
+          <a:p>
+            <a:endParaRPr lang="en-US" b="1" dirty="0">
+              <a:latin typeface="Arial" panose="020B0604020202020204" pitchFamily="34" charset="0"/>
+              <a:cs typeface="Arial" panose="020B0604020202020204" pitchFamily="34" charset="0"/>
+            </a:endParaRPr>
+          </a:p>
+          <a:p>
+            <a:r>
+              <a:rPr lang="en-US" b="1" dirty="0">
+                <a:latin typeface="Arial" panose="020B0604020202020204" pitchFamily="34" charset="0"/>
+                <a:cs typeface="Arial" panose="020B0604020202020204" pitchFamily="34" charset="0"/>
+              </a:rPr>
+              <a:t>•	Another study by the Society for Human Resource Management states that the average cost to hire an employee is $4,129, with around 42 days to fill a position.</a:t>
+            </a:r>
+          </a:p>
+          <a:p>
+            <a:endParaRPr lang="en-US" b="1" dirty="0">
+              <a:latin typeface="Arial" panose="020B0604020202020204" pitchFamily="34" charset="0"/>
+              <a:cs typeface="Arial" panose="020B0604020202020204" pitchFamily="34" charset="0"/>
+            </a:endParaRPr>
+          </a:p>
+          <a:p>
+            <a:r>
+              <a:rPr lang="en-US" b="1" dirty="0">
+                <a:latin typeface="Arial" panose="020B0604020202020204" pitchFamily="34" charset="0"/>
+                <a:cs typeface="Arial" panose="020B0604020202020204" pitchFamily="34" charset="0"/>
+              </a:rPr>
+              <a:t>•	According to Glassdoor, the average company in the United States spends about $4,000 to hire a new employee, taking up to 52 days to fill a position.</a:t>
+            </a:r>
+          </a:p>
+          <a:p>
+            <a:r>
+              <a:rPr lang="en-US" b="1" dirty="0">
+                <a:latin typeface="Arial" panose="020B0604020202020204" pitchFamily="34" charset="0"/>
+                <a:cs typeface="Arial" panose="020B0604020202020204" pitchFamily="34" charset="0"/>
+              </a:rPr>
+              <a:t>If you’re replacing someone instead of filling a new position, stakes get even higher. Another research by SHRM states that it takes up to 50-60% of an employee’s annual salary to find a direct replacement. Turnover can be quite costly, summing up to a total of 90-200% of an employee’s annual salary.</a:t>
+            </a:r>
+          </a:p>
+        </p:txBody>
+      </p:sp>
+    </p:spTree>
+    <p:extLst>
+      <p:ext uri="{BB962C8B-B14F-4D97-AF65-F5344CB8AC3E}">
+        <p14:creationId xmlns:p14="http://schemas.microsoft.com/office/powerpoint/2010/main" val="3696588280"/>
+      </p:ext>
+    </p:extLst>
+  </p:cSld>
+  <p:clrMapOvr>
+    <a:masterClrMapping/>
+  </p:clrMapOvr>
+  <mc:AlternateContent xmlns:mc="http://schemas.openxmlformats.org/markup-compatibility/2006">
+    <mc:Choice xmlns:p14="http://schemas.microsoft.com/office/powerpoint/2010/main" Requires="p14">
+      <p:transition spd="slow" p14:dur="4250">
+        <p:push dir="u"/>
+      </p:transition>
+    </mc:Choice>
+    <mc:Fallback>
+      <p:transition spd="slow">
+        <p:push dir="u"/>
+      </p:transition>
+    </mc:Fallback>
+  </mc:AlternateContent>
+</p:sld>
+</file>
+
+<file path=ppt/slides/slide4.xml><?xml version="1.0" encoding="utf-8"?>
+<p:sld xmlns:a="http://schemas.openxmlformats.org/drawingml/2006/main" xmlns:r="http://schemas.openxmlformats.org/officeDocument/2006/relationships" xmlns:p="http://schemas.openxmlformats.org/presentationml/2006/main">
+  <p:cSld>
+    <p:spTree>
+      <p:nvGrpSpPr>
+        <p:cNvPr id="1" name=""/>
+        <p:cNvGrpSpPr/>
+        <p:nvPr/>
+      </p:nvGrpSpPr>
+      <p:grpSpPr>
+        <a:xfrm>
+          <a:off x="0" y="0"/>
+          <a:ext cx="0" cy="0"/>
+          <a:chOff x="0" y="0"/>
+          <a:chExt cx="0" cy="0"/>
+        </a:xfrm>
+      </p:grpSpPr>
+      <p:sp>
+        <p:nvSpPr>
+          <p:cNvPr id="2" name="Title 1">
+            <a:extLst>
+              <a:ext uri="{FF2B5EF4-FFF2-40B4-BE49-F238E27FC236}">
+                <a16:creationId xmlns:a16="http://schemas.microsoft.com/office/drawing/2014/main" id="{331EC1DD-A54D-4040-AB7C-049BAEA2950E}"/>
+              </a:ext>
+            </a:extLst>
+          </p:cNvPr>
+          <p:cNvSpPr>
+            <a:spLocks noGrp="1"/>
+          </p:cNvSpPr>
+          <p:nvPr>
+            <p:ph type="title"/>
+          </p:nvPr>
+        </p:nvSpPr>
+        <p:spPr>
+          <a:xfrm>
+            <a:off x="666046" y="508000"/>
+            <a:ext cx="8596668" cy="1038578"/>
+          </a:xfrm>
+        </p:spPr>
+        <p:txBody>
+          <a:bodyPr>
+            <a:normAutofit/>
+          </a:bodyPr>
+          <a:lstStyle/>
+          <a:p>
+            <a:pPr algn="ctr"/>
+            <a:r>
+              <a:rPr lang="en-US" sz="4400" b="1" dirty="0">
+                <a:latin typeface="Arial" panose="020B0604020202020204" pitchFamily="34" charset="0"/>
+                <a:cs typeface="Arial" panose="020B0604020202020204" pitchFamily="34" charset="0"/>
+              </a:rPr>
+              <a:t>Hypotheses</a:t>
+            </a:r>
+          </a:p>
+        </p:txBody>
+      </p:sp>
+      <p:sp>
+        <p:nvSpPr>
+          <p:cNvPr id="3" name="TextBox 2">
+            <a:extLst>
+              <a:ext uri="{FF2B5EF4-FFF2-40B4-BE49-F238E27FC236}">
+                <a16:creationId xmlns:a16="http://schemas.microsoft.com/office/drawing/2014/main" id="{D736C4FB-7923-480D-8B08-26BFBEB7F165}"/>
+              </a:ext>
+            </a:extLst>
+          </p:cNvPr>
+          <p:cNvSpPr txBox="1"/>
+          <p:nvPr/>
+        </p:nvSpPr>
+        <p:spPr>
+          <a:xfrm>
+            <a:off x="666046" y="1828800"/>
+            <a:ext cx="8681154" cy="4524315"/>
+          </a:xfrm>
+          <a:prstGeom prst="rect">
+            <a:avLst/>
+          </a:prstGeom>
+          <a:noFill/>
+        </p:spPr>
+        <p:txBody>
+          <a:bodyPr wrap="square" rtlCol="0">
+            <a:spAutoFit/>
+          </a:bodyPr>
+          <a:lstStyle/>
+          <a:p>
+            <a:r>
+              <a:rPr lang="en-US" sz="1600" b="1" dirty="0">
+                <a:latin typeface="Arial" panose="020B0604020202020204" pitchFamily="34" charset="0"/>
+                <a:cs typeface="Arial" panose="020B0604020202020204" pitchFamily="34" charset="0"/>
+              </a:rPr>
+              <a:t>Does the “culture” of the company and attitude of the employee  influence the likelihood of an employee seeking help for a mental health issue?  </a:t>
+            </a:r>
+          </a:p>
+          <a:p>
+            <a:endParaRPr lang="en-US" sz="1600" b="1" dirty="0">
+              <a:latin typeface="Arial" panose="020B0604020202020204" pitchFamily="34" charset="0"/>
+              <a:cs typeface="Arial" panose="020B0604020202020204" pitchFamily="34" charset="0"/>
+            </a:endParaRPr>
+          </a:p>
+          <a:p>
+            <a:r>
+              <a:rPr lang="en-US" sz="1600" b="1" dirty="0">
+                <a:latin typeface="Arial" panose="020B0604020202020204" pitchFamily="34" charset="0"/>
+                <a:cs typeface="Arial" panose="020B0604020202020204" pitchFamily="34" charset="0"/>
+              </a:rPr>
+              <a:t>- Null hypotheses would be that the culture doesn’t influence the likelihood of an employee seeking help.</a:t>
+            </a:r>
+          </a:p>
+          <a:p>
+            <a:endParaRPr lang="en-US" sz="1600" b="1" dirty="0">
+              <a:latin typeface="Arial" panose="020B0604020202020204" pitchFamily="34" charset="0"/>
+              <a:cs typeface="Arial" panose="020B0604020202020204" pitchFamily="34" charset="0"/>
+            </a:endParaRPr>
+          </a:p>
+          <a:p>
+            <a:r>
+              <a:rPr lang="en-US" sz="1600" b="1" dirty="0">
+                <a:latin typeface="Arial" panose="020B0604020202020204" pitchFamily="34" charset="0"/>
+                <a:cs typeface="Arial" panose="020B0604020202020204" pitchFamily="34" charset="0"/>
+              </a:rPr>
+              <a:t>Culture includes things like self employed or not, number of employees, willingness to discuss mental health issue with coworkers or supervisors, etc.</a:t>
+            </a:r>
+          </a:p>
+          <a:p>
+            <a:endParaRPr lang="en-US" sz="1600" b="1" dirty="0">
+              <a:latin typeface="Arial" panose="020B0604020202020204" pitchFamily="34" charset="0"/>
+              <a:cs typeface="Arial" panose="020B0604020202020204" pitchFamily="34" charset="0"/>
+            </a:endParaRPr>
+          </a:p>
+          <a:p>
+            <a:r>
+              <a:rPr lang="en-US" sz="1600" b="1" dirty="0">
+                <a:latin typeface="Arial" panose="020B0604020202020204" pitchFamily="34" charset="0"/>
+                <a:cs typeface="Arial" panose="020B0604020202020204" pitchFamily="34" charset="0"/>
+              </a:rPr>
+              <a:t>Do more employees seek treatment in the US vs not the US?  </a:t>
+            </a:r>
+          </a:p>
+          <a:p>
+            <a:endParaRPr lang="en-US" sz="1600" b="1" dirty="0">
+              <a:latin typeface="Arial" panose="020B0604020202020204" pitchFamily="34" charset="0"/>
+              <a:cs typeface="Arial" panose="020B0604020202020204" pitchFamily="34" charset="0"/>
+            </a:endParaRPr>
+          </a:p>
+          <a:p>
+            <a:r>
+              <a:rPr lang="en-US" sz="1600" b="1" dirty="0">
+                <a:latin typeface="Arial" panose="020B0604020202020204" pitchFamily="34" charset="0"/>
+                <a:cs typeface="Arial" panose="020B0604020202020204" pitchFamily="34" charset="0"/>
+              </a:rPr>
+              <a:t>- Null hypotheses would be that country is not a factor in whether an employee seeks treatment or not.</a:t>
+            </a:r>
+          </a:p>
+          <a:p>
+            <a:endParaRPr lang="en-US" sz="1600" b="1" dirty="0">
+              <a:latin typeface="Arial" panose="020B0604020202020204" pitchFamily="34" charset="0"/>
+              <a:cs typeface="Arial" panose="020B0604020202020204" pitchFamily="34" charset="0"/>
+            </a:endParaRPr>
+          </a:p>
+          <a:p>
+            <a:r>
+              <a:rPr lang="en-US" sz="1600" b="1" dirty="0">
+                <a:latin typeface="Arial" panose="020B0604020202020204" pitchFamily="34" charset="0"/>
+                <a:cs typeface="Arial" panose="020B0604020202020204" pitchFamily="34" charset="0"/>
+              </a:rPr>
+              <a:t>Within the US, does the state play any part in the likelihood of an employee seeking treatment or not?  </a:t>
+            </a:r>
+          </a:p>
+          <a:p>
+            <a:endParaRPr lang="en-US" sz="1600" b="1" dirty="0">
+              <a:latin typeface="Arial" panose="020B0604020202020204" pitchFamily="34" charset="0"/>
+              <a:cs typeface="Arial" panose="020B0604020202020204" pitchFamily="34" charset="0"/>
+            </a:endParaRPr>
+          </a:p>
+          <a:p>
+            <a:r>
+              <a:rPr lang="en-US" sz="1600" b="1" dirty="0">
+                <a:latin typeface="Arial" panose="020B0604020202020204" pitchFamily="34" charset="0"/>
+                <a:cs typeface="Arial" panose="020B0604020202020204" pitchFamily="34" charset="0"/>
+              </a:rPr>
+              <a:t>- Null hypotheses would be that they state does not play a part.</a:t>
+            </a:r>
+          </a:p>
+        </p:txBody>
+      </p:sp>
+    </p:spTree>
+    <p:extLst>
+      <p:ext uri="{BB962C8B-B14F-4D97-AF65-F5344CB8AC3E}">
+        <p14:creationId xmlns:p14="http://schemas.microsoft.com/office/powerpoint/2010/main" val="266778053"/>
+      </p:ext>
+    </p:extLst>
+  </p:cSld>
+  <p:clrMapOvr>
+    <a:masterClrMapping/>
+  </p:clrMapOvr>
+  <mc:AlternateContent xmlns:mc="http://schemas.openxmlformats.org/markup-compatibility/2006">
+    <mc:Choice xmlns:p14="http://schemas.microsoft.com/office/powerpoint/2010/main" Requires="p14">
+      <p:transition spd="slow" p14:dur="4250">
+        <p:push dir="u"/>
+      </p:transition>
+    </mc:Choice>
+    <mc:Fallback>
+      <p:transition spd="slow">
+        <p:push dir="u"/>
+      </p:transition>
+    </mc:Fallback>
+  </mc:AlternateContent>
+</p:sld>
+</file>
+
+<file path=ppt/slides/slide5.xml><?xml version="1.0" encoding="utf-8"?>
+<p:sld xmlns:a="http://schemas.openxmlformats.org/drawingml/2006/main" xmlns:r="http://schemas.openxmlformats.org/officeDocument/2006/relationships" xmlns:p="http://schemas.openxmlformats.org/presentationml/2006/main">
+  <p:cSld>
+    <p:spTree>
+      <p:nvGrpSpPr>
+        <p:cNvPr id="1" name=""/>
+        <p:cNvGrpSpPr/>
+        <p:nvPr/>
+      </p:nvGrpSpPr>
+      <p:grpSpPr>
+        <a:xfrm>
+          <a:off x="0" y="0"/>
+          <a:ext cx="0" cy="0"/>
+          <a:chOff x="0" y="0"/>
+          <a:chExt cx="0" cy="0"/>
+        </a:xfrm>
+      </p:grpSpPr>
+      <p:sp>
+        <p:nvSpPr>
+          <p:cNvPr id="2" name="Title 1">
+            <a:extLst>
+              <a:ext uri="{FF2B5EF4-FFF2-40B4-BE49-F238E27FC236}">
+                <a16:creationId xmlns:a16="http://schemas.microsoft.com/office/drawing/2014/main" id="{7623033C-D143-41BB-8B3A-41B20A7C790F}"/>
+              </a:ext>
+            </a:extLst>
+          </p:cNvPr>
+          <p:cNvSpPr>
+            <a:spLocks noGrp="1"/>
+          </p:cNvSpPr>
+          <p:nvPr>
+            <p:ph type="title"/>
+          </p:nvPr>
+        </p:nvSpPr>
+        <p:spPr>
+          <a:xfrm>
+            <a:off x="677335" y="609600"/>
+            <a:ext cx="8596668" cy="1219200"/>
+          </a:xfrm>
+        </p:spPr>
+        <p:txBody>
+          <a:bodyPr/>
+          <a:lstStyle/>
+          <a:p>
+            <a:pPr algn="ctr"/>
+            <a:r>
+              <a:rPr lang="en-US" b="1" dirty="0">
+                <a:latin typeface="Arial" panose="020B0604020202020204" pitchFamily="34" charset="0"/>
+                <a:cs typeface="Arial" panose="020B0604020202020204" pitchFamily="34" charset="0"/>
+              </a:rPr>
+              <a:t>Tech Industry Outlook </a:t>
+            </a:r>
+          </a:p>
+        </p:txBody>
+      </p:sp>
+      <p:sp>
+        <p:nvSpPr>
+          <p:cNvPr id="3" name="Text Placeholder 2">
+            <a:extLst>
+              <a:ext uri="{FF2B5EF4-FFF2-40B4-BE49-F238E27FC236}">
+                <a16:creationId xmlns:a16="http://schemas.microsoft.com/office/drawing/2014/main" id="{B9F3EAD6-6952-42CD-ACAA-D8FB252D8A16}"/>
+              </a:ext>
+            </a:extLst>
+          </p:cNvPr>
+          <p:cNvSpPr>
+            <a:spLocks noGrp="1"/>
+          </p:cNvSpPr>
+          <p:nvPr>
+            <p:ph type="body" idx="1"/>
+          </p:nvPr>
+        </p:nvSpPr>
+        <p:spPr>
+          <a:xfrm>
+            <a:off x="925691" y="1828800"/>
+            <a:ext cx="8596668" cy="3636829"/>
+          </a:xfrm>
+        </p:spPr>
+        <p:txBody>
+          <a:bodyPr>
+            <a:normAutofit/>
+          </a:bodyPr>
+          <a:lstStyle/>
+          <a:p>
+            <a:r>
+              <a:rPr lang="en-US" sz="2800" dirty="0">
+                <a:latin typeface="Arial" panose="020B0604020202020204" pitchFamily="34" charset="0"/>
+                <a:cs typeface="Arial" panose="020B0604020202020204" pitchFamily="34" charset="0"/>
+              </a:rPr>
+              <a:t>A growing number of HR professionals recognize that early detection and treatment of mental illness often can prevent a crisis and reduce employers’ health care costs down the road. They are developing programs and plans to provide more support for their employees with psychiatric disorders—similar to the help they provide those with physical injuries or ailments.</a:t>
+            </a:r>
+          </a:p>
+        </p:txBody>
+      </p:sp>
+    </p:spTree>
+    <p:extLst>
+      <p:ext uri="{BB962C8B-B14F-4D97-AF65-F5344CB8AC3E}">
+        <p14:creationId xmlns:p14="http://schemas.microsoft.com/office/powerpoint/2010/main" val="1044854870"/>
+      </p:ext>
+    </p:extLst>
+  </p:cSld>
+  <p:clrMapOvr>
+    <a:masterClrMapping/>
+  </p:clrMapOvr>
+  <mc:AlternateContent xmlns:mc="http://schemas.openxmlformats.org/markup-compatibility/2006">
+    <mc:Choice xmlns:p14="http://schemas.microsoft.com/office/powerpoint/2010/main" Requires="p14">
+      <p:transition spd="slow" p14:dur="4250">
+        <p:push dir="u"/>
+      </p:transition>
+    </mc:Choice>
+    <mc:Fallback>
+      <p:transition spd="slow">
+        <p:push dir="u"/>
+      </p:transition>
+    </mc:Fallback>
+  </mc:AlternateContent>
+</p:sld>
+</file>
+
+<file path=ppt/slides/slide6.xml><?xml version="1.0" encoding="utf-8"?>
+<p:sld xmlns:a="http://schemas.openxmlformats.org/drawingml/2006/main" xmlns:r="http://schemas.openxmlformats.org/officeDocument/2006/relationships" xmlns:p="http://schemas.openxmlformats.org/presentationml/2006/main">
+  <p:cSld>
+    <p:spTree>
+      <p:nvGrpSpPr>
+        <p:cNvPr id="1" name=""/>
+        <p:cNvGrpSpPr/>
+        <p:nvPr/>
+      </p:nvGrpSpPr>
+      <p:grpSpPr>
+        <a:xfrm>
+          <a:off x="0" y="0"/>
+          <a:ext cx="0" cy="0"/>
+          <a:chOff x="0" y="0"/>
+          <a:chExt cx="0" cy="0"/>
+        </a:xfrm>
+      </p:grpSpPr>
+      <p:sp>
+        <p:nvSpPr>
+          <p:cNvPr id="2" name="Title 1">
+            <a:extLst>
+              <a:ext uri="{FF2B5EF4-FFF2-40B4-BE49-F238E27FC236}">
+                <a16:creationId xmlns:a16="http://schemas.microsoft.com/office/drawing/2014/main" id="{B86F6B4A-FF51-4C8C-87D7-30F1B69A9DAA}"/>
+              </a:ext>
+            </a:extLst>
+          </p:cNvPr>
+          <p:cNvSpPr>
+            <a:spLocks noGrp="1"/>
+          </p:cNvSpPr>
+          <p:nvPr>
+            <p:ph type="title"/>
+          </p:nvPr>
+        </p:nvSpPr>
+        <p:spPr/>
+        <p:txBody>
+          <a:bodyPr>
+            <a:normAutofit/>
+          </a:bodyPr>
+          <a:lstStyle/>
+          <a:p>
+            <a:r>
+              <a:rPr lang="en-US" sz="4400" b="1" dirty="0">
+                <a:latin typeface="Arial" panose="020B0604020202020204" pitchFamily="34" charset="0"/>
+                <a:cs typeface="Arial" panose="020B0604020202020204" pitchFamily="34" charset="0"/>
+              </a:rPr>
+              <a:t>Data Set</a:t>
+            </a:r>
+          </a:p>
+        </p:txBody>
+      </p:sp>
+      <p:pic>
+        <p:nvPicPr>
+          <p:cNvPr id="3" name="Picture 2">
+            <a:extLst>
+              <a:ext uri="{FF2B5EF4-FFF2-40B4-BE49-F238E27FC236}">
+                <a16:creationId xmlns:a16="http://schemas.microsoft.com/office/drawing/2014/main" id="{85BDB7D7-CD6F-44E6-9295-D8B74DB49703}"/>
+              </a:ext>
+            </a:extLst>
+          </p:cNvPr>
+          <p:cNvPicPr>
+            <a:picLocks noChangeAspect="1"/>
+          </p:cNvPicPr>
+          <p:nvPr/>
+        </p:nvPicPr>
+        <p:blipFill>
+          <a:blip r:embed="rId2"/>
+          <a:stretch>
+            <a:fillRect/>
+          </a:stretch>
+        </p:blipFill>
+        <p:spPr>
+          <a:xfrm>
+            <a:off x="677335" y="1448972"/>
+            <a:ext cx="6750408" cy="5219114"/>
+          </a:xfrm>
+          <a:prstGeom prst="rect">
+            <a:avLst/>
+          </a:prstGeom>
+        </p:spPr>
+      </p:pic>
+    </p:spTree>
+    <p:extLst>
+      <p:ext uri="{BB962C8B-B14F-4D97-AF65-F5344CB8AC3E}">
+        <p14:creationId xmlns:p14="http://schemas.microsoft.com/office/powerpoint/2010/main" val="2340351775"/>
+      </p:ext>
+    </p:extLst>
+  </p:cSld>
+  <p:clrMapOvr>
+    <a:masterClrMapping/>
+  </p:clrMapOvr>
+</p:sld>
+</file>
+
+<file path=ppt/slides/slide7.xml><?xml version="1.0" encoding="utf-8"?>
+<p:sld xmlns:a="http://schemas.openxmlformats.org/drawingml/2006/main" xmlns:r="http://schemas.openxmlformats.org/officeDocument/2006/relationships" xmlns:p="http://schemas.openxmlformats.org/presentationml/2006/main">
+  <p:cSld>
+    <p:spTree>
+      <p:nvGrpSpPr>
+        <p:cNvPr id="1" name=""/>
+        <p:cNvGrpSpPr/>
+        <p:nvPr/>
+      </p:nvGrpSpPr>
+      <p:grpSpPr>
+        <a:xfrm>
+          <a:off x="0" y="0"/>
+          <a:ext cx="0" cy="0"/>
+          <a:chOff x="0" y="0"/>
+          <a:chExt cx="0" cy="0"/>
+        </a:xfrm>
+      </p:grpSpPr>
+      <p:sp>
+        <p:nvSpPr>
+          <p:cNvPr id="2" name="Title 1">
+            <a:extLst>
+              <a:ext uri="{FF2B5EF4-FFF2-40B4-BE49-F238E27FC236}">
+                <a16:creationId xmlns:a16="http://schemas.microsoft.com/office/drawing/2014/main" id="{2E277E54-82B7-4908-9098-D7494CB78ECE}"/>
+              </a:ext>
+            </a:extLst>
+          </p:cNvPr>
+          <p:cNvSpPr>
+            <a:spLocks noGrp="1"/>
+          </p:cNvSpPr>
+          <p:nvPr>
+            <p:ph type="title"/>
+          </p:nvPr>
+        </p:nvSpPr>
+        <p:spPr/>
+        <p:txBody>
+          <a:bodyPr/>
+          <a:lstStyle/>
+          <a:p>
+            <a:r>
+              <a:rPr lang="en-US" b="1" dirty="0">
+                <a:latin typeface="Arial" panose="020B0604020202020204" pitchFamily="34" charset="0"/>
+                <a:cs typeface="Arial" panose="020B0604020202020204" pitchFamily="34" charset="0"/>
+              </a:rPr>
+              <a:t>Data Set</a:t>
+            </a:r>
+            <a:endParaRPr lang="en-US" dirty="0"/>
+          </a:p>
+        </p:txBody>
+      </p:sp>
+      <p:pic>
+        <p:nvPicPr>
+          <p:cNvPr id="4" name="Picture 3">
+            <a:extLst>
+              <a:ext uri="{FF2B5EF4-FFF2-40B4-BE49-F238E27FC236}">
+                <a16:creationId xmlns:a16="http://schemas.microsoft.com/office/drawing/2014/main" id="{0D65565F-AC11-4C95-90D1-E218A3784C93}"/>
+              </a:ext>
+            </a:extLst>
+          </p:cNvPr>
+          <p:cNvPicPr>
+            <a:picLocks noChangeAspect="1"/>
+          </p:cNvPicPr>
+          <p:nvPr/>
+        </p:nvPicPr>
+        <p:blipFill>
+          <a:blip r:embed="rId2"/>
+          <a:stretch>
+            <a:fillRect/>
+          </a:stretch>
+        </p:blipFill>
+        <p:spPr>
+          <a:xfrm>
+            <a:off x="677334" y="1427733"/>
+            <a:ext cx="6103294" cy="4635442"/>
+          </a:xfrm>
+          <a:prstGeom prst="rect">
+            <a:avLst/>
+          </a:prstGeom>
+        </p:spPr>
+      </p:pic>
+    </p:spTree>
+    <p:extLst>
+      <p:ext uri="{BB962C8B-B14F-4D97-AF65-F5344CB8AC3E}">
+        <p14:creationId xmlns:p14="http://schemas.microsoft.com/office/powerpoint/2010/main" val="1859085272"/>
+      </p:ext>
+    </p:extLst>
+  </p:cSld>
+  <p:clrMapOvr>
+    <a:masterClrMapping/>
+  </p:clrMapOvr>
+</p:sld>
+</file>
+
+<file path=ppt/slides/slide8.xml><?xml version="1.0" encoding="utf-8"?>
+<p:sld xmlns:a="http://schemas.openxmlformats.org/drawingml/2006/main" xmlns:r="http://schemas.openxmlformats.org/officeDocument/2006/relationships" xmlns:p="http://schemas.openxmlformats.org/presentationml/2006/main">
+  <p:cSld>
+    <p:spTree>
+      <p:nvGrpSpPr>
+        <p:cNvPr id="1" name=""/>
+        <p:cNvGrpSpPr/>
+        <p:nvPr/>
+      </p:nvGrpSpPr>
+      <p:grpSpPr>
+        <a:xfrm>
+          <a:off x="0" y="0"/>
+          <a:ext cx="0" cy="0"/>
+          <a:chOff x="0" y="0"/>
+          <a:chExt cx="0" cy="0"/>
+        </a:xfrm>
+      </p:grpSpPr>
+      <p:sp>
+        <p:nvSpPr>
+          <p:cNvPr id="2" name="Title 1">
+            <a:extLst>
+              <a:ext uri="{FF2B5EF4-FFF2-40B4-BE49-F238E27FC236}">
+                <a16:creationId xmlns:a16="http://schemas.microsoft.com/office/drawing/2014/main" id="{BAC14591-3DA6-47F0-BE50-6FEB0CC4D89E}"/>
+              </a:ext>
+            </a:extLst>
+          </p:cNvPr>
+          <p:cNvSpPr>
+            <a:spLocks noGrp="1"/>
+          </p:cNvSpPr>
+          <p:nvPr>
+            <p:ph type="title"/>
+          </p:nvPr>
+        </p:nvSpPr>
+        <p:spPr>
+          <a:xfrm>
+            <a:off x="1117601" y="2723444"/>
+            <a:ext cx="8596668" cy="1411111"/>
+          </a:xfrm>
+        </p:spPr>
+        <p:txBody>
+          <a:bodyPr>
+            <a:normAutofit/>
+          </a:bodyPr>
+          <a:lstStyle/>
+          <a:p>
+            <a:pPr algn="ctr"/>
+            <a:r>
+              <a:rPr lang="en-US" sz="7200" b="1" dirty="0">
+                <a:latin typeface="Arial" panose="020B0604020202020204" pitchFamily="34" charset="0"/>
+                <a:cs typeface="Arial" panose="020B0604020202020204" pitchFamily="34" charset="0"/>
+              </a:rPr>
+              <a:t>Visualizations</a:t>
+            </a:r>
+          </a:p>
+        </p:txBody>
+      </p:sp>
+    </p:spTree>
+    <p:extLst>
+      <p:ext uri="{BB962C8B-B14F-4D97-AF65-F5344CB8AC3E}">
+        <p14:creationId xmlns:p14="http://schemas.microsoft.com/office/powerpoint/2010/main" val="2360546521"/>
+      </p:ext>
+    </p:extLst>
+  </p:cSld>
+  <p:clrMapOvr>
+    <a:masterClrMapping/>
+  </p:clrMapOvr>
+  <mc:AlternateContent xmlns:mc="http://schemas.openxmlformats.org/markup-compatibility/2006">
+    <mc:Choice xmlns:p14="http://schemas.microsoft.com/office/powerpoint/2010/main" Requires="p14">
+      <p:transition spd="slow" p14:dur="4250">
+        <p:push dir="u"/>
+      </p:transition>
+    </mc:Choice>
+    <mc:Fallback>
+      <p:transition spd="slow">
+        <p:push dir="u"/>
+      </p:transition>
+    </mc:Fallback>
+  </mc:AlternateContent>
+</p:sld>
+</file>
+
+<file path=ppt/slides/slide9.xml><?xml version="1.0" encoding="utf-8"?>
+<p:sld xmlns:a="http://schemas.openxmlformats.org/drawingml/2006/main" xmlns:r="http://schemas.openxmlformats.org/officeDocument/2006/relationships" xmlns:p="http://schemas.openxmlformats.org/presentationml/2006/main">
+  <p:cSld>
+    <p:spTree>
+      <p:nvGrpSpPr>
+        <p:cNvPr id="1" name=""/>
+        <p:cNvGrpSpPr/>
+        <p:nvPr/>
+      </p:nvGrpSpPr>
+      <p:grpSpPr>
+        <a:xfrm>
+          <a:off x="0" y="0"/>
+          <a:ext cx="0" cy="0"/>
+          <a:chOff x="0" y="0"/>
+          <a:chExt cx="0" cy="0"/>
+        </a:xfrm>
+      </p:grpSpPr>
+      <p:pic>
+        <p:nvPicPr>
+          <p:cNvPr id="4" name="Picture 3">
+            <a:extLst>
+              <a:ext uri="{FF2B5EF4-FFF2-40B4-BE49-F238E27FC236}">
+                <a16:creationId xmlns:a16="http://schemas.microsoft.com/office/drawing/2014/main" id="{04380745-EE62-42CB-B0DB-A757629E9ED4}"/>
+              </a:ext>
+            </a:extLst>
+          </p:cNvPr>
+          <p:cNvPicPr>
+            <a:picLocks noChangeAspect="1"/>
+          </p:cNvPicPr>
+          <p:nvPr/>
+        </p:nvPicPr>
+        <p:blipFill rotWithShape="1">
+          <a:blip r:embed="rId2"/>
+          <a:srcRect b="3567"/>
+          <a:stretch/>
+        </p:blipFill>
+        <p:spPr>
+          <a:xfrm>
+            <a:off x="112542" y="98474"/>
+            <a:ext cx="11971606" cy="6654018"/>
+          </a:xfrm>
+          <a:prstGeom prst="rect">
+            <a:avLst/>
+          </a:prstGeom>
+        </p:spPr>
+      </p:pic>
+    </p:spTree>
+    <p:extLst>
+      <p:ext uri="{BB962C8B-B14F-4D97-AF65-F5344CB8AC3E}">
+        <p14:creationId xmlns:p14="http://schemas.microsoft.com/office/powerpoint/2010/main" val="3981362263"/>
+      </p:ext>
+    </p:extLst>
+  </p:cSld>
+  <p:clrMapOvr>
+    <a:masterClrMapping/>
+  </p:clrMapOvr>
+  <mc:AlternateContent xmlns:mc="http://schemas.openxmlformats.org/markup-compatibility/2006">
+    <mc:Choice xmlns:p14="http://schemas.microsoft.com/office/powerpoint/2010/main" Requires="p14">
+      <p:transition spd="slow" p14:dur="4250">
+        <p:push dir="u"/>
+      </p:transition>
+    </mc:Choice>
+    <mc:Fallback>
+      <p:transition spd="slow">
+        <p:push dir="u"/>
+      </p:transition>
+    </mc:Fallback>
+  </mc:AlternateContent>
 </p:sld>
 </file>
 

--- a/MHinTech.pptx
+++ b/MHinTech.pptx
@@ -6572,11 +6572,11 @@
           <a:p>
             <a:pPr algn="ctr"/>
             <a:r>
-              <a:rPr lang="en-US" sz="4900" b="1" dirty="0">
+              <a:rPr lang="en-US" sz="4900" b="1">
                 <a:latin typeface="Arial" panose="020B0604020202020204" pitchFamily="34" charset="0"/>
                 <a:cs typeface="Arial" panose="020B0604020202020204" pitchFamily="34" charset="0"/>
               </a:rPr>
-              <a:t>Data Challenges/Limitations</a:t>
+              <a:t>Current Stance</a:t>
             </a:r>
             <a:br>
               <a:rPr lang="en-US" dirty="0"/>
